--- a/Praesentation.pptx
+++ b/Praesentation.pptx
@@ -252,7 +252,7 @@
           <a:p>
             <a:fld id="{8BBAEF12-46D5-574A-A1C8-4ED79D70BDA2}" type="datetimeFigureOut">
               <a:rPr lang="de-DE" smtClean="0"/>
-              <a:t>13.03.2016</a:t>
+              <a:t>14.03.16</a:t>
             </a:fld>
             <a:endParaRPr lang="de-DE"/>
           </a:p>
@@ -2716,1488 +2716,7 @@
           <a:bodyPr/>
           <a:lstStyle/>
           <a:p>
-            <a:r>
-              <a:rPr lang="en-US" dirty="0" smtClean="0"/>
-              <a:t>Example</a:t>
-            </a:r>
-            <a:r>
-              <a:rPr lang="en-US" baseline="0" dirty="0" smtClean="0"/>
-              <a:t> 5</a:t>
-            </a:r>
-          </a:p>
-          <a:p>
-            <a:r>
-              <a:rPr lang="en-US" sz="1200" dirty="0" smtClean="0">
-                <a:solidFill>
-                  <a:srgbClr val="808040"/>
-                </a:solidFill>
-                <a:highlight>
-                  <a:srgbClr val="FFFFFF"/>
-                </a:highlight>
-              </a:rPr>
-              <a:t>import</a:t>
-            </a:r>
-            <a:r>
-              <a:rPr lang="en-US" sz="1200" dirty="0" smtClean="0">
-                <a:solidFill>
-                  <a:srgbClr val="000000"/>
-                </a:solidFill>
-                <a:highlight>
-                  <a:srgbClr val="FFFFFF"/>
-                </a:highlight>
-              </a:rPr>
-              <a:t> </a:t>
-            </a:r>
-            <a:r>
-              <a:rPr lang="en-US" sz="1200" dirty="0" err="1" smtClean="0">
-                <a:solidFill>
-                  <a:srgbClr val="808080"/>
-                </a:solidFill>
-                <a:highlight>
-                  <a:srgbClr val="FFFFFF"/>
-                </a:highlight>
-              </a:rPr>
-              <a:t>QtQuick</a:t>
-            </a:r>
-            <a:r>
-              <a:rPr lang="en-US" sz="1200" dirty="0" smtClean="0">
-                <a:solidFill>
-                  <a:srgbClr val="000000"/>
-                </a:solidFill>
-                <a:highlight>
-                  <a:srgbClr val="FFFFFF"/>
-                </a:highlight>
-              </a:rPr>
-              <a:t> </a:t>
-            </a:r>
-            <a:r>
-              <a:rPr lang="en-US" sz="1200" dirty="0" smtClean="0">
-                <a:solidFill>
-                  <a:srgbClr val="FF8000"/>
-                </a:solidFill>
-                <a:highlight>
-                  <a:srgbClr val="FFFFFF"/>
-                </a:highlight>
-              </a:rPr>
-              <a:t>2</a:t>
-            </a:r>
-            <a:r>
-              <a:rPr lang="en-US" sz="1200" dirty="0" smtClean="0">
-                <a:solidFill>
-                  <a:srgbClr val="000000"/>
-                </a:solidFill>
-                <a:highlight>
-                  <a:srgbClr val="FFFFFF"/>
-                </a:highlight>
-              </a:rPr>
-              <a:t>.</a:t>
-            </a:r>
-            <a:r>
-              <a:rPr lang="en-US" sz="1200" dirty="0" smtClean="0">
-                <a:solidFill>
-                  <a:srgbClr val="FF8000"/>
-                </a:solidFill>
-                <a:highlight>
-                  <a:srgbClr val="FFFFFF"/>
-                </a:highlight>
-              </a:rPr>
-              <a:t>5</a:t>
-            </a:r>
-            <a:endParaRPr lang="en-US" sz="1200" dirty="0" smtClean="0">
-              <a:solidFill>
-                <a:srgbClr val="000000"/>
-              </a:solidFill>
-              <a:highlight>
-                <a:srgbClr val="FFFFFF"/>
-              </a:highlight>
-            </a:endParaRPr>
-          </a:p>
-          <a:p>
-            <a:r>
-              <a:rPr lang="en-US" sz="1200" dirty="0" smtClean="0">
-                <a:solidFill>
-                  <a:srgbClr val="808040"/>
-                </a:solidFill>
-                <a:highlight>
-                  <a:srgbClr val="FFFFFF"/>
-                </a:highlight>
-              </a:rPr>
-              <a:t>import</a:t>
-            </a:r>
-            <a:r>
-              <a:rPr lang="en-US" sz="1200" dirty="0" smtClean="0">
-                <a:solidFill>
-                  <a:srgbClr val="000000"/>
-                </a:solidFill>
-                <a:highlight>
-                  <a:srgbClr val="FFFFFF"/>
-                </a:highlight>
-              </a:rPr>
-              <a:t> </a:t>
-            </a:r>
-            <a:r>
-              <a:rPr lang="en-US" sz="1200" dirty="0" err="1" smtClean="0">
-                <a:solidFill>
-                  <a:srgbClr val="808080"/>
-                </a:solidFill>
-                <a:highlight>
-                  <a:srgbClr val="FFFFFF"/>
-                </a:highlight>
-              </a:rPr>
-              <a:t>QtQuick</a:t>
-            </a:r>
-            <a:r>
-              <a:rPr lang="en-US" sz="1200" dirty="0" err="1" smtClean="0">
-                <a:solidFill>
-                  <a:srgbClr val="000000"/>
-                </a:solidFill>
-                <a:highlight>
-                  <a:srgbClr val="FFFFFF"/>
-                </a:highlight>
-              </a:rPr>
-              <a:t>.</a:t>
-            </a:r>
-            <a:r>
-              <a:rPr lang="en-US" sz="1200" dirty="0" err="1" smtClean="0">
-                <a:solidFill>
-                  <a:srgbClr val="800080"/>
-                </a:solidFill>
-                <a:highlight>
-                  <a:srgbClr val="FFFFFF"/>
-                </a:highlight>
-              </a:rPr>
-              <a:t>Window</a:t>
-            </a:r>
-            <a:r>
-              <a:rPr lang="en-US" sz="1200" dirty="0" smtClean="0">
-                <a:solidFill>
-                  <a:srgbClr val="000000"/>
-                </a:solidFill>
-                <a:highlight>
-                  <a:srgbClr val="FFFFFF"/>
-                </a:highlight>
-              </a:rPr>
-              <a:t> </a:t>
-            </a:r>
-            <a:r>
-              <a:rPr lang="en-US" sz="1200" dirty="0" smtClean="0">
-                <a:solidFill>
-                  <a:srgbClr val="FF8000"/>
-                </a:solidFill>
-                <a:highlight>
-                  <a:srgbClr val="FFFFFF"/>
-                </a:highlight>
-              </a:rPr>
-              <a:t>2</a:t>
-            </a:r>
-            <a:r>
-              <a:rPr lang="en-US" sz="1200" dirty="0" smtClean="0">
-                <a:solidFill>
-                  <a:srgbClr val="000000"/>
-                </a:solidFill>
-                <a:highlight>
-                  <a:srgbClr val="FFFFFF"/>
-                </a:highlight>
-              </a:rPr>
-              <a:t>.</a:t>
-            </a:r>
-            <a:r>
-              <a:rPr lang="en-US" sz="1200" dirty="0" smtClean="0">
-                <a:solidFill>
-                  <a:srgbClr val="FF8000"/>
-                </a:solidFill>
-                <a:highlight>
-                  <a:srgbClr val="FFFFFF"/>
-                </a:highlight>
-              </a:rPr>
-              <a:t>2</a:t>
-            </a:r>
-            <a:endParaRPr lang="en-US" sz="1200" dirty="0" smtClean="0">
-              <a:solidFill>
-                <a:srgbClr val="000000"/>
-              </a:solidFill>
-              <a:highlight>
-                <a:srgbClr val="FFFFFF"/>
-              </a:highlight>
-            </a:endParaRPr>
-          </a:p>
-          <a:p>
-            <a:r>
-              <a:rPr lang="en-US" sz="1200" dirty="0" smtClean="0">
-                <a:solidFill>
-                  <a:srgbClr val="808040"/>
-                </a:solidFill>
-                <a:highlight>
-                  <a:srgbClr val="FFFFFF"/>
-                </a:highlight>
-              </a:rPr>
-              <a:t>import</a:t>
-            </a:r>
-            <a:r>
-              <a:rPr lang="en-US" sz="1200" dirty="0" smtClean="0">
-                <a:solidFill>
-                  <a:srgbClr val="000000"/>
-                </a:solidFill>
-                <a:highlight>
-                  <a:srgbClr val="FFFFFF"/>
-                </a:highlight>
-              </a:rPr>
-              <a:t> </a:t>
-            </a:r>
-            <a:r>
-              <a:rPr lang="en-US" sz="1200" dirty="0" err="1" smtClean="0">
-                <a:solidFill>
-                  <a:srgbClr val="808080"/>
-                </a:solidFill>
-                <a:highlight>
-                  <a:srgbClr val="FFFFFF"/>
-                </a:highlight>
-              </a:rPr>
-              <a:t>QtQuick</a:t>
-            </a:r>
-            <a:r>
-              <a:rPr lang="en-US" sz="1200" dirty="0" err="1" smtClean="0">
-                <a:solidFill>
-                  <a:srgbClr val="000000"/>
-                </a:solidFill>
-                <a:highlight>
-                  <a:srgbClr val="FFFFFF"/>
-                </a:highlight>
-              </a:rPr>
-              <a:t>.</a:t>
-            </a:r>
-            <a:r>
-              <a:rPr lang="en-US" sz="1200" dirty="0" err="1" smtClean="0">
-                <a:solidFill>
-                  <a:srgbClr val="800000"/>
-                </a:solidFill>
-                <a:highlight>
-                  <a:srgbClr val="FFFFFF"/>
-                </a:highlight>
-              </a:rPr>
-              <a:t>Layouts</a:t>
-            </a:r>
-            <a:r>
-              <a:rPr lang="en-US" sz="1200" dirty="0" smtClean="0">
-                <a:solidFill>
-                  <a:srgbClr val="000000"/>
-                </a:solidFill>
-                <a:highlight>
-                  <a:srgbClr val="FFFFFF"/>
-                </a:highlight>
-              </a:rPr>
-              <a:t> </a:t>
-            </a:r>
-            <a:r>
-              <a:rPr lang="en-US" sz="1200" dirty="0" smtClean="0">
-                <a:solidFill>
-                  <a:srgbClr val="FF8000"/>
-                </a:solidFill>
-                <a:highlight>
-                  <a:srgbClr val="FFFFFF"/>
-                </a:highlight>
-              </a:rPr>
-              <a:t>1</a:t>
-            </a:r>
-            <a:r>
-              <a:rPr lang="en-US" sz="1200" dirty="0" smtClean="0">
-                <a:solidFill>
-                  <a:srgbClr val="000000"/>
-                </a:solidFill>
-                <a:highlight>
-                  <a:srgbClr val="FFFFFF"/>
-                </a:highlight>
-              </a:rPr>
-              <a:t>.</a:t>
-            </a:r>
-            <a:r>
-              <a:rPr lang="en-US" sz="1200" dirty="0" smtClean="0">
-                <a:solidFill>
-                  <a:srgbClr val="FF8000"/>
-                </a:solidFill>
-                <a:highlight>
-                  <a:srgbClr val="FFFFFF"/>
-                </a:highlight>
-              </a:rPr>
-              <a:t>1</a:t>
-            </a:r>
-            <a:endParaRPr lang="en-US" sz="1200" dirty="0" smtClean="0">
-              <a:solidFill>
-                <a:srgbClr val="000000"/>
-              </a:solidFill>
-              <a:highlight>
-                <a:srgbClr val="FFFFFF"/>
-              </a:highlight>
-            </a:endParaRPr>
-          </a:p>
-          <a:p>
-            <a:r>
-              <a:rPr lang="en-US" sz="1200" dirty="0" smtClean="0">
-                <a:solidFill>
-                  <a:srgbClr val="808040"/>
-                </a:solidFill>
-                <a:highlight>
-                  <a:srgbClr val="FFFFFF"/>
-                </a:highlight>
-              </a:rPr>
-              <a:t>import</a:t>
-            </a:r>
-            <a:r>
-              <a:rPr lang="en-US" sz="1200" dirty="0" smtClean="0">
-                <a:solidFill>
-                  <a:srgbClr val="000000"/>
-                </a:solidFill>
-                <a:highlight>
-                  <a:srgbClr val="FFFFFF"/>
-                </a:highlight>
-              </a:rPr>
-              <a:t> </a:t>
-            </a:r>
-            <a:r>
-              <a:rPr lang="en-US" sz="1200" dirty="0" err="1" smtClean="0">
-                <a:solidFill>
-                  <a:srgbClr val="808080"/>
-                </a:solidFill>
-                <a:highlight>
-                  <a:srgbClr val="FFFFFF"/>
-                </a:highlight>
-              </a:rPr>
-              <a:t>QtQuick</a:t>
-            </a:r>
-            <a:r>
-              <a:rPr lang="en-US" sz="1200" dirty="0" err="1" smtClean="0">
-                <a:solidFill>
-                  <a:srgbClr val="000000"/>
-                </a:solidFill>
-                <a:highlight>
-                  <a:srgbClr val="FFFFFF"/>
-                </a:highlight>
-              </a:rPr>
-              <a:t>.</a:t>
-            </a:r>
-            <a:r>
-              <a:rPr lang="en-US" sz="1200" dirty="0" err="1" smtClean="0">
-                <a:solidFill>
-                  <a:srgbClr val="800000"/>
-                </a:solidFill>
-                <a:highlight>
-                  <a:srgbClr val="FFFFFF"/>
-                </a:highlight>
-              </a:rPr>
-              <a:t>Controls</a:t>
-            </a:r>
-            <a:r>
-              <a:rPr lang="en-US" sz="1200" dirty="0" smtClean="0">
-                <a:solidFill>
-                  <a:srgbClr val="000000"/>
-                </a:solidFill>
-                <a:highlight>
-                  <a:srgbClr val="FFFFFF"/>
-                </a:highlight>
-              </a:rPr>
-              <a:t> </a:t>
-            </a:r>
-            <a:r>
-              <a:rPr lang="en-US" sz="1200" dirty="0" smtClean="0">
-                <a:solidFill>
-                  <a:srgbClr val="FF8000"/>
-                </a:solidFill>
-                <a:highlight>
-                  <a:srgbClr val="FFFFFF"/>
-                </a:highlight>
-              </a:rPr>
-              <a:t>1</a:t>
-            </a:r>
-            <a:r>
-              <a:rPr lang="en-US" sz="1200" dirty="0" smtClean="0">
-                <a:solidFill>
-                  <a:srgbClr val="000000"/>
-                </a:solidFill>
-                <a:highlight>
-                  <a:srgbClr val="FFFFFF"/>
-                </a:highlight>
-              </a:rPr>
-              <a:t>.</a:t>
-            </a:r>
-            <a:r>
-              <a:rPr lang="en-US" sz="1200" dirty="0" smtClean="0">
-                <a:solidFill>
-                  <a:srgbClr val="FF8000"/>
-                </a:solidFill>
-                <a:highlight>
-                  <a:srgbClr val="FFFFFF"/>
-                </a:highlight>
-              </a:rPr>
-              <a:t>4</a:t>
-            </a:r>
-            <a:endParaRPr lang="en-US" sz="1200" dirty="0" smtClean="0">
-              <a:solidFill>
-                <a:srgbClr val="000000"/>
-              </a:solidFill>
-              <a:highlight>
-                <a:srgbClr val="FFFFFF"/>
-              </a:highlight>
-            </a:endParaRPr>
-          </a:p>
-          <a:p>
-            <a:endParaRPr lang="en-US" sz="1200" dirty="0" smtClean="0">
-              <a:solidFill>
-                <a:srgbClr val="000000"/>
-              </a:solidFill>
-              <a:highlight>
-                <a:srgbClr val="FFFFFF"/>
-              </a:highlight>
-            </a:endParaRPr>
-          </a:p>
-          <a:p>
-            <a:r>
-              <a:rPr lang="en-US" sz="1200" dirty="0" smtClean="0">
-                <a:solidFill>
-                  <a:srgbClr val="800080"/>
-                </a:solidFill>
-                <a:highlight>
-                  <a:srgbClr val="FFFFFF"/>
-                </a:highlight>
-              </a:rPr>
-              <a:t>Window</a:t>
-            </a:r>
-            <a:r>
-              <a:rPr lang="en-US" sz="1200" dirty="0" smtClean="0">
-                <a:solidFill>
-                  <a:srgbClr val="000000"/>
-                </a:solidFill>
-                <a:highlight>
-                  <a:srgbClr val="FFFFFF"/>
-                </a:highlight>
-              </a:rPr>
-              <a:t> {</a:t>
-            </a:r>
-          </a:p>
-          <a:p>
-            <a:r>
-              <a:rPr lang="en-US" sz="1200" dirty="0" smtClean="0">
-                <a:solidFill>
-                  <a:srgbClr val="000000"/>
-                </a:solidFill>
-                <a:highlight>
-                  <a:srgbClr val="FFFFFF"/>
-                </a:highlight>
-              </a:rPr>
-              <a:t>    </a:t>
-            </a:r>
-            <a:r>
-              <a:rPr lang="en-US" sz="1200" dirty="0" smtClean="0">
-                <a:solidFill>
-                  <a:srgbClr val="800000"/>
-                </a:solidFill>
-                <a:highlight>
-                  <a:srgbClr val="FFFFFF"/>
-                </a:highlight>
-              </a:rPr>
-              <a:t>visible</a:t>
-            </a:r>
-            <a:r>
-              <a:rPr lang="en-US" sz="1200" dirty="0" smtClean="0">
-                <a:solidFill>
-                  <a:srgbClr val="000000"/>
-                </a:solidFill>
-                <a:highlight>
-                  <a:srgbClr val="FFFFFF"/>
-                </a:highlight>
-              </a:rPr>
-              <a:t>: </a:t>
-            </a:r>
-            <a:r>
-              <a:rPr lang="en-US" sz="1200" dirty="0" smtClean="0">
-                <a:solidFill>
-                  <a:srgbClr val="808040"/>
-                </a:solidFill>
-                <a:highlight>
-                  <a:srgbClr val="FFFFFF"/>
-                </a:highlight>
-              </a:rPr>
-              <a:t>true</a:t>
-            </a:r>
-            <a:endParaRPr lang="en-US" sz="1200" dirty="0" smtClean="0">
-              <a:solidFill>
-                <a:srgbClr val="000000"/>
-              </a:solidFill>
-              <a:highlight>
-                <a:srgbClr val="FFFFFF"/>
-              </a:highlight>
-            </a:endParaRPr>
-          </a:p>
-          <a:p>
-            <a:r>
-              <a:rPr lang="en-US" sz="1200" dirty="0" smtClean="0">
-                <a:solidFill>
-                  <a:srgbClr val="000000"/>
-                </a:solidFill>
-                <a:highlight>
-                  <a:srgbClr val="FFFFFF"/>
-                </a:highlight>
-              </a:rPr>
-              <a:t>    </a:t>
-            </a:r>
-            <a:r>
-              <a:rPr lang="en-US" sz="1200" dirty="0" smtClean="0">
-                <a:solidFill>
-                  <a:srgbClr val="800000"/>
-                </a:solidFill>
-                <a:highlight>
-                  <a:srgbClr val="FFFFFF"/>
-                </a:highlight>
-              </a:rPr>
-              <a:t>height</a:t>
-            </a:r>
-            <a:r>
-              <a:rPr lang="en-US" sz="1200" dirty="0" smtClean="0">
-                <a:solidFill>
-                  <a:srgbClr val="000000"/>
-                </a:solidFill>
-                <a:highlight>
-                  <a:srgbClr val="FFFFFF"/>
-                </a:highlight>
-              </a:rPr>
-              <a:t>: </a:t>
-            </a:r>
-            <a:r>
-              <a:rPr lang="en-US" sz="1200" dirty="0" smtClean="0">
-                <a:solidFill>
-                  <a:srgbClr val="FF8000"/>
-                </a:solidFill>
-                <a:highlight>
-                  <a:srgbClr val="FFFFFF"/>
-                </a:highlight>
-              </a:rPr>
-              <a:t>640</a:t>
-            </a:r>
-            <a:endParaRPr lang="en-US" sz="1200" dirty="0" smtClean="0">
-              <a:solidFill>
-                <a:srgbClr val="000000"/>
-              </a:solidFill>
-              <a:highlight>
-                <a:srgbClr val="FFFFFF"/>
-              </a:highlight>
-            </a:endParaRPr>
-          </a:p>
-          <a:p>
-            <a:r>
-              <a:rPr lang="en-US" sz="1200" dirty="0" smtClean="0">
-                <a:solidFill>
-                  <a:srgbClr val="000000"/>
-                </a:solidFill>
-                <a:highlight>
-                  <a:srgbClr val="FFFFFF"/>
-                </a:highlight>
-              </a:rPr>
-              <a:t>    </a:t>
-            </a:r>
-            <a:r>
-              <a:rPr lang="en-US" sz="1200" dirty="0" smtClean="0">
-                <a:solidFill>
-                  <a:srgbClr val="800000"/>
-                </a:solidFill>
-                <a:highlight>
-                  <a:srgbClr val="FFFFFF"/>
-                </a:highlight>
-              </a:rPr>
-              <a:t>width</a:t>
-            </a:r>
-            <a:r>
-              <a:rPr lang="en-US" sz="1200" dirty="0" smtClean="0">
-                <a:solidFill>
-                  <a:srgbClr val="000000"/>
-                </a:solidFill>
-                <a:highlight>
-                  <a:srgbClr val="FFFFFF"/>
-                </a:highlight>
-              </a:rPr>
-              <a:t>: </a:t>
-            </a:r>
-            <a:r>
-              <a:rPr lang="en-US" sz="1200" dirty="0" smtClean="0">
-                <a:solidFill>
-                  <a:srgbClr val="FF8000"/>
-                </a:solidFill>
-                <a:highlight>
-                  <a:srgbClr val="FFFFFF"/>
-                </a:highlight>
-              </a:rPr>
-              <a:t>480</a:t>
-            </a:r>
-            <a:endParaRPr lang="en-US" sz="1200" dirty="0" smtClean="0">
-              <a:solidFill>
-                <a:srgbClr val="000000"/>
-              </a:solidFill>
-              <a:highlight>
-                <a:srgbClr val="FFFFFF"/>
-              </a:highlight>
-            </a:endParaRPr>
-          </a:p>
-          <a:p>
-            <a:endParaRPr lang="en-US" sz="1200" dirty="0" smtClean="0">
-              <a:solidFill>
-                <a:srgbClr val="000000"/>
-              </a:solidFill>
-              <a:highlight>
-                <a:srgbClr val="FFFFFF"/>
-              </a:highlight>
-            </a:endParaRPr>
-          </a:p>
-          <a:p>
-            <a:r>
-              <a:rPr lang="en-US" sz="1200" dirty="0" smtClean="0">
-                <a:solidFill>
-                  <a:srgbClr val="000000"/>
-                </a:solidFill>
-                <a:highlight>
-                  <a:srgbClr val="FFFFFF"/>
-                </a:highlight>
-              </a:rPr>
-              <a:t>        </a:t>
-            </a:r>
-            <a:r>
-              <a:rPr lang="en-US" sz="1200" dirty="0" smtClean="0">
-                <a:solidFill>
-                  <a:srgbClr val="800080"/>
-                </a:solidFill>
-                <a:highlight>
-                  <a:srgbClr val="FFFFFF"/>
-                </a:highlight>
-              </a:rPr>
-              <a:t>Text</a:t>
-            </a:r>
-            <a:r>
-              <a:rPr lang="en-US" sz="1200" dirty="0" smtClean="0">
-                <a:solidFill>
-                  <a:srgbClr val="000000"/>
-                </a:solidFill>
-                <a:highlight>
-                  <a:srgbClr val="FFFFFF"/>
-                </a:highlight>
-              </a:rPr>
-              <a:t> {</a:t>
-            </a:r>
-          </a:p>
-          <a:p>
-            <a:r>
-              <a:rPr lang="en-US" sz="1200" dirty="0" smtClean="0">
-                <a:solidFill>
-                  <a:srgbClr val="000000"/>
-                </a:solidFill>
-                <a:highlight>
-                  <a:srgbClr val="FFFFFF"/>
-                </a:highlight>
-              </a:rPr>
-              <a:t>            </a:t>
-            </a:r>
-            <a:r>
-              <a:rPr lang="en-US" sz="1200" dirty="0" smtClean="0">
-                <a:solidFill>
-                  <a:srgbClr val="800000"/>
-                </a:solidFill>
-                <a:highlight>
-                  <a:srgbClr val="FFFFFF"/>
-                </a:highlight>
-              </a:rPr>
-              <a:t>text</a:t>
-            </a:r>
-            <a:r>
-              <a:rPr lang="en-US" sz="1200" dirty="0" smtClean="0">
-                <a:solidFill>
-                  <a:srgbClr val="000000"/>
-                </a:solidFill>
-                <a:highlight>
-                  <a:srgbClr val="FFFFFF"/>
-                </a:highlight>
-              </a:rPr>
-              <a:t>: </a:t>
-            </a:r>
-            <a:r>
-              <a:rPr lang="en-US" sz="1200" dirty="0" err="1" smtClean="0">
-                <a:solidFill>
-                  <a:srgbClr val="800000"/>
-                </a:solidFill>
-                <a:highlight>
-                  <a:srgbClr val="FFFFFF"/>
-                </a:highlight>
-              </a:rPr>
-              <a:t>comicTitle</a:t>
-            </a:r>
-            <a:endParaRPr lang="en-US" sz="1200" dirty="0" smtClean="0">
-              <a:solidFill>
-                <a:srgbClr val="000000"/>
-              </a:solidFill>
-              <a:highlight>
-                <a:srgbClr val="FFFFFF"/>
-              </a:highlight>
-            </a:endParaRPr>
-          </a:p>
-          <a:p>
-            <a:r>
-              <a:rPr lang="en-US" sz="1200" dirty="0" smtClean="0">
-                <a:solidFill>
-                  <a:srgbClr val="000000"/>
-                </a:solidFill>
-                <a:highlight>
-                  <a:srgbClr val="FFFFFF"/>
-                </a:highlight>
-              </a:rPr>
-              <a:t>            </a:t>
-            </a:r>
-            <a:r>
-              <a:rPr lang="en-US" sz="1200" dirty="0" err="1" smtClean="0">
-                <a:solidFill>
-                  <a:srgbClr val="800000"/>
-                </a:solidFill>
-                <a:highlight>
-                  <a:srgbClr val="FFFFFF"/>
-                </a:highlight>
-              </a:rPr>
-              <a:t>anchors</a:t>
-            </a:r>
-            <a:r>
-              <a:rPr lang="en-US" sz="1200" dirty="0" err="1" smtClean="0">
-                <a:solidFill>
-                  <a:srgbClr val="000000"/>
-                </a:solidFill>
-                <a:highlight>
-                  <a:srgbClr val="FFFFFF"/>
-                </a:highlight>
-              </a:rPr>
-              <a:t>.</a:t>
-            </a:r>
-            <a:r>
-              <a:rPr lang="en-US" sz="1200" dirty="0" err="1" smtClean="0">
-                <a:solidFill>
-                  <a:srgbClr val="800000"/>
-                </a:solidFill>
-                <a:highlight>
-                  <a:srgbClr val="FFFFFF"/>
-                </a:highlight>
-              </a:rPr>
-              <a:t>horizontalCenter</a:t>
-            </a:r>
-            <a:r>
-              <a:rPr lang="en-US" sz="1200" dirty="0" smtClean="0">
-                <a:solidFill>
-                  <a:srgbClr val="000000"/>
-                </a:solidFill>
-                <a:highlight>
-                  <a:srgbClr val="FFFFFF"/>
-                </a:highlight>
-              </a:rPr>
-              <a:t>: </a:t>
-            </a:r>
-            <a:r>
-              <a:rPr lang="en-US" sz="1200" dirty="0" err="1" smtClean="0">
-                <a:solidFill>
-                  <a:srgbClr val="800000"/>
-                </a:solidFill>
-                <a:highlight>
-                  <a:srgbClr val="FFFFFF"/>
-                </a:highlight>
-              </a:rPr>
-              <a:t>parent</a:t>
-            </a:r>
-            <a:r>
-              <a:rPr lang="en-US" sz="1200" dirty="0" err="1" smtClean="0">
-                <a:solidFill>
-                  <a:srgbClr val="000000"/>
-                </a:solidFill>
-                <a:highlight>
-                  <a:srgbClr val="FFFFFF"/>
-                </a:highlight>
-              </a:rPr>
-              <a:t>.</a:t>
-            </a:r>
-            <a:r>
-              <a:rPr lang="en-US" sz="1200" dirty="0" err="1" smtClean="0">
-                <a:solidFill>
-                  <a:srgbClr val="800000"/>
-                </a:solidFill>
-                <a:highlight>
-                  <a:srgbClr val="FFFFFF"/>
-                </a:highlight>
-              </a:rPr>
-              <a:t>horizontalCenter</a:t>
-            </a:r>
-            <a:endParaRPr lang="en-US" sz="1200" dirty="0" smtClean="0">
-              <a:solidFill>
-                <a:srgbClr val="000000"/>
-              </a:solidFill>
-              <a:highlight>
-                <a:srgbClr val="FFFFFF"/>
-              </a:highlight>
-            </a:endParaRPr>
-          </a:p>
-          <a:p>
-            <a:r>
-              <a:rPr lang="en-US" sz="1200" dirty="0" smtClean="0">
-                <a:solidFill>
-                  <a:srgbClr val="000000"/>
-                </a:solidFill>
-                <a:highlight>
-                  <a:srgbClr val="FFFFFF"/>
-                </a:highlight>
-              </a:rPr>
-              <a:t>            </a:t>
-            </a:r>
-            <a:r>
-              <a:rPr lang="en-US" sz="1200" dirty="0" err="1" smtClean="0">
-                <a:solidFill>
-                  <a:srgbClr val="800000"/>
-                </a:solidFill>
-                <a:highlight>
-                  <a:srgbClr val="FFFFFF"/>
-                </a:highlight>
-              </a:rPr>
-              <a:t>anchors</a:t>
-            </a:r>
-            <a:r>
-              <a:rPr lang="en-US" sz="1200" dirty="0" err="1" smtClean="0">
-                <a:solidFill>
-                  <a:srgbClr val="000000"/>
-                </a:solidFill>
-                <a:highlight>
-                  <a:srgbClr val="FFFFFF"/>
-                </a:highlight>
-              </a:rPr>
-              <a:t>.</a:t>
-            </a:r>
-            <a:r>
-              <a:rPr lang="en-US" sz="1200" dirty="0" err="1" smtClean="0">
-                <a:solidFill>
-                  <a:srgbClr val="800000"/>
-                </a:solidFill>
-                <a:highlight>
-                  <a:srgbClr val="FFFFFF"/>
-                </a:highlight>
-              </a:rPr>
-              <a:t>top</a:t>
-            </a:r>
-            <a:r>
-              <a:rPr lang="en-US" sz="1200" dirty="0" smtClean="0">
-                <a:solidFill>
-                  <a:srgbClr val="000000"/>
-                </a:solidFill>
-                <a:highlight>
-                  <a:srgbClr val="FFFFFF"/>
-                </a:highlight>
-              </a:rPr>
-              <a:t>: </a:t>
-            </a:r>
-            <a:r>
-              <a:rPr lang="en-US" sz="1200" dirty="0" err="1" smtClean="0">
-                <a:solidFill>
-                  <a:srgbClr val="800000"/>
-                </a:solidFill>
-                <a:highlight>
-                  <a:srgbClr val="FFFFFF"/>
-                </a:highlight>
-              </a:rPr>
-              <a:t>parent</a:t>
-            </a:r>
-            <a:r>
-              <a:rPr lang="en-US" sz="1200" dirty="0" err="1" smtClean="0">
-                <a:solidFill>
-                  <a:srgbClr val="000000"/>
-                </a:solidFill>
-                <a:highlight>
-                  <a:srgbClr val="FFFFFF"/>
-                </a:highlight>
-              </a:rPr>
-              <a:t>.</a:t>
-            </a:r>
-            <a:r>
-              <a:rPr lang="en-US" sz="1200" dirty="0" err="1" smtClean="0">
-                <a:solidFill>
-                  <a:srgbClr val="800000"/>
-                </a:solidFill>
-                <a:highlight>
-                  <a:srgbClr val="FFFFFF"/>
-                </a:highlight>
-              </a:rPr>
-              <a:t>top</a:t>
-            </a:r>
-            <a:endParaRPr lang="en-US" sz="1200" dirty="0" smtClean="0">
-              <a:solidFill>
-                <a:srgbClr val="000000"/>
-              </a:solidFill>
-              <a:highlight>
-                <a:srgbClr val="FFFFFF"/>
-              </a:highlight>
-            </a:endParaRPr>
-          </a:p>
-          <a:p>
-            <a:r>
-              <a:rPr lang="en-US" sz="1200" dirty="0" smtClean="0">
-                <a:solidFill>
-                  <a:srgbClr val="000000"/>
-                </a:solidFill>
-                <a:highlight>
-                  <a:srgbClr val="FFFFFF"/>
-                </a:highlight>
-              </a:rPr>
-              <a:t>        }</a:t>
-            </a:r>
-          </a:p>
-          <a:p>
-            <a:endParaRPr lang="en-US" sz="1200" dirty="0" smtClean="0">
-              <a:solidFill>
-                <a:srgbClr val="000000"/>
-              </a:solidFill>
-              <a:highlight>
-                <a:srgbClr val="FFFFFF"/>
-              </a:highlight>
-            </a:endParaRPr>
-          </a:p>
-          <a:p>
-            <a:r>
-              <a:rPr lang="en-US" sz="1200" dirty="0" smtClean="0">
-                <a:solidFill>
-                  <a:srgbClr val="000000"/>
-                </a:solidFill>
-                <a:highlight>
-                  <a:srgbClr val="FFFFFF"/>
-                </a:highlight>
-              </a:rPr>
-              <a:t>        </a:t>
-            </a:r>
-            <a:r>
-              <a:rPr lang="en-US" sz="1200" dirty="0" smtClean="0">
-                <a:solidFill>
-                  <a:srgbClr val="800080"/>
-                </a:solidFill>
-                <a:highlight>
-                  <a:srgbClr val="FFFFFF"/>
-                </a:highlight>
-              </a:rPr>
-              <a:t>Image</a:t>
-            </a:r>
-            <a:r>
-              <a:rPr lang="en-US" sz="1200" dirty="0" smtClean="0">
-                <a:solidFill>
-                  <a:srgbClr val="000000"/>
-                </a:solidFill>
-                <a:highlight>
-                  <a:srgbClr val="FFFFFF"/>
-                </a:highlight>
-              </a:rPr>
-              <a:t> {</a:t>
-            </a:r>
-          </a:p>
-          <a:p>
-            <a:r>
-              <a:rPr lang="en-US" sz="1200" dirty="0" smtClean="0">
-                <a:solidFill>
-                  <a:srgbClr val="000000"/>
-                </a:solidFill>
-                <a:highlight>
-                  <a:srgbClr val="FFFFFF"/>
-                </a:highlight>
-              </a:rPr>
-              <a:t>            </a:t>
-            </a:r>
-            <a:r>
-              <a:rPr lang="en-US" sz="1200" dirty="0" smtClean="0">
-                <a:solidFill>
-                  <a:srgbClr val="800000"/>
-                </a:solidFill>
-                <a:highlight>
-                  <a:srgbClr val="FFFFFF"/>
-                </a:highlight>
-              </a:rPr>
-              <a:t>source</a:t>
-            </a:r>
-            <a:r>
-              <a:rPr lang="en-US" sz="1200" dirty="0" smtClean="0">
-                <a:solidFill>
-                  <a:srgbClr val="000000"/>
-                </a:solidFill>
-                <a:highlight>
-                  <a:srgbClr val="FFFFFF"/>
-                </a:highlight>
-              </a:rPr>
-              <a:t>: </a:t>
-            </a:r>
-            <a:r>
-              <a:rPr lang="en-US" sz="1200" dirty="0" err="1" smtClean="0">
-                <a:solidFill>
-                  <a:srgbClr val="800000"/>
-                </a:solidFill>
-                <a:highlight>
-                  <a:srgbClr val="FFFFFF"/>
-                </a:highlight>
-              </a:rPr>
-              <a:t>imageURL</a:t>
-            </a:r>
-            <a:endParaRPr lang="en-US" sz="1200" dirty="0" smtClean="0">
-              <a:solidFill>
-                <a:srgbClr val="000000"/>
-              </a:solidFill>
-              <a:highlight>
-                <a:srgbClr val="FFFFFF"/>
-              </a:highlight>
-            </a:endParaRPr>
-          </a:p>
-          <a:p>
-            <a:r>
-              <a:rPr lang="en-US" sz="1200" dirty="0" smtClean="0">
-                <a:solidFill>
-                  <a:srgbClr val="000000"/>
-                </a:solidFill>
-                <a:highlight>
-                  <a:srgbClr val="FFFFFF"/>
-                </a:highlight>
-              </a:rPr>
-              <a:t>            </a:t>
-            </a:r>
-            <a:r>
-              <a:rPr lang="en-US" sz="1200" dirty="0" err="1" smtClean="0">
-                <a:solidFill>
-                  <a:srgbClr val="800000"/>
-                </a:solidFill>
-                <a:highlight>
-                  <a:srgbClr val="FFFFFF"/>
-                </a:highlight>
-              </a:rPr>
-              <a:t>anchors</a:t>
-            </a:r>
-            <a:r>
-              <a:rPr lang="en-US" sz="1200" dirty="0" err="1" smtClean="0">
-                <a:solidFill>
-                  <a:srgbClr val="000000"/>
-                </a:solidFill>
-                <a:highlight>
-                  <a:srgbClr val="FFFFFF"/>
-                </a:highlight>
-              </a:rPr>
-              <a:t>.</a:t>
-            </a:r>
-            <a:r>
-              <a:rPr lang="en-US" sz="1200" dirty="0" err="1" smtClean="0">
-                <a:solidFill>
-                  <a:srgbClr val="800000"/>
-                </a:solidFill>
-                <a:highlight>
-                  <a:srgbClr val="FFFFFF"/>
-                </a:highlight>
-              </a:rPr>
-              <a:t>centerIn</a:t>
-            </a:r>
-            <a:r>
-              <a:rPr lang="en-US" sz="1200" dirty="0" smtClean="0">
-                <a:solidFill>
-                  <a:srgbClr val="000000"/>
-                </a:solidFill>
-                <a:highlight>
-                  <a:srgbClr val="FFFFFF"/>
-                </a:highlight>
-              </a:rPr>
-              <a:t>: </a:t>
-            </a:r>
-            <a:r>
-              <a:rPr lang="en-US" sz="1200" dirty="0" smtClean="0">
-                <a:solidFill>
-                  <a:srgbClr val="800000"/>
-                </a:solidFill>
-                <a:highlight>
-                  <a:srgbClr val="FFFFFF"/>
-                </a:highlight>
-              </a:rPr>
-              <a:t>parent</a:t>
-            </a:r>
-            <a:endParaRPr lang="en-US" sz="1200" dirty="0" smtClean="0">
-              <a:solidFill>
-                <a:srgbClr val="000000"/>
-              </a:solidFill>
-              <a:highlight>
-                <a:srgbClr val="FFFFFF"/>
-              </a:highlight>
-            </a:endParaRPr>
-          </a:p>
-          <a:p>
-            <a:r>
-              <a:rPr lang="en-US" sz="1200" dirty="0" smtClean="0">
-                <a:solidFill>
-                  <a:srgbClr val="000000"/>
-                </a:solidFill>
-                <a:highlight>
-                  <a:srgbClr val="FFFFFF"/>
-                </a:highlight>
-              </a:rPr>
-              <a:t>        }</a:t>
-            </a:r>
-          </a:p>
-          <a:p>
-            <a:endParaRPr lang="en-US" sz="1200" dirty="0" smtClean="0">
-              <a:solidFill>
-                <a:srgbClr val="000000"/>
-              </a:solidFill>
-              <a:highlight>
-                <a:srgbClr val="FFFFFF"/>
-              </a:highlight>
-            </a:endParaRPr>
-          </a:p>
-          <a:p>
-            <a:r>
-              <a:rPr lang="en-US" sz="1200" dirty="0" smtClean="0">
-                <a:solidFill>
-                  <a:srgbClr val="000000"/>
-                </a:solidFill>
-                <a:highlight>
-                  <a:srgbClr val="FFFFFF"/>
-                </a:highlight>
-              </a:rPr>
-              <a:t>        </a:t>
-            </a:r>
-            <a:r>
-              <a:rPr lang="en-US" sz="1200" dirty="0" err="1" smtClean="0">
-                <a:solidFill>
-                  <a:srgbClr val="800080"/>
-                </a:solidFill>
-                <a:highlight>
-                  <a:srgbClr val="FFFFFF"/>
-                </a:highlight>
-              </a:rPr>
-              <a:t>ProgressBar</a:t>
-            </a:r>
-            <a:r>
-              <a:rPr lang="en-US" sz="1200" dirty="0" smtClean="0">
-                <a:solidFill>
-                  <a:srgbClr val="000000"/>
-                </a:solidFill>
-                <a:highlight>
-                  <a:srgbClr val="FFFFFF"/>
-                </a:highlight>
-              </a:rPr>
-              <a:t> {</a:t>
-            </a:r>
-          </a:p>
-          <a:p>
-            <a:r>
-              <a:rPr lang="en-US" sz="1200" dirty="0" smtClean="0">
-                <a:solidFill>
-                  <a:srgbClr val="000000"/>
-                </a:solidFill>
-                <a:highlight>
-                  <a:srgbClr val="FFFFFF"/>
-                </a:highlight>
-              </a:rPr>
-              <a:t>            </a:t>
-            </a:r>
-            <a:r>
-              <a:rPr lang="en-US" sz="1200" dirty="0" smtClean="0">
-                <a:solidFill>
-                  <a:srgbClr val="800000"/>
-                </a:solidFill>
-                <a:highlight>
-                  <a:srgbClr val="FFFFFF"/>
-                </a:highlight>
-              </a:rPr>
-              <a:t>value</a:t>
-            </a:r>
-            <a:r>
-              <a:rPr lang="en-US" sz="1200" dirty="0" smtClean="0">
-                <a:solidFill>
-                  <a:srgbClr val="000000"/>
-                </a:solidFill>
-                <a:highlight>
-                  <a:srgbClr val="FFFFFF"/>
-                </a:highlight>
-              </a:rPr>
-              <a:t>: </a:t>
-            </a:r>
-            <a:r>
-              <a:rPr lang="en-US" sz="1200" dirty="0" err="1" smtClean="0">
-                <a:solidFill>
-                  <a:srgbClr val="800000"/>
-                </a:solidFill>
-                <a:highlight>
-                  <a:srgbClr val="FFFFFF"/>
-                </a:highlight>
-              </a:rPr>
-              <a:t>imageProgress</a:t>
-            </a:r>
-            <a:r>
-              <a:rPr lang="en-US" sz="1200" dirty="0" smtClean="0">
-                <a:solidFill>
-                  <a:srgbClr val="000000"/>
-                </a:solidFill>
-                <a:highlight>
-                  <a:srgbClr val="FFFFFF"/>
-                </a:highlight>
-              </a:rPr>
-              <a:t>/</a:t>
-            </a:r>
-            <a:r>
-              <a:rPr lang="en-US" sz="1200" dirty="0" smtClean="0">
-                <a:solidFill>
-                  <a:srgbClr val="FF8000"/>
-                </a:solidFill>
-                <a:highlight>
-                  <a:srgbClr val="FFFFFF"/>
-                </a:highlight>
-              </a:rPr>
-              <a:t>100</a:t>
-            </a:r>
-            <a:r>
-              <a:rPr lang="en-US" sz="1200" dirty="0" smtClean="0">
-                <a:solidFill>
-                  <a:srgbClr val="000000"/>
-                </a:solidFill>
-                <a:highlight>
-                  <a:srgbClr val="FFFFFF"/>
-                </a:highlight>
-              </a:rPr>
-              <a:t>.</a:t>
-            </a:r>
-            <a:r>
-              <a:rPr lang="en-US" sz="1200" dirty="0" smtClean="0">
-                <a:solidFill>
-                  <a:srgbClr val="FF8000"/>
-                </a:solidFill>
-                <a:highlight>
-                  <a:srgbClr val="FFFFFF"/>
-                </a:highlight>
-              </a:rPr>
-              <a:t>0</a:t>
-            </a:r>
-            <a:endParaRPr lang="en-US" sz="1200" dirty="0" smtClean="0">
-              <a:solidFill>
-                <a:srgbClr val="000000"/>
-              </a:solidFill>
-              <a:highlight>
-                <a:srgbClr val="FFFFFF"/>
-              </a:highlight>
-            </a:endParaRPr>
-          </a:p>
-          <a:p>
-            <a:r>
-              <a:rPr lang="en-US" sz="1200" dirty="0" smtClean="0">
-                <a:solidFill>
-                  <a:srgbClr val="000000"/>
-                </a:solidFill>
-                <a:highlight>
-                  <a:srgbClr val="FFFFFF"/>
-                </a:highlight>
-              </a:rPr>
-              <a:t>            </a:t>
-            </a:r>
-            <a:r>
-              <a:rPr lang="en-US" sz="1200" dirty="0" err="1" smtClean="0">
-                <a:solidFill>
-                  <a:srgbClr val="800000"/>
-                </a:solidFill>
-                <a:highlight>
-                  <a:srgbClr val="FFFFFF"/>
-                </a:highlight>
-              </a:rPr>
-              <a:t>anchors</a:t>
-            </a:r>
-            <a:r>
-              <a:rPr lang="en-US" sz="1200" dirty="0" err="1" smtClean="0">
-                <a:solidFill>
-                  <a:srgbClr val="000000"/>
-                </a:solidFill>
-                <a:highlight>
-                  <a:srgbClr val="FFFFFF"/>
-                </a:highlight>
-              </a:rPr>
-              <a:t>.</a:t>
-            </a:r>
-            <a:r>
-              <a:rPr lang="en-US" sz="1200" dirty="0" err="1" smtClean="0">
-                <a:solidFill>
-                  <a:srgbClr val="800000"/>
-                </a:solidFill>
-                <a:highlight>
-                  <a:srgbClr val="FFFFFF"/>
-                </a:highlight>
-              </a:rPr>
-              <a:t>horizontalCenter</a:t>
-            </a:r>
-            <a:r>
-              <a:rPr lang="en-US" sz="1200" dirty="0" smtClean="0">
-                <a:solidFill>
-                  <a:srgbClr val="000000"/>
-                </a:solidFill>
-                <a:highlight>
-                  <a:srgbClr val="FFFFFF"/>
-                </a:highlight>
-              </a:rPr>
-              <a:t>: </a:t>
-            </a:r>
-            <a:r>
-              <a:rPr lang="en-US" sz="1200" dirty="0" err="1" smtClean="0">
-                <a:solidFill>
-                  <a:srgbClr val="800000"/>
-                </a:solidFill>
-                <a:highlight>
-                  <a:srgbClr val="FFFFFF"/>
-                </a:highlight>
-              </a:rPr>
-              <a:t>parent</a:t>
-            </a:r>
-            <a:r>
-              <a:rPr lang="en-US" sz="1200" dirty="0" err="1" smtClean="0">
-                <a:solidFill>
-                  <a:srgbClr val="000000"/>
-                </a:solidFill>
-                <a:highlight>
-                  <a:srgbClr val="FFFFFF"/>
-                </a:highlight>
-              </a:rPr>
-              <a:t>.</a:t>
-            </a:r>
-            <a:r>
-              <a:rPr lang="en-US" sz="1200" dirty="0" err="1" smtClean="0">
-                <a:solidFill>
-                  <a:srgbClr val="800000"/>
-                </a:solidFill>
-                <a:highlight>
-                  <a:srgbClr val="FFFFFF"/>
-                </a:highlight>
-              </a:rPr>
-              <a:t>horizontalCenter</a:t>
-            </a:r>
-            <a:endParaRPr lang="en-US" sz="1200" dirty="0" smtClean="0">
-              <a:solidFill>
-                <a:srgbClr val="000000"/>
-              </a:solidFill>
-              <a:highlight>
-                <a:srgbClr val="FFFFFF"/>
-              </a:highlight>
-            </a:endParaRPr>
-          </a:p>
-          <a:p>
-            <a:r>
-              <a:rPr lang="en-US" sz="1200" dirty="0" smtClean="0">
-                <a:solidFill>
-                  <a:srgbClr val="000000"/>
-                </a:solidFill>
-                <a:highlight>
-                  <a:srgbClr val="FFFFFF"/>
-                </a:highlight>
-              </a:rPr>
-              <a:t>            </a:t>
-            </a:r>
-            <a:r>
-              <a:rPr lang="en-US" sz="1200" dirty="0" err="1" smtClean="0">
-                <a:solidFill>
-                  <a:srgbClr val="800000"/>
-                </a:solidFill>
-                <a:highlight>
-                  <a:srgbClr val="FFFFFF"/>
-                </a:highlight>
-              </a:rPr>
-              <a:t>anchors</a:t>
-            </a:r>
-            <a:r>
-              <a:rPr lang="en-US" sz="1200" dirty="0" err="1" smtClean="0">
-                <a:solidFill>
-                  <a:srgbClr val="000000"/>
-                </a:solidFill>
-                <a:highlight>
-                  <a:srgbClr val="FFFFFF"/>
-                </a:highlight>
-              </a:rPr>
-              <a:t>.</a:t>
-            </a:r>
-            <a:r>
-              <a:rPr lang="en-US" sz="1200" dirty="0" err="1" smtClean="0">
-                <a:solidFill>
-                  <a:srgbClr val="800000"/>
-                </a:solidFill>
-                <a:highlight>
-                  <a:srgbClr val="FFFFFF"/>
-                </a:highlight>
-              </a:rPr>
-              <a:t>bottom</a:t>
-            </a:r>
-            <a:r>
-              <a:rPr lang="en-US" sz="1200" dirty="0" smtClean="0">
-                <a:solidFill>
-                  <a:srgbClr val="000000"/>
-                </a:solidFill>
-                <a:highlight>
-                  <a:srgbClr val="FFFFFF"/>
-                </a:highlight>
-              </a:rPr>
-              <a:t>: </a:t>
-            </a:r>
-            <a:r>
-              <a:rPr lang="en-US" sz="1200" dirty="0" err="1" smtClean="0">
-                <a:solidFill>
-                  <a:srgbClr val="800000"/>
-                </a:solidFill>
-                <a:highlight>
-                  <a:srgbClr val="FFFFFF"/>
-                </a:highlight>
-              </a:rPr>
-              <a:t>parent</a:t>
-            </a:r>
-            <a:r>
-              <a:rPr lang="en-US" sz="1200" dirty="0" err="1" smtClean="0">
-                <a:solidFill>
-                  <a:srgbClr val="000000"/>
-                </a:solidFill>
-                <a:highlight>
-                  <a:srgbClr val="FFFFFF"/>
-                </a:highlight>
-              </a:rPr>
-              <a:t>.</a:t>
-            </a:r>
-            <a:r>
-              <a:rPr lang="en-US" sz="1200" dirty="0" err="1" smtClean="0">
-                <a:solidFill>
-                  <a:srgbClr val="800000"/>
-                </a:solidFill>
-                <a:highlight>
-                  <a:srgbClr val="FFFFFF"/>
-                </a:highlight>
-              </a:rPr>
-              <a:t>bottom</a:t>
-            </a:r>
-            <a:endParaRPr lang="en-US" sz="1200" dirty="0" smtClean="0">
-              <a:solidFill>
-                <a:srgbClr val="000000"/>
-              </a:solidFill>
-              <a:highlight>
-                <a:srgbClr val="FFFFFF"/>
-              </a:highlight>
-            </a:endParaRPr>
-          </a:p>
-          <a:p>
-            <a:r>
-              <a:rPr lang="en-US" sz="1200" dirty="0" smtClean="0">
-                <a:solidFill>
-                  <a:srgbClr val="000000"/>
-                </a:solidFill>
-                <a:highlight>
-                  <a:srgbClr val="FFFFFF"/>
-                </a:highlight>
-              </a:rPr>
-              <a:t>        }</a:t>
-            </a:r>
-          </a:p>
-          <a:p>
-            <a:r>
-              <a:rPr lang="en-US" sz="1200" dirty="0" smtClean="0">
-                <a:solidFill>
-                  <a:srgbClr val="000000"/>
-                </a:solidFill>
-                <a:highlight>
-                  <a:srgbClr val="FFFFFF"/>
-                </a:highlight>
-              </a:rPr>
-              <a:t>}</a:t>
-            </a:r>
-          </a:p>
-          <a:p>
-            <a:endParaRPr lang="en-US" dirty="0"/>
+            <a:endParaRPr lang="de-DE" dirty="0"/>
           </a:p>
         </p:txBody>
       </p:sp>
@@ -4218,7 +2737,7 @@
           <a:p>
             <a:fld id="{A5831B84-C3EB-524A-9C75-3ABC5C5F853A}" type="slidenum">
               <a:rPr lang="de-DE" smtClean="0"/>
-              <a:t>12</a:t>
+              <a:t>11</a:t>
             </a:fld>
             <a:endParaRPr lang="de-DE"/>
           </a:p>
@@ -4227,7 +2746,7 @@
     </p:spTree>
     <p:extLst>
       <p:ext uri="{BB962C8B-B14F-4D97-AF65-F5344CB8AC3E}">
-        <p14:creationId xmlns:p14="http://schemas.microsoft.com/office/powerpoint/2010/main" val="2466932588"/>
+        <p14:creationId xmlns:p14="http://schemas.microsoft.com/office/powerpoint/2010/main" val="989049699"/>
       </p:ext>
     </p:extLst>
   </p:cSld>
@@ -4283,27 +2802,12 @@
           <a:p>
             <a:r>
               <a:rPr lang="en-US" dirty="0" smtClean="0"/>
-              <a:t>Example 6</a:t>
-            </a:r>
-          </a:p>
-          <a:p>
-            <a:r>
-              <a:rPr lang="en-US" dirty="0" smtClean="0"/>
-              <a:t>Remove connections</a:t>
-            </a:r>
-          </a:p>
-          <a:p>
-            <a:r>
-              <a:rPr lang="en-US" dirty="0" smtClean="0"/>
-              <a:t>Register</a:t>
+              <a:t>Example</a:t>
             </a:r>
             <a:r>
               <a:rPr lang="en-US" baseline="0" dirty="0" smtClean="0"/>
-              <a:t> downloader</a:t>
-            </a:r>
-          </a:p>
-          <a:p>
-            <a:endParaRPr lang="en-US" baseline="0" dirty="0" smtClean="0"/>
+              <a:t> 5</a:t>
+            </a:r>
           </a:p>
           <a:p>
             <a:r>
@@ -4935,7 +3439,7 @@
                   <a:srgbClr val="FFFFFF"/>
                 </a:highlight>
               </a:rPr>
-              <a:t>    </a:t>
+              <a:t>        </a:t>
             </a:r>
             <a:r>
               <a:rPr lang="en-US" sz="1200" dirty="0" smtClean="0">
@@ -4970,7 +3474,7 @@
                   <a:srgbClr val="FFFFFF"/>
                 </a:highlight>
               </a:rPr>
-              <a:t>        </a:t>
+              <a:t>            </a:t>
             </a:r>
             <a:r>
               <a:rPr lang="en-US" sz="1200" dirty="0" smtClean="0">
@@ -4981,7 +3485,7 @@
                   <a:srgbClr val="FFFFFF"/>
                 </a:highlight>
               </a:rPr>
-              <a:t>id</a:t>
+              <a:t>text</a:t>
             </a:r>
             <a:r>
               <a:rPr lang="en-US" sz="1200" dirty="0" smtClean="0">
@@ -5003,7 +3507,7 @@
                   <a:srgbClr val="FFFFFF"/>
                 </a:highlight>
               </a:rPr>
-              <a:t>titleText</a:t>
+              <a:t>comicTitle</a:t>
             </a:r>
             <a:endParaRPr lang="en-US" sz="1200" dirty="0" smtClean="0">
               <a:solidFill>
@@ -5024,42 +3528,86 @@
                   <a:srgbClr val="FFFFFF"/>
                 </a:highlight>
               </a:rPr>
-              <a:t>        </a:t>
+              <a:t>            </a:t>
+            </a:r>
+            <a:r>
+              <a:rPr lang="en-US" sz="1200" dirty="0" err="1" smtClean="0">
+                <a:solidFill>
+                  <a:srgbClr val="800000"/>
+                </a:solidFill>
+                <a:highlight>
+                  <a:srgbClr val="FFFFFF"/>
+                </a:highlight>
+              </a:rPr>
+              <a:t>anchors</a:t>
+            </a:r>
+            <a:r>
+              <a:rPr lang="en-US" sz="1200" dirty="0" err="1" smtClean="0">
+                <a:solidFill>
+                  <a:srgbClr val="000000"/>
+                </a:solidFill>
+                <a:highlight>
+                  <a:srgbClr val="FFFFFF"/>
+                </a:highlight>
+              </a:rPr>
+              <a:t>.</a:t>
+            </a:r>
+            <a:r>
+              <a:rPr lang="en-US" sz="1200" dirty="0" err="1" smtClean="0">
+                <a:solidFill>
+                  <a:srgbClr val="800000"/>
+                </a:solidFill>
+                <a:highlight>
+                  <a:srgbClr val="FFFFFF"/>
+                </a:highlight>
+              </a:rPr>
+              <a:t>horizontalCenter</a:t>
             </a:r>
             <a:r>
               <a:rPr lang="en-US" sz="1200" dirty="0" smtClean="0">
                 <a:solidFill>
+                  <a:srgbClr val="000000"/>
+                </a:solidFill>
+                <a:highlight>
+                  <a:srgbClr val="FFFFFF"/>
+                </a:highlight>
+              </a:rPr>
+              <a:t>: </a:t>
+            </a:r>
+            <a:r>
+              <a:rPr lang="en-US" sz="1200" dirty="0" err="1" smtClean="0">
+                <a:solidFill>
                   <a:srgbClr val="800000"/>
                 </a:solidFill>
                 <a:highlight>
                   <a:srgbClr val="FFFFFF"/>
                 </a:highlight>
               </a:rPr>
-              <a:t>text</a:t>
-            </a:r>
-            <a:r>
-              <a:rPr lang="en-US" sz="1200" dirty="0" smtClean="0">
-                <a:solidFill>
-                  <a:srgbClr val="000000"/>
-                </a:solidFill>
-                <a:highlight>
-                  <a:srgbClr val="FFFFFF"/>
-                </a:highlight>
-              </a:rPr>
-              <a:t>: </a:t>
-            </a:r>
-            <a:r>
-              <a:rPr lang="en-US" sz="1200" i="0" dirty="0" smtClean="0">
-                <a:solidFill>
-                  <a:srgbClr val="808080"/>
-                </a:solidFill>
-                <a:highlight>
-                  <a:srgbClr val="FFFFFF"/>
-                </a:highlight>
-              </a:rPr>
-              <a:t>"Loading ..."</a:t>
-            </a:r>
-            <a:endParaRPr lang="en-US" sz="1200" i="0" dirty="0" smtClean="0">
+              <a:t>parent</a:t>
+            </a:r>
+            <a:r>
+              <a:rPr lang="en-US" sz="1200" dirty="0" err="1" smtClean="0">
+                <a:solidFill>
+                  <a:srgbClr val="000000"/>
+                </a:solidFill>
+                <a:highlight>
+                  <a:srgbClr val="FFFFFF"/>
+                </a:highlight>
+              </a:rPr>
+              <a:t>.</a:t>
+            </a:r>
+            <a:r>
+              <a:rPr lang="en-US" sz="1200" dirty="0" err="1" smtClean="0">
+                <a:solidFill>
+                  <a:srgbClr val="800000"/>
+                </a:solidFill>
+                <a:highlight>
+                  <a:srgbClr val="FFFFFF"/>
+                </a:highlight>
+              </a:rPr>
+              <a:t>horizontalCenter</a:t>
+            </a:r>
+            <a:endParaRPr lang="en-US" sz="1200" dirty="0" smtClean="0">
               <a:solidFill>
                 <a:srgbClr val="000000"/>
               </a:solidFill>
@@ -5070,18 +3618,18 @@
           </a:p>
           <a:p>
             <a:r>
-              <a:rPr lang="en-US" sz="1200" i="0" dirty="0" smtClean="0">
-                <a:solidFill>
-                  <a:srgbClr val="000000"/>
-                </a:solidFill>
-                <a:highlight>
-                  <a:srgbClr val="FFFFFF"/>
-                </a:highlight>
-              </a:rPr>
-              <a:t>        </a:t>
-            </a:r>
-            <a:r>
-              <a:rPr lang="en-US" sz="1200" i="0" dirty="0" err="1" smtClean="0">
+              <a:rPr lang="en-US" sz="1200" dirty="0" smtClean="0">
+                <a:solidFill>
+                  <a:srgbClr val="000000"/>
+                </a:solidFill>
+                <a:highlight>
+                  <a:srgbClr val="FFFFFF"/>
+                </a:highlight>
+              </a:rPr>
+              <a:t>            </a:t>
+            </a:r>
+            <a:r>
+              <a:rPr lang="en-US" sz="1200" dirty="0" err="1" smtClean="0">
                 <a:solidFill>
                   <a:srgbClr val="800000"/>
                 </a:solidFill>
@@ -5092,7 +3640,7 @@
               <a:t>anchors</a:t>
             </a:r>
             <a:r>
-              <a:rPr lang="en-US" sz="1200" i="0" dirty="0" err="1" smtClean="0">
+              <a:rPr lang="en-US" sz="1200" dirty="0" err="1" smtClean="0">
                 <a:solidFill>
                   <a:srgbClr val="000000"/>
                 </a:solidFill>
@@ -5103,7 +3651,7 @@
               <a:t>.</a:t>
             </a:r>
             <a:r>
-              <a:rPr lang="en-US" sz="1200" i="0" dirty="0" err="1" smtClean="0">
+              <a:rPr lang="en-US" sz="1200" dirty="0" err="1" smtClean="0">
                 <a:solidFill>
                   <a:srgbClr val="800000"/>
                 </a:solidFill>
@@ -5111,10 +3659,10 @@
                   <a:srgbClr val="FFFFFF"/>
                 </a:highlight>
               </a:rPr>
-              <a:t>horizontalCenter</a:t>
-            </a:r>
-            <a:r>
-              <a:rPr lang="en-US" sz="1200" i="0" dirty="0" smtClean="0">
+              <a:t>top</a:t>
+            </a:r>
+            <a:r>
+              <a:rPr lang="en-US" sz="1200" dirty="0" smtClean="0">
                 <a:solidFill>
                   <a:srgbClr val="000000"/>
                 </a:solidFill>
@@ -5125,7 +3673,7 @@
               <a:t>: </a:t>
             </a:r>
             <a:r>
-              <a:rPr lang="en-US" sz="1200" i="0" dirty="0" err="1" smtClean="0">
+              <a:rPr lang="en-US" sz="1200" dirty="0" err="1" smtClean="0">
                 <a:solidFill>
                   <a:srgbClr val="800000"/>
                 </a:solidFill>
@@ -5136,7 +3684,7 @@
               <a:t>parent</a:t>
             </a:r>
             <a:r>
-              <a:rPr lang="en-US" sz="1200" i="0" dirty="0" err="1" smtClean="0">
+              <a:rPr lang="en-US" sz="1200" dirty="0" err="1" smtClean="0">
                 <a:solidFill>
                   <a:srgbClr val="000000"/>
                 </a:solidFill>
@@ -5147,7 +3695,7 @@
               <a:t>.</a:t>
             </a:r>
             <a:r>
-              <a:rPr lang="en-US" sz="1200" i="0" dirty="0" err="1" smtClean="0">
+              <a:rPr lang="en-US" sz="1200" dirty="0" err="1" smtClean="0">
                 <a:solidFill>
                   <a:srgbClr val="800000"/>
                 </a:solidFill>
@@ -5155,9 +3703,9 @@
                   <a:srgbClr val="FFFFFF"/>
                 </a:highlight>
               </a:rPr>
-              <a:t>horizontalCenter</a:t>
-            </a:r>
-            <a:endParaRPr lang="en-US" sz="1200" i="0" dirty="0" smtClean="0">
+              <a:t>top</a:t>
+            </a:r>
+            <a:endParaRPr lang="en-US" sz="1200" dirty="0" smtClean="0">
               <a:solidFill>
                 <a:srgbClr val="000000"/>
               </a:solidFill>
@@ -5168,94 +3716,19 @@
           </a:p>
           <a:p>
             <a:r>
-              <a:rPr lang="en-US" sz="1200" i="0" dirty="0" smtClean="0">
-                <a:solidFill>
-                  <a:srgbClr val="000000"/>
-                </a:solidFill>
-                <a:highlight>
-                  <a:srgbClr val="FFFFFF"/>
-                </a:highlight>
-              </a:rPr>
-              <a:t>        </a:t>
-            </a:r>
-            <a:r>
-              <a:rPr lang="en-US" sz="1200" i="0" dirty="0" err="1" smtClean="0">
-                <a:solidFill>
-                  <a:srgbClr val="800000"/>
-                </a:solidFill>
-                <a:highlight>
-                  <a:srgbClr val="FFFFFF"/>
-                </a:highlight>
-              </a:rPr>
-              <a:t>anchors</a:t>
-            </a:r>
-            <a:r>
-              <a:rPr lang="en-US" sz="1200" i="0" dirty="0" err="1" smtClean="0">
-                <a:solidFill>
-                  <a:srgbClr val="000000"/>
-                </a:solidFill>
-                <a:highlight>
-                  <a:srgbClr val="FFFFFF"/>
-                </a:highlight>
-              </a:rPr>
-              <a:t>.</a:t>
-            </a:r>
-            <a:r>
-              <a:rPr lang="en-US" sz="1200" i="0" dirty="0" err="1" smtClean="0">
-                <a:solidFill>
-                  <a:srgbClr val="800000"/>
-                </a:solidFill>
-                <a:highlight>
-                  <a:srgbClr val="FFFFFF"/>
-                </a:highlight>
-              </a:rPr>
-              <a:t>top</a:t>
-            </a:r>
-            <a:r>
-              <a:rPr lang="en-US" sz="1200" i="0" dirty="0" smtClean="0">
-                <a:solidFill>
-                  <a:srgbClr val="000000"/>
-                </a:solidFill>
-                <a:highlight>
-                  <a:srgbClr val="FFFFFF"/>
-                </a:highlight>
-              </a:rPr>
-              <a:t>: </a:t>
-            </a:r>
-            <a:r>
-              <a:rPr lang="en-US" sz="1200" i="0" dirty="0" err="1" smtClean="0">
-                <a:solidFill>
-                  <a:srgbClr val="800000"/>
-                </a:solidFill>
-                <a:highlight>
-                  <a:srgbClr val="FFFFFF"/>
-                </a:highlight>
-              </a:rPr>
-              <a:t>parent</a:t>
-            </a:r>
-            <a:r>
-              <a:rPr lang="en-US" sz="1200" i="0" dirty="0" err="1" smtClean="0">
-                <a:solidFill>
-                  <a:srgbClr val="000000"/>
-                </a:solidFill>
-                <a:highlight>
-                  <a:srgbClr val="FFFFFF"/>
-                </a:highlight>
-              </a:rPr>
-              <a:t>.</a:t>
-            </a:r>
-            <a:r>
-              <a:rPr lang="en-US" sz="1200" i="0" dirty="0" err="1" smtClean="0">
-                <a:solidFill>
-                  <a:srgbClr val="800000"/>
-                </a:solidFill>
-                <a:highlight>
-                  <a:srgbClr val="FFFFFF"/>
-                </a:highlight>
-              </a:rPr>
-              <a:t>top</a:t>
-            </a:r>
-            <a:endParaRPr lang="en-US" sz="1200" i="0" dirty="0" smtClean="0">
+              <a:rPr lang="en-US" sz="1200" dirty="0" smtClean="0">
+                <a:solidFill>
+                  <a:srgbClr val="000000"/>
+                </a:solidFill>
+                <a:highlight>
+                  <a:srgbClr val="FFFFFF"/>
+                </a:highlight>
+              </a:rPr>
+              <a:t>        }</a:t>
+            </a:r>
+          </a:p>
+          <a:p>
+            <a:endParaRPr lang="en-US" sz="1200" dirty="0" smtClean="0">
               <a:solidFill>
                 <a:srgbClr val="000000"/>
               </a:solidFill>
@@ -5266,19 +3739,85 @@
           </a:p>
           <a:p>
             <a:r>
-              <a:rPr lang="en-US" sz="1200" i="0" dirty="0" smtClean="0">
-                <a:solidFill>
-                  <a:srgbClr val="000000"/>
-                </a:solidFill>
-                <a:highlight>
-                  <a:srgbClr val="FFFFFF"/>
-                </a:highlight>
-              </a:rPr>
-              <a:t>    }</a:t>
-            </a:r>
-          </a:p>
-          <a:p>
-            <a:endParaRPr lang="en-US" sz="1200" i="0" dirty="0" smtClean="0">
+              <a:rPr lang="en-US" sz="1200" dirty="0" smtClean="0">
+                <a:solidFill>
+                  <a:srgbClr val="000000"/>
+                </a:solidFill>
+                <a:highlight>
+                  <a:srgbClr val="FFFFFF"/>
+                </a:highlight>
+              </a:rPr>
+              <a:t>        </a:t>
+            </a:r>
+            <a:r>
+              <a:rPr lang="en-US" sz="1200" dirty="0" smtClean="0">
+                <a:solidFill>
+                  <a:srgbClr val="800080"/>
+                </a:solidFill>
+                <a:highlight>
+                  <a:srgbClr val="FFFFFF"/>
+                </a:highlight>
+              </a:rPr>
+              <a:t>Image</a:t>
+            </a:r>
+            <a:r>
+              <a:rPr lang="en-US" sz="1200" dirty="0" smtClean="0">
+                <a:solidFill>
+                  <a:srgbClr val="000000"/>
+                </a:solidFill>
+                <a:highlight>
+                  <a:srgbClr val="FFFFFF"/>
+                </a:highlight>
+              </a:rPr>
+              <a:t> {</a:t>
+            </a:r>
+          </a:p>
+          <a:p>
+            <a:r>
+              <a:rPr lang="en-US" sz="1200" dirty="0" smtClean="0">
+                <a:solidFill>
+                  <a:srgbClr val="000000"/>
+                </a:solidFill>
+                <a:highlight>
+                  <a:srgbClr val="FFFFFF"/>
+                </a:highlight>
+              </a:rPr>
+              <a:t>            </a:t>
+            </a:r>
+            <a:r>
+              <a:rPr lang="en-US" sz="1200" dirty="0" smtClean="0">
+                <a:solidFill>
+                  <a:srgbClr val="800000"/>
+                </a:solidFill>
+                <a:highlight>
+                  <a:srgbClr val="FFFFFF"/>
+                </a:highlight>
+              </a:rPr>
+              <a:t>source</a:t>
+            </a:r>
+            <a:r>
+              <a:rPr lang="en-US" sz="1200" dirty="0" smtClean="0">
+                <a:solidFill>
+                  <a:srgbClr val="000000"/>
+                </a:solidFill>
+                <a:highlight>
+                  <a:srgbClr val="FFFFFF"/>
+                </a:highlight>
+              </a:rPr>
+              <a:t>: </a:t>
+            </a:r>
+            <a:r>
+              <a:rPr lang="en-US" sz="1200" dirty="0" err="1" smtClean="0">
+                <a:solidFill>
+                  <a:srgbClr val="800000"/>
+                </a:solidFill>
+                <a:highlight>
+                  <a:srgbClr val="FFFFFF"/>
+                </a:highlight>
+              </a:rPr>
+              <a:t>imageURL</a:t>
+            </a:r>
+            <a:endParaRPr lang="en-US" sz="1200" dirty="0" smtClean="0">
               <a:solidFill>
                 <a:srgbClr val="000000"/>
               </a:solidFill>
@@ -5289,53 +3828,18 @@
           </a:p>
           <a:p>
             <a:r>
-              <a:rPr lang="en-US" sz="1200" i="0" dirty="0" smtClean="0">
-                <a:solidFill>
-                  <a:srgbClr val="000000"/>
-                </a:solidFill>
-                <a:highlight>
-                  <a:srgbClr val="FFFFFF"/>
-                </a:highlight>
-              </a:rPr>
-              <a:t>    </a:t>
-            </a:r>
-            <a:r>
-              <a:rPr lang="en-US" sz="1200" i="0" dirty="0" smtClean="0">
-                <a:solidFill>
-                  <a:srgbClr val="800080"/>
-                </a:solidFill>
-                <a:highlight>
-                  <a:srgbClr val="FFFFFF"/>
-                </a:highlight>
-              </a:rPr>
-              <a:t>Image</a:t>
-            </a:r>
-            <a:r>
-              <a:rPr lang="en-US" sz="1200" i="0" dirty="0" smtClean="0">
-                <a:solidFill>
-                  <a:srgbClr val="000000"/>
-                </a:solidFill>
-                <a:highlight>
-                  <a:srgbClr val="FFFFFF"/>
-                </a:highlight>
-              </a:rPr>
-              <a:t> {</a:t>
-            </a:r>
-          </a:p>
-          <a:p>
-            <a:r>
-              <a:rPr lang="en-US" sz="1200" i="0" dirty="0" smtClean="0">
-                <a:solidFill>
-                  <a:srgbClr val="000000"/>
-                </a:solidFill>
-                <a:highlight>
-                  <a:srgbClr val="FFFFFF"/>
-                </a:highlight>
-              </a:rPr>
-              <a:t>        </a:t>
-            </a:r>
-            <a:r>
-              <a:rPr lang="en-US" sz="1200" i="0" dirty="0" smtClean="0">
+              <a:rPr lang="en-US" sz="1200" dirty="0" smtClean="0">
+                <a:solidFill>
+                  <a:srgbClr val="000000"/>
+                </a:solidFill>
+                <a:highlight>
+                  <a:srgbClr val="FFFFFF"/>
+                </a:highlight>
+              </a:rPr>
+              <a:t>            </a:t>
+            </a:r>
+            <a:r>
+              <a:rPr lang="en-US" sz="1200" dirty="0" err="1" smtClean="0">
                 <a:solidFill>
                   <a:srgbClr val="800000"/>
                 </a:solidFill>
@@ -5343,10 +3847,32 @@
                   <a:srgbClr val="FFFFFF"/>
                 </a:highlight>
               </a:rPr>
-              <a:t>id</a:t>
-            </a:r>
-            <a:r>
-              <a:rPr lang="en-US" sz="1200" i="0" dirty="0" smtClean="0">
+              <a:t>anchors</a:t>
+            </a:r>
+            <a:r>
+              <a:rPr lang="en-US" sz="1200" dirty="0" err="1" smtClean="0">
+                <a:solidFill>
+                  <a:srgbClr val="000000"/>
+                </a:solidFill>
+                <a:highlight>
+                  <a:srgbClr val="FFFFFF"/>
+                </a:highlight>
+              </a:rPr>
+              <a:t>.</a:t>
+            </a:r>
+            <a:r>
+              <a:rPr lang="en-US" sz="1200" dirty="0" err="1" smtClean="0">
+                <a:solidFill>
+                  <a:srgbClr val="800000"/>
+                </a:solidFill>
+                <a:highlight>
+                  <a:srgbClr val="FFFFFF"/>
+                </a:highlight>
+              </a:rPr>
+              <a:t>centerIn</a:t>
+            </a:r>
+            <a:r>
+              <a:rPr lang="en-US" sz="1200" dirty="0" smtClean="0">
                 <a:solidFill>
                   <a:srgbClr val="000000"/>
                 </a:solidFill>
@@ -5357,7 +3883,7 @@
               <a:t>: </a:t>
             </a:r>
             <a:r>
-              <a:rPr lang="en-US" sz="1200" i="0" dirty="0" smtClean="0">
+              <a:rPr lang="en-US" sz="1200" dirty="0" smtClean="0">
                 <a:solidFill>
                   <a:srgbClr val="800000"/>
                 </a:solidFill>
@@ -5365,9 +3891,9 @@
                   <a:srgbClr val="FFFFFF"/>
                 </a:highlight>
               </a:rPr>
-              <a:t>image</a:t>
-            </a:r>
-            <a:endParaRPr lang="en-US" sz="1200" i="0" dirty="0" smtClean="0">
+              <a:t>parent</a:t>
+            </a:r>
+            <a:endParaRPr lang="en-US" sz="1200" dirty="0" smtClean="0">
               <a:solidFill>
                 <a:srgbClr val="000000"/>
               </a:solidFill>
@@ -5378,50 +3904,19 @@
           </a:p>
           <a:p>
             <a:r>
-              <a:rPr lang="en-US" sz="1200" i="0" dirty="0" smtClean="0">
-                <a:solidFill>
-                  <a:srgbClr val="000000"/>
-                </a:solidFill>
-                <a:highlight>
-                  <a:srgbClr val="FFFFFF"/>
-                </a:highlight>
-              </a:rPr>
-              <a:t>        </a:t>
-            </a:r>
-            <a:r>
-              <a:rPr lang="en-US" sz="1200" i="0" dirty="0" smtClean="0">
-                <a:solidFill>
-                  <a:srgbClr val="800000"/>
-                </a:solidFill>
-                <a:highlight>
-                  <a:srgbClr val="FFFFFF"/>
-                </a:highlight>
-              </a:rPr>
-              <a:t>source</a:t>
-            </a:r>
-            <a:r>
-              <a:rPr lang="en-US" sz="1200" i="0" dirty="0" smtClean="0">
-                <a:solidFill>
-                  <a:srgbClr val="000000"/>
-                </a:solidFill>
-                <a:highlight>
-                  <a:srgbClr val="FFFFFF"/>
-                </a:highlight>
-              </a:rPr>
-              <a:t>: </a:t>
-            </a:r>
-            <a:r>
-              <a:rPr lang="en-US" sz="1200" i="0" dirty="0" smtClean="0">
-                <a:solidFill>
-                  <a:srgbClr val="808080"/>
-                </a:solidFill>
-                <a:highlight>
-                  <a:srgbClr val="FFFFFF"/>
-                </a:highlight>
-              </a:rPr>
-              <a:t>""</a:t>
-            </a:r>
-            <a:endParaRPr lang="en-US" sz="1200" i="0" dirty="0" smtClean="0">
+              <a:rPr lang="en-US" sz="1200" dirty="0" smtClean="0">
+                <a:solidFill>
+                  <a:srgbClr val="000000"/>
+                </a:solidFill>
+                <a:highlight>
+                  <a:srgbClr val="FFFFFF"/>
+                </a:highlight>
+              </a:rPr>
+              <a:t>        }</a:t>
+            </a:r>
+          </a:p>
+          <a:p>
+            <a:endParaRPr lang="en-US" sz="1200" dirty="0" smtClean="0">
               <a:solidFill>
                 <a:srgbClr val="000000"/>
               </a:solidFill>
@@ -5432,7 +3927,7 @@
           </a:p>
           <a:p>
             <a:r>
-              <a:rPr lang="en-US" sz="1200" i="0" dirty="0" smtClean="0">
+              <a:rPr lang="en-US" sz="1200" dirty="0" smtClean="0">
                 <a:solidFill>
                   <a:srgbClr val="000000"/>
                 </a:solidFill>
@@ -5443,7 +3938,42 @@
               <a:t>        </a:t>
             </a:r>
             <a:r>
-              <a:rPr lang="en-US" sz="1200" i="0" dirty="0" err="1" smtClean="0">
+              <a:rPr lang="en-US" sz="1200" dirty="0" err="1" smtClean="0">
+                <a:solidFill>
+                  <a:srgbClr val="800080"/>
+                </a:solidFill>
+                <a:highlight>
+                  <a:srgbClr val="FFFFFF"/>
+                </a:highlight>
+              </a:rPr>
+              <a:t>ProgressBar</a:t>
+            </a:r>
+            <a:r>
+              <a:rPr lang="en-US" sz="1200" dirty="0" smtClean="0">
+                <a:solidFill>
+                  <a:srgbClr val="000000"/>
+                </a:solidFill>
+                <a:highlight>
+                  <a:srgbClr val="FFFFFF"/>
+                </a:highlight>
+              </a:rPr>
+              <a:t> {</a:t>
+            </a:r>
+          </a:p>
+          <a:p>
+            <a:r>
+              <a:rPr lang="en-US" sz="1200" dirty="0" smtClean="0">
+                <a:solidFill>
+                  <a:srgbClr val="000000"/>
+                </a:solidFill>
+                <a:highlight>
+                  <a:srgbClr val="FFFFFF"/>
+                </a:highlight>
+              </a:rPr>
+              <a:t>            </a:t>
+            </a:r>
+            <a:r>
+              <a:rPr lang="en-US" sz="1200" dirty="0" smtClean="0">
                 <a:solidFill>
                   <a:srgbClr val="800000"/>
                 </a:solidFill>
@@ -5451,10 +3981,54 @@
                   <a:srgbClr val="FFFFFF"/>
                 </a:highlight>
               </a:rPr>
-              <a:t>anchors</a:t>
-            </a:r>
-            <a:r>
-              <a:rPr lang="en-US" sz="1200" i="0" dirty="0" err="1" smtClean="0">
+              <a:t>value</a:t>
+            </a:r>
+            <a:r>
+              <a:rPr lang="en-US" sz="1200" dirty="0" smtClean="0">
+                <a:solidFill>
+                  <a:srgbClr val="000000"/>
+                </a:solidFill>
+                <a:highlight>
+                  <a:srgbClr val="FFFFFF"/>
+                </a:highlight>
+              </a:rPr>
+              <a:t>: </a:t>
+            </a:r>
+            <a:r>
+              <a:rPr lang="en-US" sz="1200" dirty="0" err="1" smtClean="0">
+                <a:solidFill>
+                  <a:srgbClr val="800000"/>
+                </a:solidFill>
+                <a:highlight>
+                  <a:srgbClr val="FFFFFF"/>
+                </a:highlight>
+              </a:rPr>
+              <a:t>imageProgress</a:t>
+            </a:r>
+            <a:r>
+              <a:rPr lang="en-US" sz="1200" dirty="0" smtClean="0">
+                <a:solidFill>
+                  <a:srgbClr val="000000"/>
+                </a:solidFill>
+                <a:highlight>
+                  <a:srgbClr val="FFFFFF"/>
+                </a:highlight>
+              </a:rPr>
+              <a:t>/</a:t>
+            </a:r>
+            <a:r>
+              <a:rPr lang="en-US" sz="1200" dirty="0" smtClean="0">
+                <a:solidFill>
+                  <a:srgbClr val="FF8000"/>
+                </a:solidFill>
+                <a:highlight>
+                  <a:srgbClr val="FFFFFF"/>
+                </a:highlight>
+              </a:rPr>
+              <a:t>100</a:t>
+            </a:r>
+            <a:r>
+              <a:rPr lang="en-US" sz="1200" dirty="0" smtClean="0">
                 <a:solidFill>
                   <a:srgbClr val="000000"/>
                 </a:solidFill>
@@ -5465,39 +4039,17 @@
               <a:t>.</a:t>
             </a:r>
             <a:r>
-              <a:rPr lang="en-US" sz="1200" i="0" dirty="0" err="1" smtClean="0">
-                <a:solidFill>
-                  <a:srgbClr val="800000"/>
-                </a:solidFill>
-                <a:highlight>
-                  <a:srgbClr val="FFFFFF"/>
-                </a:highlight>
-              </a:rPr>
-              <a:t>centerIn</a:t>
-            </a:r>
-            <a:r>
-              <a:rPr lang="en-US" sz="1200" i="0" dirty="0" smtClean="0">
-                <a:solidFill>
-                  <a:srgbClr val="000000"/>
-                </a:solidFill>
-                <a:highlight>
-                  <a:srgbClr val="FFFFFF"/>
-                </a:highlight>
-              </a:rPr>
-              <a:t>: </a:t>
-            </a:r>
-            <a:r>
-              <a:rPr lang="en-US" sz="1200" i="0" dirty="0" smtClean="0">
-                <a:solidFill>
-                  <a:srgbClr val="800000"/>
-                </a:solidFill>
-                <a:highlight>
-                  <a:srgbClr val="FFFFFF"/>
-                </a:highlight>
-              </a:rPr>
-              <a:t>parent</a:t>
-            </a:r>
-            <a:endParaRPr lang="en-US" sz="1200" i="0" dirty="0" smtClean="0">
+              <a:rPr lang="en-US" sz="1200" dirty="0" smtClean="0">
+                <a:solidFill>
+                  <a:srgbClr val="FF8000"/>
+                </a:solidFill>
+                <a:highlight>
+                  <a:srgbClr val="FFFFFF"/>
+                </a:highlight>
+              </a:rPr>
+              <a:t>0</a:t>
+            </a:r>
+            <a:endParaRPr lang="en-US" sz="1200" dirty="0" smtClean="0">
               <a:solidFill>
                 <a:srgbClr val="000000"/>
               </a:solidFill>
@@ -5508,19 +4060,94 @@
           </a:p>
           <a:p>
             <a:r>
-              <a:rPr lang="en-US" sz="1200" i="0" dirty="0" smtClean="0">
-                <a:solidFill>
-                  <a:srgbClr val="000000"/>
-                </a:solidFill>
-                <a:highlight>
-                  <a:srgbClr val="FFFFFF"/>
-                </a:highlight>
-              </a:rPr>
-              <a:t>    }</a:t>
-            </a:r>
-          </a:p>
-          <a:p>
-            <a:endParaRPr lang="en-US" sz="1200" i="0" dirty="0" smtClean="0">
+              <a:rPr lang="en-US" sz="1200" dirty="0" smtClean="0">
+                <a:solidFill>
+                  <a:srgbClr val="000000"/>
+                </a:solidFill>
+                <a:highlight>
+                  <a:srgbClr val="FFFFFF"/>
+                </a:highlight>
+              </a:rPr>
+              <a:t>            </a:t>
+            </a:r>
+            <a:r>
+              <a:rPr lang="en-US" sz="1200" dirty="0" err="1" smtClean="0">
+                <a:solidFill>
+                  <a:srgbClr val="800000"/>
+                </a:solidFill>
+                <a:highlight>
+                  <a:srgbClr val="FFFFFF"/>
+                </a:highlight>
+              </a:rPr>
+              <a:t>anchors</a:t>
+            </a:r>
+            <a:r>
+              <a:rPr lang="en-US" sz="1200" dirty="0" err="1" smtClean="0">
+                <a:solidFill>
+                  <a:srgbClr val="000000"/>
+                </a:solidFill>
+                <a:highlight>
+                  <a:srgbClr val="FFFFFF"/>
+                </a:highlight>
+              </a:rPr>
+              <a:t>.</a:t>
+            </a:r>
+            <a:r>
+              <a:rPr lang="en-US" sz="1200" dirty="0" err="1" smtClean="0">
+                <a:solidFill>
+                  <a:srgbClr val="800000"/>
+                </a:solidFill>
+                <a:highlight>
+                  <a:srgbClr val="FFFFFF"/>
+                </a:highlight>
+              </a:rPr>
+              <a:t>horizontalCenter</a:t>
+            </a:r>
+            <a:r>
+              <a:rPr lang="en-US" sz="1200" dirty="0" smtClean="0">
+                <a:solidFill>
+                  <a:srgbClr val="000000"/>
+                </a:solidFill>
+                <a:highlight>
+                  <a:srgbClr val="FFFFFF"/>
+                </a:highlight>
+              </a:rPr>
+              <a:t>: </a:t>
+            </a:r>
+            <a:r>
+              <a:rPr lang="en-US" sz="1200" dirty="0" err="1" smtClean="0">
+                <a:solidFill>
+                  <a:srgbClr val="800000"/>
+                </a:solidFill>
+                <a:highlight>
+                  <a:srgbClr val="FFFFFF"/>
+                </a:highlight>
+              </a:rPr>
+              <a:t>parent</a:t>
+            </a:r>
+            <a:r>
+              <a:rPr lang="en-US" sz="1200" dirty="0" err="1" smtClean="0">
+                <a:solidFill>
+                  <a:srgbClr val="000000"/>
+                </a:solidFill>
+                <a:highlight>
+                  <a:srgbClr val="FFFFFF"/>
+                </a:highlight>
+              </a:rPr>
+              <a:t>.</a:t>
+            </a:r>
+            <a:r>
+              <a:rPr lang="en-US" sz="1200" dirty="0" err="1" smtClean="0">
+                <a:solidFill>
+                  <a:srgbClr val="800000"/>
+                </a:solidFill>
+                <a:highlight>
+                  <a:srgbClr val="FFFFFF"/>
+                </a:highlight>
+              </a:rPr>
+              <a:t>horizontalCenter</a:t>
+            </a:r>
+            <a:endParaRPr lang="en-US" sz="1200" dirty="0" smtClean="0">
               <a:solidFill>
                 <a:srgbClr val="000000"/>
               </a:solidFill>
@@ -5531,53 +4158,18 @@
           </a:p>
           <a:p>
             <a:r>
-              <a:rPr lang="en-US" sz="1200" i="0" dirty="0" smtClean="0">
-                <a:solidFill>
-                  <a:srgbClr val="000000"/>
-                </a:solidFill>
-                <a:highlight>
-                  <a:srgbClr val="FFFFFF"/>
-                </a:highlight>
-              </a:rPr>
-              <a:t>    </a:t>
-            </a:r>
-            <a:r>
-              <a:rPr lang="en-US" sz="1200" i="0" dirty="0" err="1" smtClean="0">
-                <a:solidFill>
-                  <a:srgbClr val="800080"/>
-                </a:solidFill>
-                <a:highlight>
-                  <a:srgbClr val="FFFFFF"/>
-                </a:highlight>
-              </a:rPr>
-              <a:t>ProgressBar</a:t>
-            </a:r>
-            <a:r>
-              <a:rPr lang="en-US" sz="1200" i="0" dirty="0" smtClean="0">
-                <a:solidFill>
-                  <a:srgbClr val="000000"/>
-                </a:solidFill>
-                <a:highlight>
-                  <a:srgbClr val="FFFFFF"/>
-                </a:highlight>
-              </a:rPr>
-              <a:t> {</a:t>
-            </a:r>
-          </a:p>
-          <a:p>
-            <a:r>
-              <a:rPr lang="en-US" sz="1200" i="0" dirty="0" smtClean="0">
-                <a:solidFill>
-                  <a:srgbClr val="000000"/>
-                </a:solidFill>
-                <a:highlight>
-                  <a:srgbClr val="FFFFFF"/>
-                </a:highlight>
-              </a:rPr>
-              <a:t>        </a:t>
-            </a:r>
-            <a:r>
-              <a:rPr lang="en-US" sz="1200" i="0" dirty="0" smtClean="0">
+              <a:rPr lang="en-US" sz="1200" dirty="0" smtClean="0">
+                <a:solidFill>
+                  <a:srgbClr val="000000"/>
+                </a:solidFill>
+                <a:highlight>
+                  <a:srgbClr val="FFFFFF"/>
+                </a:highlight>
+              </a:rPr>
+              <a:t>            </a:t>
+            </a:r>
+            <a:r>
+              <a:rPr lang="en-US" sz="1200" dirty="0" err="1" smtClean="0">
                 <a:solidFill>
                   <a:srgbClr val="800000"/>
                 </a:solidFill>
@@ -5585,10 +4177,32 @@
                   <a:srgbClr val="FFFFFF"/>
                 </a:highlight>
               </a:rPr>
-              <a:t>id</a:t>
-            </a:r>
-            <a:r>
-              <a:rPr lang="en-US" sz="1200" i="0" dirty="0" smtClean="0">
+              <a:t>anchors</a:t>
+            </a:r>
+            <a:r>
+              <a:rPr lang="en-US" sz="1200" dirty="0" err="1" smtClean="0">
+                <a:solidFill>
+                  <a:srgbClr val="000000"/>
+                </a:solidFill>
+                <a:highlight>
+                  <a:srgbClr val="FFFFFF"/>
+                </a:highlight>
+              </a:rPr>
+              <a:t>.</a:t>
+            </a:r>
+            <a:r>
+              <a:rPr lang="en-US" sz="1200" dirty="0" err="1" smtClean="0">
+                <a:solidFill>
+                  <a:srgbClr val="800000"/>
+                </a:solidFill>
+                <a:highlight>
+                  <a:srgbClr val="FFFFFF"/>
+                </a:highlight>
+              </a:rPr>
+              <a:t>bottom</a:t>
+            </a:r>
+            <a:r>
+              <a:rPr lang="en-US" sz="1200" dirty="0" smtClean="0">
                 <a:solidFill>
                   <a:srgbClr val="000000"/>
                 </a:solidFill>
@@ -5599,7 +4213,7 @@
               <a:t>: </a:t>
             </a:r>
             <a:r>
-              <a:rPr lang="en-US" sz="1200" i="0" dirty="0" err="1" smtClean="0">
+              <a:rPr lang="en-US" sz="1200" dirty="0" err="1" smtClean="0">
                 <a:solidFill>
                   <a:srgbClr val="800000"/>
                 </a:solidFill>
@@ -5607,9 +4221,31 @@
                   <a:srgbClr val="FFFFFF"/>
                 </a:highlight>
               </a:rPr>
-              <a:t>progressBar</a:t>
-            </a:r>
-            <a:endParaRPr lang="en-US" sz="1200" i="0" dirty="0" smtClean="0">
+              <a:t>parent</a:t>
+            </a:r>
+            <a:r>
+              <a:rPr lang="en-US" sz="1200" dirty="0" err="1" smtClean="0">
+                <a:solidFill>
+                  <a:srgbClr val="000000"/>
+                </a:solidFill>
+                <a:highlight>
+                  <a:srgbClr val="FFFFFF"/>
+                </a:highlight>
+              </a:rPr>
+              <a:t>.</a:t>
+            </a:r>
+            <a:r>
+              <a:rPr lang="en-US" sz="1200" dirty="0" err="1" smtClean="0">
+                <a:solidFill>
+                  <a:srgbClr val="800000"/>
+                </a:solidFill>
+                <a:highlight>
+                  <a:srgbClr val="FFFFFF"/>
+                </a:highlight>
+              </a:rPr>
+              <a:t>bottom</a:t>
+            </a:r>
+            <a:endParaRPr lang="en-US" sz="1200" dirty="0" smtClean="0">
               <a:solidFill>
                 <a:srgbClr val="000000"/>
               </a:solidFill>
@@ -5620,490 +4256,7 @@
           </a:p>
           <a:p>
             <a:r>
-              <a:rPr lang="en-US" sz="1200" i="0" dirty="0" smtClean="0">
-                <a:solidFill>
-                  <a:srgbClr val="000000"/>
-                </a:solidFill>
-                <a:highlight>
-                  <a:srgbClr val="FFFFFF"/>
-                </a:highlight>
-              </a:rPr>
-              <a:t>        </a:t>
-            </a:r>
-            <a:r>
-              <a:rPr lang="en-US" sz="1200" i="0" dirty="0" smtClean="0">
-                <a:solidFill>
-                  <a:srgbClr val="800000"/>
-                </a:solidFill>
-                <a:highlight>
-                  <a:srgbClr val="FFFFFF"/>
-                </a:highlight>
-              </a:rPr>
-              <a:t>value</a:t>
-            </a:r>
-            <a:r>
-              <a:rPr lang="en-US" sz="1200" i="0" dirty="0" smtClean="0">
-                <a:solidFill>
-                  <a:srgbClr val="000000"/>
-                </a:solidFill>
-                <a:highlight>
-                  <a:srgbClr val="FFFFFF"/>
-                </a:highlight>
-              </a:rPr>
-              <a:t>: </a:t>
-            </a:r>
-            <a:r>
-              <a:rPr lang="en-US" sz="1200" i="0" dirty="0" smtClean="0">
-                <a:solidFill>
-                  <a:srgbClr val="FF8000"/>
-                </a:solidFill>
-                <a:highlight>
-                  <a:srgbClr val="FFFFFF"/>
-                </a:highlight>
-              </a:rPr>
-              <a:t>0</a:t>
-            </a:r>
-            <a:endParaRPr lang="en-US" sz="1200" i="0" dirty="0" smtClean="0">
-              <a:solidFill>
-                <a:srgbClr val="000000"/>
-              </a:solidFill>
-              <a:highlight>
-                <a:srgbClr val="FFFFFF"/>
-              </a:highlight>
-            </a:endParaRPr>
-          </a:p>
-          <a:p>
-            <a:r>
-              <a:rPr lang="en-US" sz="1200" i="0" dirty="0" smtClean="0">
-                <a:solidFill>
-                  <a:srgbClr val="000000"/>
-                </a:solidFill>
-                <a:highlight>
-                  <a:srgbClr val="FFFFFF"/>
-                </a:highlight>
-              </a:rPr>
-              <a:t>        </a:t>
-            </a:r>
-            <a:r>
-              <a:rPr lang="en-US" sz="1200" i="0" dirty="0" err="1" smtClean="0">
-                <a:solidFill>
-                  <a:srgbClr val="800000"/>
-                </a:solidFill>
-                <a:highlight>
-                  <a:srgbClr val="FFFFFF"/>
-                </a:highlight>
-              </a:rPr>
-              <a:t>anchors</a:t>
-            </a:r>
-            <a:r>
-              <a:rPr lang="en-US" sz="1200" i="0" dirty="0" err="1" smtClean="0">
-                <a:solidFill>
-                  <a:srgbClr val="000000"/>
-                </a:solidFill>
-                <a:highlight>
-                  <a:srgbClr val="FFFFFF"/>
-                </a:highlight>
-              </a:rPr>
-              <a:t>.</a:t>
-            </a:r>
-            <a:r>
-              <a:rPr lang="en-US" sz="1200" i="0" dirty="0" err="1" smtClean="0">
-                <a:solidFill>
-                  <a:srgbClr val="800000"/>
-                </a:solidFill>
-                <a:highlight>
-                  <a:srgbClr val="FFFFFF"/>
-                </a:highlight>
-              </a:rPr>
-              <a:t>horizontalCenter</a:t>
-            </a:r>
-            <a:r>
-              <a:rPr lang="en-US" sz="1200" i="0" dirty="0" smtClean="0">
-                <a:solidFill>
-                  <a:srgbClr val="000000"/>
-                </a:solidFill>
-                <a:highlight>
-                  <a:srgbClr val="FFFFFF"/>
-                </a:highlight>
-              </a:rPr>
-              <a:t>: </a:t>
-            </a:r>
-            <a:r>
-              <a:rPr lang="en-US" sz="1200" i="0" dirty="0" err="1" smtClean="0">
-                <a:solidFill>
-                  <a:srgbClr val="800000"/>
-                </a:solidFill>
-                <a:highlight>
-                  <a:srgbClr val="FFFFFF"/>
-                </a:highlight>
-              </a:rPr>
-              <a:t>parent</a:t>
-            </a:r>
-            <a:r>
-              <a:rPr lang="en-US" sz="1200" i="0" dirty="0" err="1" smtClean="0">
-                <a:solidFill>
-                  <a:srgbClr val="000000"/>
-                </a:solidFill>
-                <a:highlight>
-                  <a:srgbClr val="FFFFFF"/>
-                </a:highlight>
-              </a:rPr>
-              <a:t>.</a:t>
-            </a:r>
-            <a:r>
-              <a:rPr lang="en-US" sz="1200" i="0" dirty="0" err="1" smtClean="0">
-                <a:solidFill>
-                  <a:srgbClr val="800000"/>
-                </a:solidFill>
-                <a:highlight>
-                  <a:srgbClr val="FFFFFF"/>
-                </a:highlight>
-              </a:rPr>
-              <a:t>horizontalCenter</a:t>
-            </a:r>
-            <a:endParaRPr lang="en-US" sz="1200" i="0" dirty="0" smtClean="0">
-              <a:solidFill>
-                <a:srgbClr val="000000"/>
-              </a:solidFill>
-              <a:highlight>
-                <a:srgbClr val="FFFFFF"/>
-              </a:highlight>
-            </a:endParaRPr>
-          </a:p>
-          <a:p>
-            <a:r>
-              <a:rPr lang="en-US" sz="1200" i="0" dirty="0" smtClean="0">
-                <a:solidFill>
-                  <a:srgbClr val="000000"/>
-                </a:solidFill>
-                <a:highlight>
-                  <a:srgbClr val="FFFFFF"/>
-                </a:highlight>
-              </a:rPr>
-              <a:t>        </a:t>
-            </a:r>
-            <a:r>
-              <a:rPr lang="en-US" sz="1200" i="0" dirty="0" err="1" smtClean="0">
-                <a:solidFill>
-                  <a:srgbClr val="800000"/>
-                </a:solidFill>
-                <a:highlight>
-                  <a:srgbClr val="FFFFFF"/>
-                </a:highlight>
-              </a:rPr>
-              <a:t>anchors</a:t>
-            </a:r>
-            <a:r>
-              <a:rPr lang="en-US" sz="1200" i="0" dirty="0" err="1" smtClean="0">
-                <a:solidFill>
-                  <a:srgbClr val="000000"/>
-                </a:solidFill>
-                <a:highlight>
-                  <a:srgbClr val="FFFFFF"/>
-                </a:highlight>
-              </a:rPr>
-              <a:t>.</a:t>
-            </a:r>
-            <a:r>
-              <a:rPr lang="en-US" sz="1200" i="0" dirty="0" err="1" smtClean="0">
-                <a:solidFill>
-                  <a:srgbClr val="800000"/>
-                </a:solidFill>
-                <a:highlight>
-                  <a:srgbClr val="FFFFFF"/>
-                </a:highlight>
-              </a:rPr>
-              <a:t>bottom</a:t>
-            </a:r>
-            <a:r>
-              <a:rPr lang="en-US" sz="1200" i="0" dirty="0" smtClean="0">
-                <a:solidFill>
-                  <a:srgbClr val="000000"/>
-                </a:solidFill>
-                <a:highlight>
-                  <a:srgbClr val="FFFFFF"/>
-                </a:highlight>
-              </a:rPr>
-              <a:t>: </a:t>
-            </a:r>
-            <a:r>
-              <a:rPr lang="en-US" sz="1200" i="0" dirty="0" err="1" smtClean="0">
-                <a:solidFill>
-                  <a:srgbClr val="800000"/>
-                </a:solidFill>
-                <a:highlight>
-                  <a:srgbClr val="FFFFFF"/>
-                </a:highlight>
-              </a:rPr>
-              <a:t>parent</a:t>
-            </a:r>
-            <a:r>
-              <a:rPr lang="en-US" sz="1200" i="0" dirty="0" err="1" smtClean="0">
-                <a:solidFill>
-                  <a:srgbClr val="000000"/>
-                </a:solidFill>
-                <a:highlight>
-                  <a:srgbClr val="FFFFFF"/>
-                </a:highlight>
-              </a:rPr>
-              <a:t>.</a:t>
-            </a:r>
-            <a:r>
-              <a:rPr lang="en-US" sz="1200" i="0" dirty="0" err="1" smtClean="0">
-                <a:solidFill>
-                  <a:srgbClr val="800000"/>
-                </a:solidFill>
-                <a:highlight>
-                  <a:srgbClr val="FFFFFF"/>
-                </a:highlight>
-              </a:rPr>
-              <a:t>bottom</a:t>
-            </a:r>
-            <a:endParaRPr lang="en-US" sz="1200" i="0" dirty="0" smtClean="0">
-              <a:solidFill>
-                <a:srgbClr val="000000"/>
-              </a:solidFill>
-              <a:highlight>
-                <a:srgbClr val="FFFFFF"/>
-              </a:highlight>
-            </a:endParaRPr>
-          </a:p>
-          <a:p>
-            <a:r>
-              <a:rPr lang="en-US" sz="1200" i="0" dirty="0" smtClean="0">
-                <a:solidFill>
-                  <a:srgbClr val="000000"/>
-                </a:solidFill>
-                <a:highlight>
-                  <a:srgbClr val="FFFFFF"/>
-                </a:highlight>
-              </a:rPr>
-              <a:t>    }</a:t>
-            </a:r>
-          </a:p>
-          <a:p>
-            <a:endParaRPr lang="en-US" sz="1200" i="0" dirty="0" smtClean="0">
-              <a:solidFill>
-                <a:srgbClr val="000000"/>
-              </a:solidFill>
-              <a:highlight>
-                <a:srgbClr val="FFFFFF"/>
-              </a:highlight>
-            </a:endParaRPr>
-          </a:p>
-          <a:p>
-            <a:endParaRPr lang="en-US" sz="1200" i="0" dirty="0" smtClean="0">
-              <a:solidFill>
-                <a:srgbClr val="000000"/>
-              </a:solidFill>
-              <a:highlight>
-                <a:srgbClr val="FFFFFF"/>
-              </a:highlight>
-            </a:endParaRPr>
-          </a:p>
-          <a:p>
-            <a:r>
-              <a:rPr lang="en-US" sz="1200" i="0" dirty="0" smtClean="0">
-                <a:solidFill>
-                  <a:srgbClr val="000000"/>
-                </a:solidFill>
-                <a:highlight>
-                  <a:srgbClr val="FFFFFF"/>
-                </a:highlight>
-              </a:rPr>
-              <a:t>    </a:t>
-            </a:r>
-            <a:r>
-              <a:rPr lang="en-US" sz="1200" i="0" dirty="0" smtClean="0">
-                <a:solidFill>
-                  <a:srgbClr val="800080"/>
-                </a:solidFill>
-                <a:highlight>
-                  <a:srgbClr val="FFFFFF"/>
-                </a:highlight>
-              </a:rPr>
-              <a:t>Connections</a:t>
-            </a:r>
-            <a:r>
-              <a:rPr lang="en-US" sz="1200" i="0" dirty="0" smtClean="0">
-                <a:solidFill>
-                  <a:srgbClr val="000000"/>
-                </a:solidFill>
-                <a:highlight>
-                  <a:srgbClr val="FFFFFF"/>
-                </a:highlight>
-              </a:rPr>
-              <a:t> {</a:t>
-            </a:r>
-          </a:p>
-          <a:p>
-            <a:r>
-              <a:rPr lang="en-US" sz="1200" i="0" dirty="0" smtClean="0">
-                <a:solidFill>
-                  <a:srgbClr val="000000"/>
-                </a:solidFill>
-                <a:highlight>
-                  <a:srgbClr val="FFFFFF"/>
-                </a:highlight>
-              </a:rPr>
-              <a:t>        </a:t>
-            </a:r>
-            <a:r>
-              <a:rPr lang="en-US" sz="1200" i="0" dirty="0" smtClean="0">
-                <a:solidFill>
-                  <a:srgbClr val="800000"/>
-                </a:solidFill>
-                <a:highlight>
-                  <a:srgbClr val="FFFFFF"/>
-                </a:highlight>
-              </a:rPr>
-              <a:t>target</a:t>
-            </a:r>
-            <a:r>
-              <a:rPr lang="en-US" sz="1200" i="0" dirty="0" smtClean="0">
-                <a:solidFill>
-                  <a:srgbClr val="000000"/>
-                </a:solidFill>
-                <a:highlight>
-                  <a:srgbClr val="FFFFFF"/>
-                </a:highlight>
-              </a:rPr>
-              <a:t>: </a:t>
-            </a:r>
-            <a:r>
-              <a:rPr lang="en-US" sz="1200" i="0" dirty="0" smtClean="0">
-                <a:solidFill>
-                  <a:srgbClr val="800000"/>
-                </a:solidFill>
-                <a:highlight>
-                  <a:srgbClr val="FFFFFF"/>
-                </a:highlight>
-              </a:rPr>
-              <a:t>downloader</a:t>
-            </a:r>
-            <a:endParaRPr lang="en-US" sz="1200" i="0" dirty="0" smtClean="0">
-              <a:solidFill>
-                <a:srgbClr val="000000"/>
-              </a:solidFill>
-              <a:highlight>
-                <a:srgbClr val="FFFFFF"/>
-              </a:highlight>
-            </a:endParaRPr>
-          </a:p>
-          <a:p>
-            <a:r>
-              <a:rPr lang="en-US" sz="1200" i="0" dirty="0" smtClean="0">
-                <a:solidFill>
-                  <a:srgbClr val="000000"/>
-                </a:solidFill>
-                <a:highlight>
-                  <a:srgbClr val="FFFFFF"/>
-                </a:highlight>
-              </a:rPr>
-              <a:t>        </a:t>
-            </a:r>
-            <a:r>
-              <a:rPr lang="en-US" sz="1200" i="0" dirty="0" err="1" smtClean="0">
-                <a:solidFill>
-                  <a:srgbClr val="800000"/>
-                </a:solidFill>
-                <a:highlight>
-                  <a:srgbClr val="FFFFFF"/>
-                </a:highlight>
-              </a:rPr>
-              <a:t>onTitleFinished</a:t>
-            </a:r>
-            <a:r>
-              <a:rPr lang="en-US" sz="1200" i="0" dirty="0" smtClean="0">
-                <a:solidFill>
-                  <a:srgbClr val="000000"/>
-                </a:solidFill>
-                <a:highlight>
-                  <a:srgbClr val="FFFFFF"/>
-                </a:highlight>
-              </a:rPr>
-              <a:t>: {</a:t>
-            </a:r>
-          </a:p>
-          <a:p>
-            <a:r>
-              <a:rPr lang="en-US" sz="1200" i="0" dirty="0" smtClean="0">
-                <a:solidFill>
-                  <a:srgbClr val="000000"/>
-                </a:solidFill>
-                <a:highlight>
-                  <a:srgbClr val="FFFFFF"/>
-                </a:highlight>
-              </a:rPr>
-              <a:t>            </a:t>
-            </a:r>
-            <a:r>
-              <a:rPr lang="en-US" sz="1200" i="0" dirty="0" err="1" smtClean="0">
-                <a:solidFill>
-                  <a:srgbClr val="800000"/>
-                </a:solidFill>
-                <a:highlight>
-                  <a:srgbClr val="FFFFFF"/>
-                </a:highlight>
-              </a:rPr>
-              <a:t>titleText</a:t>
-            </a:r>
-            <a:r>
-              <a:rPr lang="en-US" sz="1200" i="0" dirty="0" err="1" smtClean="0">
-                <a:solidFill>
-                  <a:srgbClr val="000000"/>
-                </a:solidFill>
-                <a:highlight>
-                  <a:srgbClr val="FFFFFF"/>
-                </a:highlight>
-              </a:rPr>
-              <a:t>.</a:t>
-            </a:r>
-            <a:r>
-              <a:rPr lang="en-US" sz="1200" i="0" dirty="0" err="1" smtClean="0">
-                <a:solidFill>
-                  <a:srgbClr val="800000"/>
-                </a:solidFill>
-                <a:highlight>
-                  <a:srgbClr val="FFFFFF"/>
-                </a:highlight>
-              </a:rPr>
-              <a:t>text</a:t>
-            </a:r>
-            <a:r>
-              <a:rPr lang="en-US" sz="1200" i="0" dirty="0" smtClean="0">
-                <a:solidFill>
-                  <a:srgbClr val="000000"/>
-                </a:solidFill>
-                <a:highlight>
-                  <a:srgbClr val="FFFFFF"/>
-                </a:highlight>
-              </a:rPr>
-              <a:t> = </a:t>
-            </a:r>
-            <a:r>
-              <a:rPr lang="en-US" sz="1200" i="0" dirty="0" smtClean="0">
-                <a:solidFill>
-                  <a:srgbClr val="800000"/>
-                </a:solidFill>
-                <a:highlight>
-                  <a:srgbClr val="FFFFFF"/>
-                </a:highlight>
-              </a:rPr>
-              <a:t>title</a:t>
-            </a:r>
-            <a:endParaRPr lang="en-US" sz="1200" i="0" dirty="0" smtClean="0">
-              <a:solidFill>
-                <a:srgbClr val="000000"/>
-              </a:solidFill>
-              <a:highlight>
-                <a:srgbClr val="FFFFFF"/>
-              </a:highlight>
-            </a:endParaRPr>
-          </a:p>
-          <a:p>
-            <a:r>
-              <a:rPr lang="en-US" sz="1200" i="0" dirty="0" smtClean="0">
+              <a:rPr lang="en-US" sz="1200" dirty="0" smtClean="0">
                 <a:solidFill>
                   <a:srgbClr val="000000"/>
                 </a:solidFill>
@@ -6116,388 +4269,7 @@
           </a:p>
           <a:p>
             <a:r>
-              <a:rPr lang="en-US" sz="1200" i="0" dirty="0" smtClean="0">
-                <a:solidFill>
-                  <a:srgbClr val="000000"/>
-                </a:solidFill>
-                <a:highlight>
-                  <a:srgbClr val="FFFFFF"/>
-                </a:highlight>
-              </a:rPr>
-              <a:t>        </a:t>
-            </a:r>
-            <a:r>
-              <a:rPr lang="en-US" sz="1200" i="0" dirty="0" err="1" smtClean="0">
-                <a:solidFill>
-                  <a:srgbClr val="800000"/>
-                </a:solidFill>
-                <a:highlight>
-                  <a:srgbClr val="FFFFFF"/>
-                </a:highlight>
-              </a:rPr>
-              <a:t>onImageProgressChanged</a:t>
-            </a:r>
-            <a:r>
-              <a:rPr lang="en-US" sz="1200" i="0" dirty="0" smtClean="0">
-                <a:solidFill>
-                  <a:srgbClr val="000000"/>
-                </a:solidFill>
-                <a:highlight>
-                  <a:srgbClr val="FFFFFF"/>
-                </a:highlight>
-              </a:rPr>
-              <a:t>: {</a:t>
-            </a:r>
-          </a:p>
-          <a:p>
-            <a:r>
-              <a:rPr lang="en-US" sz="1200" i="0" dirty="0" smtClean="0">
-                <a:solidFill>
-                  <a:srgbClr val="000000"/>
-                </a:solidFill>
-                <a:highlight>
-                  <a:srgbClr val="FFFFFF"/>
-                </a:highlight>
-              </a:rPr>
-              <a:t>            </a:t>
-            </a:r>
-            <a:r>
-              <a:rPr lang="en-US" sz="1200" i="0" dirty="0" err="1" smtClean="0">
-                <a:solidFill>
-                  <a:srgbClr val="800000"/>
-                </a:solidFill>
-                <a:highlight>
-                  <a:srgbClr val="FFFFFF"/>
-                </a:highlight>
-              </a:rPr>
-              <a:t>progressBar</a:t>
-            </a:r>
-            <a:r>
-              <a:rPr lang="en-US" sz="1200" i="0" dirty="0" err="1" smtClean="0">
-                <a:solidFill>
-                  <a:srgbClr val="000000"/>
-                </a:solidFill>
-                <a:highlight>
-                  <a:srgbClr val="FFFFFF"/>
-                </a:highlight>
-              </a:rPr>
-              <a:t>.</a:t>
-            </a:r>
-            <a:r>
-              <a:rPr lang="en-US" sz="1200" i="0" dirty="0" err="1" smtClean="0">
-                <a:solidFill>
-                  <a:srgbClr val="800000"/>
-                </a:solidFill>
-                <a:highlight>
-                  <a:srgbClr val="FFFFFF"/>
-                </a:highlight>
-              </a:rPr>
-              <a:t>value</a:t>
-            </a:r>
-            <a:r>
-              <a:rPr lang="en-US" sz="1200" i="0" dirty="0" smtClean="0">
-                <a:solidFill>
-                  <a:srgbClr val="000000"/>
-                </a:solidFill>
-                <a:highlight>
-                  <a:srgbClr val="FFFFFF"/>
-                </a:highlight>
-              </a:rPr>
-              <a:t> = </a:t>
-            </a:r>
-            <a:r>
-              <a:rPr lang="en-US" sz="1200" i="0" dirty="0" smtClean="0">
-                <a:solidFill>
-                  <a:srgbClr val="800000"/>
-                </a:solidFill>
-                <a:highlight>
-                  <a:srgbClr val="FFFFFF"/>
-                </a:highlight>
-              </a:rPr>
-              <a:t>progress</a:t>
-            </a:r>
-            <a:r>
-              <a:rPr lang="en-US" sz="1200" i="0" dirty="0" smtClean="0">
-                <a:solidFill>
-                  <a:srgbClr val="000000"/>
-                </a:solidFill>
-                <a:highlight>
-                  <a:srgbClr val="FFFFFF"/>
-                </a:highlight>
-              </a:rPr>
-              <a:t>/</a:t>
-            </a:r>
-            <a:r>
-              <a:rPr lang="en-US" sz="1200" i="0" dirty="0" smtClean="0">
-                <a:solidFill>
-                  <a:srgbClr val="FF8000"/>
-                </a:solidFill>
-                <a:highlight>
-                  <a:srgbClr val="FFFFFF"/>
-                </a:highlight>
-              </a:rPr>
-              <a:t>100</a:t>
-            </a:r>
-            <a:r>
-              <a:rPr lang="en-US" sz="1200" i="0" dirty="0" smtClean="0">
-                <a:solidFill>
-                  <a:srgbClr val="000000"/>
-                </a:solidFill>
-                <a:highlight>
-                  <a:srgbClr val="FFFFFF"/>
-                </a:highlight>
-              </a:rPr>
-              <a:t>.</a:t>
-            </a:r>
-            <a:r>
-              <a:rPr lang="en-US" sz="1200" i="0" dirty="0" smtClean="0">
-                <a:solidFill>
-                  <a:srgbClr val="FF8000"/>
-                </a:solidFill>
-                <a:highlight>
-                  <a:srgbClr val="FFFFFF"/>
-                </a:highlight>
-              </a:rPr>
-              <a:t>0</a:t>
-            </a:r>
-            <a:endParaRPr lang="en-US" sz="1200" i="0" dirty="0" smtClean="0">
-              <a:solidFill>
-                <a:srgbClr val="000000"/>
-              </a:solidFill>
-              <a:highlight>
-                <a:srgbClr val="FFFFFF"/>
-              </a:highlight>
-            </a:endParaRPr>
-          </a:p>
-          <a:p>
-            <a:r>
-              <a:rPr lang="en-US" sz="1200" i="0" dirty="0" smtClean="0">
-                <a:solidFill>
-                  <a:srgbClr val="000000"/>
-                </a:solidFill>
-                <a:highlight>
-                  <a:srgbClr val="FFFFFF"/>
-                </a:highlight>
-              </a:rPr>
-              <a:t>        }</a:t>
-            </a:r>
-          </a:p>
-          <a:p>
-            <a:r>
-              <a:rPr lang="en-US" sz="1200" i="0" dirty="0" smtClean="0">
-                <a:solidFill>
-                  <a:srgbClr val="000000"/>
-                </a:solidFill>
-                <a:highlight>
-                  <a:srgbClr val="FFFFFF"/>
-                </a:highlight>
-              </a:rPr>
-              <a:t>        </a:t>
-            </a:r>
-            <a:r>
-              <a:rPr lang="en-US" sz="1200" i="0" dirty="0" err="1" smtClean="0">
-                <a:solidFill>
-                  <a:srgbClr val="800000"/>
-                </a:solidFill>
-                <a:highlight>
-                  <a:srgbClr val="FFFFFF"/>
-                </a:highlight>
-              </a:rPr>
-              <a:t>onImageFinished</a:t>
-            </a:r>
-            <a:r>
-              <a:rPr lang="en-US" sz="1200" i="0" dirty="0" smtClean="0">
-                <a:solidFill>
-                  <a:srgbClr val="000000"/>
-                </a:solidFill>
-                <a:highlight>
-                  <a:srgbClr val="FFFFFF"/>
-                </a:highlight>
-              </a:rPr>
-              <a:t>: {</a:t>
-            </a:r>
-          </a:p>
-          <a:p>
-            <a:r>
-              <a:rPr lang="en-US" sz="1200" i="0" dirty="0" smtClean="0">
-                <a:solidFill>
-                  <a:srgbClr val="000000"/>
-                </a:solidFill>
-                <a:highlight>
-                  <a:srgbClr val="FFFFFF"/>
-                </a:highlight>
-              </a:rPr>
-              <a:t>            </a:t>
-            </a:r>
-            <a:r>
-              <a:rPr lang="en-US" sz="1200" i="0" dirty="0" err="1" smtClean="0">
-                <a:solidFill>
-                  <a:srgbClr val="800000"/>
-                </a:solidFill>
-                <a:highlight>
-                  <a:srgbClr val="FFFFFF"/>
-                </a:highlight>
-              </a:rPr>
-              <a:t>image</a:t>
-            </a:r>
-            <a:r>
-              <a:rPr lang="en-US" sz="1200" i="0" dirty="0" err="1" smtClean="0">
-                <a:solidFill>
-                  <a:srgbClr val="000000"/>
-                </a:solidFill>
-                <a:highlight>
-                  <a:srgbClr val="FFFFFF"/>
-                </a:highlight>
-              </a:rPr>
-              <a:t>.</a:t>
-            </a:r>
-            <a:r>
-              <a:rPr lang="en-US" sz="1200" i="0" dirty="0" err="1" smtClean="0">
-                <a:solidFill>
-                  <a:srgbClr val="800000"/>
-                </a:solidFill>
-                <a:highlight>
-                  <a:srgbClr val="FFFFFF"/>
-                </a:highlight>
-              </a:rPr>
-              <a:t>source</a:t>
-            </a:r>
-            <a:r>
-              <a:rPr lang="en-US" sz="1200" i="0" dirty="0" smtClean="0">
-                <a:solidFill>
-                  <a:srgbClr val="000000"/>
-                </a:solidFill>
-                <a:highlight>
-                  <a:srgbClr val="FFFFFF"/>
-                </a:highlight>
-              </a:rPr>
-              <a:t> = </a:t>
-            </a:r>
-            <a:r>
-              <a:rPr lang="en-US" sz="1200" i="0" dirty="0" smtClean="0">
-                <a:solidFill>
-                  <a:srgbClr val="808080"/>
-                </a:solidFill>
-                <a:highlight>
-                  <a:srgbClr val="FFFFFF"/>
-                </a:highlight>
-              </a:rPr>
-              <a:t>"</a:t>
-            </a:r>
-            <a:r>
-              <a:rPr lang="en-US" sz="1200" i="0" u="sng" dirty="0" smtClean="0">
-                <a:solidFill>
-                  <a:srgbClr val="808080"/>
-                </a:solidFill>
-                <a:highlight>
-                  <a:srgbClr val="FFFFFF"/>
-                </a:highlight>
-              </a:rPr>
-              <a:t>image://</a:t>
-            </a:r>
-            <a:r>
-              <a:rPr lang="en-US" sz="1200" i="0" u="sng" dirty="0" err="1" smtClean="0">
-                <a:solidFill>
-                  <a:srgbClr val="808080"/>
-                </a:solidFill>
-                <a:highlight>
-                  <a:srgbClr val="FFFFFF"/>
-                </a:highlight>
-              </a:rPr>
-              <a:t>xkcd</a:t>
-            </a:r>
-            <a:r>
-              <a:rPr lang="en-US" sz="1200" i="0" u="sng" dirty="0" smtClean="0">
-                <a:solidFill>
-                  <a:srgbClr val="808080"/>
-                </a:solidFill>
-                <a:highlight>
-                  <a:srgbClr val="FFFFFF"/>
-                </a:highlight>
-              </a:rPr>
-              <a:t>/</a:t>
-            </a:r>
-            <a:r>
-              <a:rPr lang="en-US" sz="1200" i="0" u="none" dirty="0" smtClean="0">
-                <a:solidFill>
-                  <a:srgbClr val="808080"/>
-                </a:solidFill>
-                <a:highlight>
-                  <a:srgbClr val="FFFFFF"/>
-                </a:highlight>
-              </a:rPr>
-              <a:t>"</a:t>
-            </a:r>
-            <a:r>
-              <a:rPr lang="en-US" sz="1200" i="0" u="none" dirty="0" smtClean="0">
-                <a:solidFill>
-                  <a:srgbClr val="000000"/>
-                </a:solidFill>
-                <a:highlight>
-                  <a:srgbClr val="FFFFFF"/>
-                </a:highlight>
-              </a:rPr>
-              <a:t> + </a:t>
-            </a:r>
-            <a:r>
-              <a:rPr lang="en-US" sz="1200" i="0" u="none" dirty="0" err="1" smtClean="0">
-                <a:solidFill>
-                  <a:srgbClr val="800000"/>
-                </a:solidFill>
-                <a:highlight>
-                  <a:srgbClr val="FFFFFF"/>
-                </a:highlight>
-              </a:rPr>
-              <a:t>xkcdID</a:t>
-            </a:r>
-            <a:endParaRPr lang="en-US" sz="1200" i="0" u="none" dirty="0" smtClean="0">
-              <a:solidFill>
-                <a:srgbClr val="000000"/>
-              </a:solidFill>
-              <a:highlight>
-                <a:srgbClr val="FFFFFF"/>
-              </a:highlight>
-            </a:endParaRPr>
-          </a:p>
-          <a:p>
-            <a:r>
-              <a:rPr lang="en-US" sz="1200" i="0" u="none" dirty="0" smtClean="0">
-                <a:solidFill>
-                  <a:srgbClr val="000000"/>
-                </a:solidFill>
-                <a:highlight>
-                  <a:srgbClr val="FFFFFF"/>
-                </a:highlight>
-              </a:rPr>
-              <a:t>        }</a:t>
-            </a:r>
-          </a:p>
-          <a:p>
-            <a:r>
-              <a:rPr lang="en-US" sz="1200" i="0" u="none" dirty="0" smtClean="0">
-                <a:solidFill>
-                  <a:srgbClr val="000000"/>
-                </a:solidFill>
-                <a:highlight>
-                  <a:srgbClr val="FFFFFF"/>
-                </a:highlight>
-              </a:rPr>
-              <a:t>    }</a:t>
-            </a:r>
-          </a:p>
-          <a:p>
-            <a:endParaRPr lang="en-US" sz="1200" i="0" u="none" dirty="0" smtClean="0">
-              <a:solidFill>
-                <a:srgbClr val="000000"/>
-              </a:solidFill>
-              <a:highlight>
-                <a:srgbClr val="FFFFFF"/>
-              </a:highlight>
-            </a:endParaRPr>
-          </a:p>
-          <a:p>
-            <a:r>
-              <a:rPr lang="en-US" sz="1200" i="0" u="none" dirty="0" smtClean="0">
+              <a:rPr lang="en-US" sz="1200" dirty="0" smtClean="0">
                 <a:solidFill>
                   <a:srgbClr val="000000"/>
                 </a:solidFill>
@@ -6530,7 +4302,7 @@
           <a:p>
             <a:fld id="{A5831B84-C3EB-524A-9C75-3ABC5C5F853A}" type="slidenum">
               <a:rPr lang="de-DE" smtClean="0"/>
-              <a:t>13</a:t>
+              <a:t>12</a:t>
             </a:fld>
             <a:endParaRPr lang="de-DE"/>
           </a:p>
@@ -6539,7 +4311,7 @@
     </p:spTree>
     <p:extLst>
       <p:ext uri="{BB962C8B-B14F-4D97-AF65-F5344CB8AC3E}">
-        <p14:creationId xmlns:p14="http://schemas.microsoft.com/office/powerpoint/2010/main" val="3354268064"/>
+        <p14:creationId xmlns:p14="http://schemas.microsoft.com/office/powerpoint/2010/main" val="2466932588"/>
       </p:ext>
     </p:extLst>
   </p:cSld>
@@ -6595,641 +4367,2229 @@
           <a:p>
             <a:r>
               <a:rPr lang="en-US" dirty="0" smtClean="0"/>
-              <a:t>Example 7</a:t>
-            </a:r>
-          </a:p>
-          <a:p>
-            <a:endParaRPr lang="en-US" dirty="0" smtClean="0"/>
+              <a:t>Example 6</a:t>
+            </a:r>
           </a:p>
           <a:p>
             <a:r>
               <a:rPr lang="en-US" dirty="0" smtClean="0"/>
-              <a:t>QML</a:t>
+              <a:t>Remove connections</a:t>
+            </a:r>
+          </a:p>
+          <a:p>
+            <a:r>
+              <a:rPr lang="en-US" dirty="0" smtClean="0"/>
+              <a:t>Register</a:t>
             </a:r>
             <a:r>
               <a:rPr lang="en-US" baseline="0" dirty="0" smtClean="0"/>
-              <a:t> diffs:</a:t>
-            </a:r>
-          </a:p>
-          <a:p>
-            <a:r>
-              <a:rPr lang="en-US" sz="1200" kern="1200" dirty="0" smtClean="0">
-                <a:solidFill>
-                  <a:schemeClr val="tx1"/>
-                </a:solidFill>
-                <a:latin typeface="+mn-lt"/>
-                <a:ea typeface="+mn-ea"/>
-                <a:cs typeface="+mn-cs"/>
-              </a:rPr>
-              <a:t>&lt;         text: "Loading ..."</a:t>
-            </a:r>
-          </a:p>
-          <a:p>
-            <a:r>
-              <a:rPr lang="en-US" sz="1200" kern="1200" dirty="0" smtClean="0">
-                <a:solidFill>
-                  <a:schemeClr val="tx1"/>
-                </a:solidFill>
-                <a:latin typeface="+mn-lt"/>
-                <a:ea typeface="+mn-ea"/>
-                <a:cs typeface="+mn-cs"/>
-              </a:rPr>
-              <a:t>---</a:t>
-            </a:r>
-          </a:p>
-          <a:p>
-            <a:r>
-              <a:rPr lang="en-US" sz="1200" kern="1200" dirty="0" smtClean="0">
-                <a:solidFill>
-                  <a:schemeClr val="tx1"/>
-                </a:solidFill>
-                <a:latin typeface="+mn-lt"/>
-                <a:ea typeface="+mn-ea"/>
-                <a:cs typeface="+mn-cs"/>
-              </a:rPr>
-              <a:t>&gt;         text: </a:t>
-            </a:r>
-            <a:r>
-              <a:rPr lang="en-US" sz="1200" kern="1200" dirty="0" err="1" smtClean="0">
-                <a:solidFill>
-                  <a:schemeClr val="tx1"/>
-                </a:solidFill>
-                <a:latin typeface="+mn-lt"/>
-                <a:ea typeface="+mn-ea"/>
-                <a:cs typeface="+mn-cs"/>
-              </a:rPr>
-              <a:t>downloader.finished?downloader.title:"Loading</a:t>
-            </a:r>
-            <a:r>
-              <a:rPr lang="en-US" sz="1200" kern="1200" dirty="0" smtClean="0">
-                <a:solidFill>
-                  <a:schemeClr val="tx1"/>
-                </a:solidFill>
-                <a:latin typeface="+mn-lt"/>
-                <a:ea typeface="+mn-ea"/>
-                <a:cs typeface="+mn-cs"/>
-              </a:rPr>
-              <a:t> ..."</a:t>
-            </a:r>
-          </a:p>
-          <a:p>
-            <a:r>
-              <a:rPr lang="en-US" sz="1200" kern="1200" dirty="0" smtClean="0">
-                <a:solidFill>
-                  <a:schemeClr val="tx1"/>
-                </a:solidFill>
-                <a:latin typeface="+mn-lt"/>
-                <a:ea typeface="+mn-ea"/>
-                <a:cs typeface="+mn-cs"/>
-              </a:rPr>
-              <a:t>20c20</a:t>
-            </a:r>
-          </a:p>
-          <a:p>
-            <a:r>
-              <a:rPr lang="en-US" sz="1200" kern="1200" dirty="0" smtClean="0">
-                <a:solidFill>
-                  <a:schemeClr val="tx1"/>
-                </a:solidFill>
-                <a:latin typeface="+mn-lt"/>
-                <a:ea typeface="+mn-ea"/>
-                <a:cs typeface="+mn-cs"/>
-              </a:rPr>
-              <a:t>&lt;         source: ""</a:t>
-            </a:r>
-          </a:p>
-          <a:p>
-            <a:r>
-              <a:rPr lang="en-US" sz="1200" kern="1200" dirty="0" smtClean="0">
-                <a:solidFill>
-                  <a:schemeClr val="tx1"/>
-                </a:solidFill>
-                <a:latin typeface="+mn-lt"/>
-                <a:ea typeface="+mn-ea"/>
-                <a:cs typeface="+mn-cs"/>
-              </a:rPr>
-              <a:t>---</a:t>
-            </a:r>
-          </a:p>
-          <a:p>
-            <a:r>
-              <a:rPr lang="en-US" sz="1200" kern="1200" dirty="0" smtClean="0">
-                <a:solidFill>
-                  <a:schemeClr val="tx1"/>
-                </a:solidFill>
-                <a:latin typeface="+mn-lt"/>
-                <a:ea typeface="+mn-ea"/>
-                <a:cs typeface="+mn-cs"/>
-              </a:rPr>
-              <a:t>&gt;         source: </a:t>
-            </a:r>
-            <a:r>
-              <a:rPr lang="en-US" sz="1200" kern="1200" dirty="0" err="1" smtClean="0">
-                <a:solidFill>
-                  <a:schemeClr val="tx1"/>
-                </a:solidFill>
-                <a:latin typeface="+mn-lt"/>
-                <a:ea typeface="+mn-ea"/>
-                <a:cs typeface="+mn-cs"/>
-              </a:rPr>
-              <a:t>downloader.finished?"image</a:t>
-            </a:r>
-            <a:r>
-              <a:rPr lang="en-US" sz="1200" kern="1200" dirty="0" smtClean="0">
-                <a:solidFill>
-                  <a:schemeClr val="tx1"/>
-                </a:solidFill>
-                <a:latin typeface="+mn-lt"/>
-                <a:ea typeface="+mn-ea"/>
-                <a:cs typeface="+mn-cs"/>
-              </a:rPr>
-              <a:t>://</a:t>
-            </a:r>
-            <a:r>
-              <a:rPr lang="en-US" sz="1200" kern="1200" dirty="0" err="1" smtClean="0">
-                <a:solidFill>
-                  <a:schemeClr val="tx1"/>
-                </a:solidFill>
-                <a:latin typeface="+mn-lt"/>
-                <a:ea typeface="+mn-ea"/>
-                <a:cs typeface="+mn-cs"/>
+              <a:t> downloader</a:t>
+            </a:r>
+          </a:p>
+          <a:p>
+            <a:endParaRPr lang="en-US" baseline="0" dirty="0" smtClean="0"/>
+          </a:p>
+          <a:p>
+            <a:r>
+              <a:rPr lang="en-US" sz="1200" dirty="0" smtClean="0">
+                <a:solidFill>
+                  <a:srgbClr val="808040"/>
+                </a:solidFill>
+                <a:highlight>
+                  <a:srgbClr val="FFFFFF"/>
+                </a:highlight>
+              </a:rPr>
+              <a:t>import</a:t>
+            </a:r>
+            <a:r>
+              <a:rPr lang="en-US" sz="1200" dirty="0" smtClean="0">
+                <a:solidFill>
+                  <a:srgbClr val="000000"/>
+                </a:solidFill>
+                <a:highlight>
+                  <a:srgbClr val="FFFFFF"/>
+                </a:highlight>
+              </a:rPr>
+              <a:t> </a:t>
+            </a:r>
+            <a:r>
+              <a:rPr lang="en-US" sz="1200" dirty="0" err="1" smtClean="0">
+                <a:solidFill>
+                  <a:srgbClr val="808080"/>
+                </a:solidFill>
+                <a:highlight>
+                  <a:srgbClr val="FFFFFF"/>
+                </a:highlight>
+              </a:rPr>
+              <a:t>QtQuick</a:t>
+            </a:r>
+            <a:r>
+              <a:rPr lang="en-US" sz="1200" dirty="0" smtClean="0">
+                <a:solidFill>
+                  <a:srgbClr val="000000"/>
+                </a:solidFill>
+                <a:highlight>
+                  <a:srgbClr val="FFFFFF"/>
+                </a:highlight>
+              </a:rPr>
+              <a:t> </a:t>
+            </a:r>
+            <a:r>
+              <a:rPr lang="en-US" sz="1200" dirty="0" smtClean="0">
+                <a:solidFill>
+                  <a:srgbClr val="FF8000"/>
+                </a:solidFill>
+                <a:highlight>
+                  <a:srgbClr val="FFFFFF"/>
+                </a:highlight>
+              </a:rPr>
+              <a:t>2</a:t>
+            </a:r>
+            <a:r>
+              <a:rPr lang="en-US" sz="1200" dirty="0" smtClean="0">
+                <a:solidFill>
+                  <a:srgbClr val="000000"/>
+                </a:solidFill>
+                <a:highlight>
+                  <a:srgbClr val="FFFFFF"/>
+                </a:highlight>
+              </a:rPr>
+              <a:t>.</a:t>
+            </a:r>
+            <a:r>
+              <a:rPr lang="en-US" sz="1200" dirty="0" smtClean="0">
+                <a:solidFill>
+                  <a:srgbClr val="FF8000"/>
+                </a:solidFill>
+                <a:highlight>
+                  <a:srgbClr val="FFFFFF"/>
+                </a:highlight>
+              </a:rPr>
+              <a:t>5</a:t>
+            </a:r>
+            <a:endParaRPr lang="en-US" sz="1200" dirty="0" smtClean="0">
+              <a:solidFill>
+                <a:srgbClr val="000000"/>
+              </a:solidFill>
+              <a:highlight>
+                <a:srgbClr val="FFFFFF"/>
+              </a:highlight>
+            </a:endParaRPr>
+          </a:p>
+          <a:p>
+            <a:r>
+              <a:rPr lang="en-US" sz="1200" dirty="0" smtClean="0">
+                <a:solidFill>
+                  <a:srgbClr val="808040"/>
+                </a:solidFill>
+                <a:highlight>
+                  <a:srgbClr val="FFFFFF"/>
+                </a:highlight>
+              </a:rPr>
+              <a:t>import</a:t>
+            </a:r>
+            <a:r>
+              <a:rPr lang="en-US" sz="1200" dirty="0" smtClean="0">
+                <a:solidFill>
+                  <a:srgbClr val="000000"/>
+                </a:solidFill>
+                <a:highlight>
+                  <a:srgbClr val="FFFFFF"/>
+                </a:highlight>
+              </a:rPr>
+              <a:t> </a:t>
+            </a:r>
+            <a:r>
+              <a:rPr lang="en-US" sz="1200" dirty="0" err="1" smtClean="0">
+                <a:solidFill>
+                  <a:srgbClr val="808080"/>
+                </a:solidFill>
+                <a:highlight>
+                  <a:srgbClr val="FFFFFF"/>
+                </a:highlight>
+              </a:rPr>
+              <a:t>QtQuick</a:t>
+            </a:r>
+            <a:r>
+              <a:rPr lang="en-US" sz="1200" dirty="0" err="1" smtClean="0">
+                <a:solidFill>
+                  <a:srgbClr val="000000"/>
+                </a:solidFill>
+                <a:highlight>
+                  <a:srgbClr val="FFFFFF"/>
+                </a:highlight>
+              </a:rPr>
+              <a:t>.</a:t>
+            </a:r>
+            <a:r>
+              <a:rPr lang="en-US" sz="1200" dirty="0" err="1" smtClean="0">
+                <a:solidFill>
+                  <a:srgbClr val="800080"/>
+                </a:solidFill>
+                <a:highlight>
+                  <a:srgbClr val="FFFFFF"/>
+                </a:highlight>
+              </a:rPr>
+              <a:t>Window</a:t>
+            </a:r>
+            <a:r>
+              <a:rPr lang="en-US" sz="1200" dirty="0" smtClean="0">
+                <a:solidFill>
+                  <a:srgbClr val="000000"/>
+                </a:solidFill>
+                <a:highlight>
+                  <a:srgbClr val="FFFFFF"/>
+                </a:highlight>
+              </a:rPr>
+              <a:t> </a:t>
+            </a:r>
+            <a:r>
+              <a:rPr lang="en-US" sz="1200" dirty="0" smtClean="0">
+                <a:solidFill>
+                  <a:srgbClr val="FF8000"/>
+                </a:solidFill>
+                <a:highlight>
+                  <a:srgbClr val="FFFFFF"/>
+                </a:highlight>
+              </a:rPr>
+              <a:t>2</a:t>
+            </a:r>
+            <a:r>
+              <a:rPr lang="en-US" sz="1200" dirty="0" smtClean="0">
+                <a:solidFill>
+                  <a:srgbClr val="000000"/>
+                </a:solidFill>
+                <a:highlight>
+                  <a:srgbClr val="FFFFFF"/>
+                </a:highlight>
+              </a:rPr>
+              <a:t>.</a:t>
+            </a:r>
+            <a:r>
+              <a:rPr lang="en-US" sz="1200" dirty="0" smtClean="0">
+                <a:solidFill>
+                  <a:srgbClr val="FF8000"/>
+                </a:solidFill>
+                <a:highlight>
+                  <a:srgbClr val="FFFFFF"/>
+                </a:highlight>
+              </a:rPr>
+              <a:t>2</a:t>
+            </a:r>
+            <a:endParaRPr lang="en-US" sz="1200" dirty="0" smtClean="0">
+              <a:solidFill>
+                <a:srgbClr val="000000"/>
+              </a:solidFill>
+              <a:highlight>
+                <a:srgbClr val="FFFFFF"/>
+              </a:highlight>
+            </a:endParaRPr>
+          </a:p>
+          <a:p>
+            <a:r>
+              <a:rPr lang="en-US" sz="1200" dirty="0" smtClean="0">
+                <a:solidFill>
+                  <a:srgbClr val="808040"/>
+                </a:solidFill>
+                <a:highlight>
+                  <a:srgbClr val="FFFFFF"/>
+                </a:highlight>
+              </a:rPr>
+              <a:t>import</a:t>
+            </a:r>
+            <a:r>
+              <a:rPr lang="en-US" sz="1200" dirty="0" smtClean="0">
+                <a:solidFill>
+                  <a:srgbClr val="000000"/>
+                </a:solidFill>
+                <a:highlight>
+                  <a:srgbClr val="FFFFFF"/>
+                </a:highlight>
+              </a:rPr>
+              <a:t> </a:t>
+            </a:r>
+            <a:r>
+              <a:rPr lang="en-US" sz="1200" dirty="0" err="1" smtClean="0">
+                <a:solidFill>
+                  <a:srgbClr val="808080"/>
+                </a:solidFill>
+                <a:highlight>
+                  <a:srgbClr val="FFFFFF"/>
+                </a:highlight>
+              </a:rPr>
+              <a:t>QtQuick</a:t>
+            </a:r>
+            <a:r>
+              <a:rPr lang="en-US" sz="1200" dirty="0" err="1" smtClean="0">
+                <a:solidFill>
+                  <a:srgbClr val="000000"/>
+                </a:solidFill>
+                <a:highlight>
+                  <a:srgbClr val="FFFFFF"/>
+                </a:highlight>
+              </a:rPr>
+              <a:t>.</a:t>
+            </a:r>
+            <a:r>
+              <a:rPr lang="en-US" sz="1200" dirty="0" err="1" smtClean="0">
+                <a:solidFill>
+                  <a:srgbClr val="800000"/>
+                </a:solidFill>
+                <a:highlight>
+                  <a:srgbClr val="FFFFFF"/>
+                </a:highlight>
+              </a:rPr>
+              <a:t>Layouts</a:t>
+            </a:r>
+            <a:r>
+              <a:rPr lang="en-US" sz="1200" dirty="0" smtClean="0">
+                <a:solidFill>
+                  <a:srgbClr val="000000"/>
+                </a:solidFill>
+                <a:highlight>
+                  <a:srgbClr val="FFFFFF"/>
+                </a:highlight>
+              </a:rPr>
+              <a:t> </a:t>
+            </a:r>
+            <a:r>
+              <a:rPr lang="en-US" sz="1200" dirty="0" smtClean="0">
+                <a:solidFill>
+                  <a:srgbClr val="FF8000"/>
+                </a:solidFill>
+                <a:highlight>
+                  <a:srgbClr val="FFFFFF"/>
+                </a:highlight>
+              </a:rPr>
+              <a:t>1</a:t>
+            </a:r>
+            <a:r>
+              <a:rPr lang="en-US" sz="1200" dirty="0" smtClean="0">
+                <a:solidFill>
+                  <a:srgbClr val="000000"/>
+                </a:solidFill>
+                <a:highlight>
+                  <a:srgbClr val="FFFFFF"/>
+                </a:highlight>
+              </a:rPr>
+              <a:t>.</a:t>
+            </a:r>
+            <a:r>
+              <a:rPr lang="en-US" sz="1200" dirty="0" smtClean="0">
+                <a:solidFill>
+                  <a:srgbClr val="FF8000"/>
+                </a:solidFill>
+                <a:highlight>
+                  <a:srgbClr val="FFFFFF"/>
+                </a:highlight>
+              </a:rPr>
+              <a:t>1</a:t>
+            </a:r>
+            <a:endParaRPr lang="en-US" sz="1200" dirty="0" smtClean="0">
+              <a:solidFill>
+                <a:srgbClr val="000000"/>
+              </a:solidFill>
+              <a:highlight>
+                <a:srgbClr val="FFFFFF"/>
+              </a:highlight>
+            </a:endParaRPr>
+          </a:p>
+          <a:p>
+            <a:r>
+              <a:rPr lang="en-US" sz="1200" dirty="0" smtClean="0">
+                <a:solidFill>
+                  <a:srgbClr val="808040"/>
+                </a:solidFill>
+                <a:highlight>
+                  <a:srgbClr val="FFFFFF"/>
+                </a:highlight>
+              </a:rPr>
+              <a:t>import</a:t>
+            </a:r>
+            <a:r>
+              <a:rPr lang="en-US" sz="1200" dirty="0" smtClean="0">
+                <a:solidFill>
+                  <a:srgbClr val="000000"/>
+                </a:solidFill>
+                <a:highlight>
+                  <a:srgbClr val="FFFFFF"/>
+                </a:highlight>
+              </a:rPr>
+              <a:t> </a:t>
+            </a:r>
+            <a:r>
+              <a:rPr lang="en-US" sz="1200" dirty="0" err="1" smtClean="0">
+                <a:solidFill>
+                  <a:srgbClr val="808080"/>
+                </a:solidFill>
+                <a:highlight>
+                  <a:srgbClr val="FFFFFF"/>
+                </a:highlight>
+              </a:rPr>
+              <a:t>QtQuick</a:t>
+            </a:r>
+            <a:r>
+              <a:rPr lang="en-US" sz="1200" dirty="0" err="1" smtClean="0">
+                <a:solidFill>
+                  <a:srgbClr val="000000"/>
+                </a:solidFill>
+                <a:highlight>
+                  <a:srgbClr val="FFFFFF"/>
+                </a:highlight>
+              </a:rPr>
+              <a:t>.</a:t>
+            </a:r>
+            <a:r>
+              <a:rPr lang="en-US" sz="1200" dirty="0" err="1" smtClean="0">
+                <a:solidFill>
+                  <a:srgbClr val="800000"/>
+                </a:solidFill>
+                <a:highlight>
+                  <a:srgbClr val="FFFFFF"/>
+                </a:highlight>
+              </a:rPr>
+              <a:t>Controls</a:t>
+            </a:r>
+            <a:r>
+              <a:rPr lang="en-US" sz="1200" dirty="0" smtClean="0">
+                <a:solidFill>
+                  <a:srgbClr val="000000"/>
+                </a:solidFill>
+                <a:highlight>
+                  <a:srgbClr val="FFFFFF"/>
+                </a:highlight>
+              </a:rPr>
+              <a:t> </a:t>
+            </a:r>
+            <a:r>
+              <a:rPr lang="en-US" sz="1200" dirty="0" smtClean="0">
+                <a:solidFill>
+                  <a:srgbClr val="FF8000"/>
+                </a:solidFill>
+                <a:highlight>
+                  <a:srgbClr val="FFFFFF"/>
+                </a:highlight>
+              </a:rPr>
+              <a:t>1</a:t>
+            </a:r>
+            <a:r>
+              <a:rPr lang="en-US" sz="1200" dirty="0" smtClean="0">
+                <a:solidFill>
+                  <a:srgbClr val="000000"/>
+                </a:solidFill>
+                <a:highlight>
+                  <a:srgbClr val="FFFFFF"/>
+                </a:highlight>
+              </a:rPr>
+              <a:t>.</a:t>
+            </a:r>
+            <a:r>
+              <a:rPr lang="en-US" sz="1200" dirty="0" smtClean="0">
+                <a:solidFill>
+                  <a:srgbClr val="FF8000"/>
+                </a:solidFill>
+                <a:highlight>
+                  <a:srgbClr val="FFFFFF"/>
+                </a:highlight>
+              </a:rPr>
+              <a:t>4</a:t>
+            </a:r>
+            <a:endParaRPr lang="en-US" sz="1200" dirty="0" smtClean="0">
+              <a:solidFill>
+                <a:srgbClr val="000000"/>
+              </a:solidFill>
+              <a:highlight>
+                <a:srgbClr val="FFFFFF"/>
+              </a:highlight>
+            </a:endParaRPr>
+          </a:p>
+          <a:p>
+            <a:endParaRPr lang="en-US" sz="1200" dirty="0" smtClean="0">
+              <a:solidFill>
+                <a:srgbClr val="000000"/>
+              </a:solidFill>
+              <a:highlight>
+                <a:srgbClr val="FFFFFF"/>
+              </a:highlight>
+            </a:endParaRPr>
+          </a:p>
+          <a:p>
+            <a:r>
+              <a:rPr lang="en-US" sz="1200" dirty="0" smtClean="0">
+                <a:solidFill>
+                  <a:srgbClr val="800080"/>
+                </a:solidFill>
+                <a:highlight>
+                  <a:srgbClr val="FFFFFF"/>
+                </a:highlight>
+              </a:rPr>
+              <a:t>Window</a:t>
+            </a:r>
+            <a:r>
+              <a:rPr lang="en-US" sz="1200" dirty="0" smtClean="0">
+                <a:solidFill>
+                  <a:srgbClr val="000000"/>
+                </a:solidFill>
+                <a:highlight>
+                  <a:srgbClr val="FFFFFF"/>
+                </a:highlight>
+              </a:rPr>
+              <a:t> {</a:t>
+            </a:r>
+          </a:p>
+          <a:p>
+            <a:r>
+              <a:rPr lang="en-US" sz="1200" dirty="0" smtClean="0">
+                <a:solidFill>
+                  <a:srgbClr val="000000"/>
+                </a:solidFill>
+                <a:highlight>
+                  <a:srgbClr val="FFFFFF"/>
+                </a:highlight>
+              </a:rPr>
+              <a:t>    </a:t>
+            </a:r>
+            <a:r>
+              <a:rPr lang="en-US" sz="1200" dirty="0" smtClean="0">
+                <a:solidFill>
+                  <a:srgbClr val="800000"/>
+                </a:solidFill>
+                <a:highlight>
+                  <a:srgbClr val="FFFFFF"/>
+                </a:highlight>
+              </a:rPr>
+              <a:t>visible</a:t>
+            </a:r>
+            <a:r>
+              <a:rPr lang="en-US" sz="1200" dirty="0" smtClean="0">
+                <a:solidFill>
+                  <a:srgbClr val="000000"/>
+                </a:solidFill>
+                <a:highlight>
+                  <a:srgbClr val="FFFFFF"/>
+                </a:highlight>
+              </a:rPr>
+              <a:t>: </a:t>
+            </a:r>
+            <a:r>
+              <a:rPr lang="en-US" sz="1200" dirty="0" smtClean="0">
+                <a:solidFill>
+                  <a:srgbClr val="808040"/>
+                </a:solidFill>
+                <a:highlight>
+                  <a:srgbClr val="FFFFFF"/>
+                </a:highlight>
+              </a:rPr>
+              <a:t>true</a:t>
+            </a:r>
+            <a:endParaRPr lang="en-US" sz="1200" dirty="0" smtClean="0">
+              <a:solidFill>
+                <a:srgbClr val="000000"/>
+              </a:solidFill>
+              <a:highlight>
+                <a:srgbClr val="FFFFFF"/>
+              </a:highlight>
+            </a:endParaRPr>
+          </a:p>
+          <a:p>
+            <a:r>
+              <a:rPr lang="en-US" sz="1200" dirty="0" smtClean="0">
+                <a:solidFill>
+                  <a:srgbClr val="000000"/>
+                </a:solidFill>
+                <a:highlight>
+                  <a:srgbClr val="FFFFFF"/>
+                </a:highlight>
+              </a:rPr>
+              <a:t>    </a:t>
+            </a:r>
+            <a:r>
+              <a:rPr lang="en-US" sz="1200" dirty="0" smtClean="0">
+                <a:solidFill>
+                  <a:srgbClr val="800000"/>
+                </a:solidFill>
+                <a:highlight>
+                  <a:srgbClr val="FFFFFF"/>
+                </a:highlight>
+              </a:rPr>
+              <a:t>height</a:t>
+            </a:r>
+            <a:r>
+              <a:rPr lang="en-US" sz="1200" dirty="0" smtClean="0">
+                <a:solidFill>
+                  <a:srgbClr val="000000"/>
+                </a:solidFill>
+                <a:highlight>
+                  <a:srgbClr val="FFFFFF"/>
+                </a:highlight>
+              </a:rPr>
+              <a:t>: </a:t>
+            </a:r>
+            <a:r>
+              <a:rPr lang="en-US" sz="1200" dirty="0" smtClean="0">
+                <a:solidFill>
+                  <a:srgbClr val="FF8000"/>
+                </a:solidFill>
+                <a:highlight>
+                  <a:srgbClr val="FFFFFF"/>
+                </a:highlight>
+              </a:rPr>
+              <a:t>640</a:t>
+            </a:r>
+            <a:endParaRPr lang="en-US" sz="1200" dirty="0" smtClean="0">
+              <a:solidFill>
+                <a:srgbClr val="000000"/>
+              </a:solidFill>
+              <a:highlight>
+                <a:srgbClr val="FFFFFF"/>
+              </a:highlight>
+            </a:endParaRPr>
+          </a:p>
+          <a:p>
+            <a:r>
+              <a:rPr lang="en-US" sz="1200" dirty="0" smtClean="0">
+                <a:solidFill>
+                  <a:srgbClr val="000000"/>
+                </a:solidFill>
+                <a:highlight>
+                  <a:srgbClr val="FFFFFF"/>
+                </a:highlight>
+              </a:rPr>
+              <a:t>    </a:t>
+            </a:r>
+            <a:r>
+              <a:rPr lang="en-US" sz="1200" dirty="0" smtClean="0">
+                <a:solidFill>
+                  <a:srgbClr val="800000"/>
+                </a:solidFill>
+                <a:highlight>
+                  <a:srgbClr val="FFFFFF"/>
+                </a:highlight>
+              </a:rPr>
+              <a:t>width</a:t>
+            </a:r>
+            <a:r>
+              <a:rPr lang="en-US" sz="1200" dirty="0" smtClean="0">
+                <a:solidFill>
+                  <a:srgbClr val="000000"/>
+                </a:solidFill>
+                <a:highlight>
+                  <a:srgbClr val="FFFFFF"/>
+                </a:highlight>
+              </a:rPr>
+              <a:t>: </a:t>
+            </a:r>
+            <a:r>
+              <a:rPr lang="en-US" sz="1200" dirty="0" smtClean="0">
+                <a:solidFill>
+                  <a:srgbClr val="FF8000"/>
+                </a:solidFill>
+                <a:highlight>
+                  <a:srgbClr val="FFFFFF"/>
+                </a:highlight>
+              </a:rPr>
+              <a:t>480</a:t>
+            </a:r>
+            <a:endParaRPr lang="en-US" sz="1200" dirty="0" smtClean="0">
+              <a:solidFill>
+                <a:srgbClr val="000000"/>
+              </a:solidFill>
+              <a:highlight>
+                <a:srgbClr val="FFFFFF"/>
+              </a:highlight>
+            </a:endParaRPr>
+          </a:p>
+          <a:p>
+            <a:endParaRPr lang="en-US" sz="1200" dirty="0" smtClean="0">
+              <a:solidFill>
+                <a:srgbClr val="000000"/>
+              </a:solidFill>
+              <a:highlight>
+                <a:srgbClr val="FFFFFF"/>
+              </a:highlight>
+            </a:endParaRPr>
+          </a:p>
+          <a:p>
+            <a:r>
+              <a:rPr lang="en-US" sz="1200" dirty="0" smtClean="0">
+                <a:solidFill>
+                  <a:srgbClr val="000000"/>
+                </a:solidFill>
+                <a:highlight>
+                  <a:srgbClr val="FFFFFF"/>
+                </a:highlight>
+              </a:rPr>
+              <a:t>    </a:t>
+            </a:r>
+            <a:r>
+              <a:rPr lang="en-US" sz="1200" dirty="0" smtClean="0">
+                <a:solidFill>
+                  <a:srgbClr val="800080"/>
+                </a:solidFill>
+                <a:highlight>
+                  <a:srgbClr val="FFFFFF"/>
+                </a:highlight>
+              </a:rPr>
+              <a:t>Text</a:t>
+            </a:r>
+            <a:r>
+              <a:rPr lang="en-US" sz="1200" dirty="0" smtClean="0">
+                <a:solidFill>
+                  <a:srgbClr val="000000"/>
+                </a:solidFill>
+                <a:highlight>
+                  <a:srgbClr val="FFFFFF"/>
+                </a:highlight>
+              </a:rPr>
+              <a:t> {</a:t>
+            </a:r>
+          </a:p>
+          <a:p>
+            <a:r>
+              <a:rPr lang="en-US" sz="1200" dirty="0" smtClean="0">
+                <a:solidFill>
+                  <a:srgbClr val="000000"/>
+                </a:solidFill>
+                <a:highlight>
+                  <a:srgbClr val="FFFFFF"/>
+                </a:highlight>
+              </a:rPr>
+              <a:t>        </a:t>
+            </a:r>
+            <a:r>
+              <a:rPr lang="en-US" sz="1200" dirty="0" smtClean="0">
+                <a:solidFill>
+                  <a:srgbClr val="800000"/>
+                </a:solidFill>
+                <a:highlight>
+                  <a:srgbClr val="FFFFFF"/>
+                </a:highlight>
+              </a:rPr>
+              <a:t>id</a:t>
+            </a:r>
+            <a:r>
+              <a:rPr lang="en-US" sz="1200" dirty="0" smtClean="0">
+                <a:solidFill>
+                  <a:srgbClr val="000000"/>
+                </a:solidFill>
+                <a:highlight>
+                  <a:srgbClr val="FFFFFF"/>
+                </a:highlight>
+              </a:rPr>
+              <a:t>: </a:t>
+            </a:r>
+            <a:r>
+              <a:rPr lang="en-US" sz="1200" dirty="0" err="1" smtClean="0">
+                <a:solidFill>
+                  <a:srgbClr val="800000"/>
+                </a:solidFill>
+                <a:highlight>
+                  <a:srgbClr val="FFFFFF"/>
+                </a:highlight>
+              </a:rPr>
+              <a:t>titleText</a:t>
+            </a:r>
+            <a:endParaRPr lang="en-US" sz="1200" dirty="0" smtClean="0">
+              <a:solidFill>
+                <a:srgbClr val="000000"/>
+              </a:solidFill>
+              <a:highlight>
+                <a:srgbClr val="FFFFFF"/>
+              </a:highlight>
+            </a:endParaRPr>
+          </a:p>
+          <a:p>
+            <a:r>
+              <a:rPr lang="en-US" sz="1200" dirty="0" smtClean="0">
+                <a:solidFill>
+                  <a:srgbClr val="000000"/>
+                </a:solidFill>
+                <a:highlight>
+                  <a:srgbClr val="FFFFFF"/>
+                </a:highlight>
+              </a:rPr>
+              <a:t>        </a:t>
+            </a:r>
+            <a:r>
+              <a:rPr lang="en-US" sz="1200" dirty="0" smtClean="0">
+                <a:solidFill>
+                  <a:srgbClr val="800000"/>
+                </a:solidFill>
+                <a:highlight>
+                  <a:srgbClr val="FFFFFF"/>
+                </a:highlight>
+              </a:rPr>
+              <a:t>text</a:t>
+            </a:r>
+            <a:r>
+              <a:rPr lang="en-US" sz="1200" dirty="0" smtClean="0">
+                <a:solidFill>
+                  <a:srgbClr val="000000"/>
+                </a:solidFill>
+                <a:highlight>
+                  <a:srgbClr val="FFFFFF"/>
+                </a:highlight>
+              </a:rPr>
+              <a:t>: </a:t>
+            </a:r>
+            <a:r>
+              <a:rPr lang="en-US" sz="1200" i="0" dirty="0" smtClean="0">
+                <a:solidFill>
+                  <a:srgbClr val="808080"/>
+                </a:solidFill>
+                <a:highlight>
+                  <a:srgbClr val="FFFFFF"/>
+                </a:highlight>
+              </a:rPr>
+              <a:t>"Loading ..."</a:t>
+            </a:r>
+            <a:endParaRPr lang="en-US" sz="1200" i="0" dirty="0" smtClean="0">
+              <a:solidFill>
+                <a:srgbClr val="000000"/>
+              </a:solidFill>
+              <a:highlight>
+                <a:srgbClr val="FFFFFF"/>
+              </a:highlight>
+            </a:endParaRPr>
+          </a:p>
+          <a:p>
+            <a:r>
+              <a:rPr lang="en-US" sz="1200" i="0" dirty="0" smtClean="0">
+                <a:solidFill>
+                  <a:srgbClr val="000000"/>
+                </a:solidFill>
+                <a:highlight>
+                  <a:srgbClr val="FFFFFF"/>
+                </a:highlight>
+              </a:rPr>
+              <a:t>        </a:t>
+            </a:r>
+            <a:r>
+              <a:rPr lang="en-US" sz="1200" i="0" dirty="0" err="1" smtClean="0">
+                <a:solidFill>
+                  <a:srgbClr val="800000"/>
+                </a:solidFill>
+                <a:highlight>
+                  <a:srgbClr val="FFFFFF"/>
+                </a:highlight>
+              </a:rPr>
+              <a:t>anchors</a:t>
+            </a:r>
+            <a:r>
+              <a:rPr lang="en-US" sz="1200" i="0" dirty="0" err="1" smtClean="0">
+                <a:solidFill>
+                  <a:srgbClr val="000000"/>
+                </a:solidFill>
+                <a:highlight>
+                  <a:srgbClr val="FFFFFF"/>
+                </a:highlight>
+              </a:rPr>
+              <a:t>.</a:t>
+            </a:r>
+            <a:r>
+              <a:rPr lang="en-US" sz="1200" i="0" dirty="0" err="1" smtClean="0">
+                <a:solidFill>
+                  <a:srgbClr val="800000"/>
+                </a:solidFill>
+                <a:highlight>
+                  <a:srgbClr val="FFFFFF"/>
+                </a:highlight>
+              </a:rPr>
+              <a:t>horizontalCenter</a:t>
+            </a:r>
+            <a:r>
+              <a:rPr lang="en-US" sz="1200" i="0" dirty="0" smtClean="0">
+                <a:solidFill>
+                  <a:srgbClr val="000000"/>
+                </a:solidFill>
+                <a:highlight>
+                  <a:srgbClr val="FFFFFF"/>
+                </a:highlight>
+              </a:rPr>
+              <a:t>: </a:t>
+            </a:r>
+            <a:r>
+              <a:rPr lang="en-US" sz="1200" i="0" dirty="0" err="1" smtClean="0">
+                <a:solidFill>
+                  <a:srgbClr val="800000"/>
+                </a:solidFill>
+                <a:highlight>
+                  <a:srgbClr val="FFFFFF"/>
+                </a:highlight>
+              </a:rPr>
+              <a:t>parent</a:t>
+            </a:r>
+            <a:r>
+              <a:rPr lang="en-US" sz="1200" i="0" dirty="0" err="1" smtClean="0">
+                <a:solidFill>
+                  <a:srgbClr val="000000"/>
+                </a:solidFill>
+                <a:highlight>
+                  <a:srgbClr val="FFFFFF"/>
+                </a:highlight>
+              </a:rPr>
+              <a:t>.</a:t>
+            </a:r>
+            <a:r>
+              <a:rPr lang="en-US" sz="1200" i="0" dirty="0" err="1" smtClean="0">
+                <a:solidFill>
+                  <a:srgbClr val="800000"/>
+                </a:solidFill>
+                <a:highlight>
+                  <a:srgbClr val="FFFFFF"/>
+                </a:highlight>
+              </a:rPr>
+              <a:t>horizontalCenter</a:t>
+            </a:r>
+            <a:endParaRPr lang="en-US" sz="1200" i="0" dirty="0" smtClean="0">
+              <a:solidFill>
+                <a:srgbClr val="000000"/>
+              </a:solidFill>
+              <a:highlight>
+                <a:srgbClr val="FFFFFF"/>
+              </a:highlight>
+            </a:endParaRPr>
+          </a:p>
+          <a:p>
+            <a:r>
+              <a:rPr lang="en-US" sz="1200" i="0" dirty="0" smtClean="0">
+                <a:solidFill>
+                  <a:srgbClr val="000000"/>
+                </a:solidFill>
+                <a:highlight>
+                  <a:srgbClr val="FFFFFF"/>
+                </a:highlight>
+              </a:rPr>
+              <a:t>        </a:t>
+            </a:r>
+            <a:r>
+              <a:rPr lang="en-US" sz="1200" i="0" dirty="0" err="1" smtClean="0">
+                <a:solidFill>
+                  <a:srgbClr val="800000"/>
+                </a:solidFill>
+                <a:highlight>
+                  <a:srgbClr val="FFFFFF"/>
+                </a:highlight>
+              </a:rPr>
+              <a:t>anchors</a:t>
+            </a:r>
+            <a:r>
+              <a:rPr lang="en-US" sz="1200" i="0" dirty="0" err="1" smtClean="0">
+                <a:solidFill>
+                  <a:srgbClr val="000000"/>
+                </a:solidFill>
+                <a:highlight>
+                  <a:srgbClr val="FFFFFF"/>
+                </a:highlight>
+              </a:rPr>
+              <a:t>.</a:t>
+            </a:r>
+            <a:r>
+              <a:rPr lang="en-US" sz="1200" i="0" dirty="0" err="1" smtClean="0">
+                <a:solidFill>
+                  <a:srgbClr val="800000"/>
+                </a:solidFill>
+                <a:highlight>
+                  <a:srgbClr val="FFFFFF"/>
+                </a:highlight>
+              </a:rPr>
+              <a:t>top</a:t>
+            </a:r>
+            <a:r>
+              <a:rPr lang="en-US" sz="1200" i="0" dirty="0" smtClean="0">
+                <a:solidFill>
+                  <a:srgbClr val="000000"/>
+                </a:solidFill>
+                <a:highlight>
+                  <a:srgbClr val="FFFFFF"/>
+                </a:highlight>
+              </a:rPr>
+              <a:t>: </a:t>
+            </a:r>
+            <a:r>
+              <a:rPr lang="en-US" sz="1200" i="0" dirty="0" err="1" smtClean="0">
+                <a:solidFill>
+                  <a:srgbClr val="800000"/>
+                </a:solidFill>
+                <a:highlight>
+                  <a:srgbClr val="FFFFFF"/>
+                </a:highlight>
+              </a:rPr>
+              <a:t>parent</a:t>
+            </a:r>
+            <a:r>
+              <a:rPr lang="en-US" sz="1200" i="0" dirty="0" err="1" smtClean="0">
+                <a:solidFill>
+                  <a:srgbClr val="000000"/>
+                </a:solidFill>
+                <a:highlight>
+                  <a:srgbClr val="FFFFFF"/>
+                </a:highlight>
+              </a:rPr>
+              <a:t>.</a:t>
+            </a:r>
+            <a:r>
+              <a:rPr lang="en-US" sz="1200" i="0" dirty="0" err="1" smtClean="0">
+                <a:solidFill>
+                  <a:srgbClr val="800000"/>
+                </a:solidFill>
+                <a:highlight>
+                  <a:srgbClr val="FFFFFF"/>
+                </a:highlight>
+              </a:rPr>
+              <a:t>top</a:t>
+            </a:r>
+            <a:endParaRPr lang="en-US" sz="1200" i="0" dirty="0" smtClean="0">
+              <a:solidFill>
+                <a:srgbClr val="000000"/>
+              </a:solidFill>
+              <a:highlight>
+                <a:srgbClr val="FFFFFF"/>
+              </a:highlight>
+            </a:endParaRPr>
+          </a:p>
+          <a:p>
+            <a:r>
+              <a:rPr lang="en-US" sz="1200" i="0" dirty="0" smtClean="0">
+                <a:solidFill>
+                  <a:srgbClr val="000000"/>
+                </a:solidFill>
+                <a:highlight>
+                  <a:srgbClr val="FFFFFF"/>
+                </a:highlight>
+              </a:rPr>
+              <a:t>    }</a:t>
+            </a:r>
+          </a:p>
+          <a:p>
+            <a:endParaRPr lang="en-US" sz="1200" i="0" dirty="0" smtClean="0">
+              <a:solidFill>
+                <a:srgbClr val="000000"/>
+              </a:solidFill>
+              <a:highlight>
+                <a:srgbClr val="FFFFFF"/>
+              </a:highlight>
+            </a:endParaRPr>
+          </a:p>
+          <a:p>
+            <a:r>
+              <a:rPr lang="en-US" sz="1200" i="0" dirty="0" smtClean="0">
+                <a:solidFill>
+                  <a:srgbClr val="000000"/>
+                </a:solidFill>
+                <a:highlight>
+                  <a:srgbClr val="FFFFFF"/>
+                </a:highlight>
+              </a:rPr>
+              <a:t>    </a:t>
+            </a:r>
+            <a:r>
+              <a:rPr lang="en-US" sz="1200" i="0" dirty="0" smtClean="0">
+                <a:solidFill>
+                  <a:srgbClr val="800080"/>
+                </a:solidFill>
+                <a:highlight>
+                  <a:srgbClr val="FFFFFF"/>
+                </a:highlight>
+              </a:rPr>
+              <a:t>Image</a:t>
+            </a:r>
+            <a:r>
+              <a:rPr lang="en-US" sz="1200" i="0" dirty="0" smtClean="0">
+                <a:solidFill>
+                  <a:srgbClr val="000000"/>
+                </a:solidFill>
+                <a:highlight>
+                  <a:srgbClr val="FFFFFF"/>
+                </a:highlight>
+              </a:rPr>
+              <a:t> {</a:t>
+            </a:r>
+          </a:p>
+          <a:p>
+            <a:r>
+              <a:rPr lang="en-US" sz="1200" i="0" dirty="0" smtClean="0">
+                <a:solidFill>
+                  <a:srgbClr val="000000"/>
+                </a:solidFill>
+                <a:highlight>
+                  <a:srgbClr val="FFFFFF"/>
+                </a:highlight>
+              </a:rPr>
+              <a:t>        </a:t>
+            </a:r>
+            <a:r>
+              <a:rPr lang="en-US" sz="1200" i="0" dirty="0" smtClean="0">
+                <a:solidFill>
+                  <a:srgbClr val="800000"/>
+                </a:solidFill>
+                <a:highlight>
+                  <a:srgbClr val="FFFFFF"/>
+                </a:highlight>
+              </a:rPr>
+              <a:t>id</a:t>
+            </a:r>
+            <a:r>
+              <a:rPr lang="en-US" sz="1200" i="0" dirty="0" smtClean="0">
+                <a:solidFill>
+                  <a:srgbClr val="000000"/>
+                </a:solidFill>
+                <a:highlight>
+                  <a:srgbClr val="FFFFFF"/>
+                </a:highlight>
+              </a:rPr>
+              <a:t>: </a:t>
+            </a:r>
+            <a:r>
+              <a:rPr lang="en-US" sz="1200" i="0" dirty="0" smtClean="0">
+                <a:solidFill>
+                  <a:srgbClr val="800000"/>
+                </a:solidFill>
+                <a:highlight>
+                  <a:srgbClr val="FFFFFF"/>
+                </a:highlight>
+              </a:rPr>
+              <a:t>image</a:t>
+            </a:r>
+            <a:endParaRPr lang="en-US" sz="1200" i="0" dirty="0" smtClean="0">
+              <a:solidFill>
+                <a:srgbClr val="000000"/>
+              </a:solidFill>
+              <a:highlight>
+                <a:srgbClr val="FFFFFF"/>
+              </a:highlight>
+            </a:endParaRPr>
+          </a:p>
+          <a:p>
+            <a:r>
+              <a:rPr lang="en-US" sz="1200" i="0" dirty="0" smtClean="0">
+                <a:solidFill>
+                  <a:srgbClr val="000000"/>
+                </a:solidFill>
+                <a:highlight>
+                  <a:srgbClr val="FFFFFF"/>
+                </a:highlight>
+              </a:rPr>
+              <a:t>        </a:t>
+            </a:r>
+            <a:r>
+              <a:rPr lang="en-US" sz="1200" i="0" dirty="0" smtClean="0">
+                <a:solidFill>
+                  <a:srgbClr val="800000"/>
+                </a:solidFill>
+                <a:highlight>
+                  <a:srgbClr val="FFFFFF"/>
+                </a:highlight>
+              </a:rPr>
+              <a:t>source</a:t>
+            </a:r>
+            <a:r>
+              <a:rPr lang="en-US" sz="1200" i="0" dirty="0" smtClean="0">
+                <a:solidFill>
+                  <a:srgbClr val="000000"/>
+                </a:solidFill>
+                <a:highlight>
+                  <a:srgbClr val="FFFFFF"/>
+                </a:highlight>
+              </a:rPr>
+              <a:t>: </a:t>
+            </a:r>
+            <a:r>
+              <a:rPr lang="en-US" sz="1200" i="0" dirty="0" smtClean="0">
+                <a:solidFill>
+                  <a:srgbClr val="808080"/>
+                </a:solidFill>
+                <a:highlight>
+                  <a:srgbClr val="FFFFFF"/>
+                </a:highlight>
+              </a:rPr>
+              <a:t>""</a:t>
+            </a:r>
+            <a:endParaRPr lang="en-US" sz="1200" i="0" dirty="0" smtClean="0">
+              <a:solidFill>
+                <a:srgbClr val="000000"/>
+              </a:solidFill>
+              <a:highlight>
+                <a:srgbClr val="FFFFFF"/>
+              </a:highlight>
+            </a:endParaRPr>
+          </a:p>
+          <a:p>
+            <a:r>
+              <a:rPr lang="en-US" sz="1200" i="0" dirty="0" smtClean="0">
+                <a:solidFill>
+                  <a:srgbClr val="000000"/>
+                </a:solidFill>
+                <a:highlight>
+                  <a:srgbClr val="FFFFFF"/>
+                </a:highlight>
+              </a:rPr>
+              <a:t>        </a:t>
+            </a:r>
+            <a:r>
+              <a:rPr lang="en-US" sz="1200" i="0" dirty="0" err="1" smtClean="0">
+                <a:solidFill>
+                  <a:srgbClr val="800000"/>
+                </a:solidFill>
+                <a:highlight>
+                  <a:srgbClr val="FFFFFF"/>
+                </a:highlight>
+              </a:rPr>
+              <a:t>anchors</a:t>
+            </a:r>
+            <a:r>
+              <a:rPr lang="en-US" sz="1200" i="0" dirty="0" err="1" smtClean="0">
+                <a:solidFill>
+                  <a:srgbClr val="000000"/>
+                </a:solidFill>
+                <a:highlight>
+                  <a:srgbClr val="FFFFFF"/>
+                </a:highlight>
+              </a:rPr>
+              <a:t>.</a:t>
+            </a:r>
+            <a:r>
+              <a:rPr lang="en-US" sz="1200" i="0" dirty="0" err="1" smtClean="0">
+                <a:solidFill>
+                  <a:srgbClr val="800000"/>
+                </a:solidFill>
+                <a:highlight>
+                  <a:srgbClr val="FFFFFF"/>
+                </a:highlight>
+              </a:rPr>
+              <a:t>centerIn</a:t>
+            </a:r>
+            <a:r>
+              <a:rPr lang="en-US" sz="1200" i="0" dirty="0" smtClean="0">
+                <a:solidFill>
+                  <a:srgbClr val="000000"/>
+                </a:solidFill>
+                <a:highlight>
+                  <a:srgbClr val="FFFFFF"/>
+                </a:highlight>
+              </a:rPr>
+              <a:t>: </a:t>
+            </a:r>
+            <a:r>
+              <a:rPr lang="en-US" sz="1200" i="0" dirty="0" smtClean="0">
+                <a:solidFill>
+                  <a:srgbClr val="800000"/>
+                </a:solidFill>
+                <a:highlight>
+                  <a:srgbClr val="FFFFFF"/>
+                </a:highlight>
+              </a:rPr>
+              <a:t>parent</a:t>
+            </a:r>
+            <a:endParaRPr lang="en-US" sz="1200" i="0" dirty="0" smtClean="0">
+              <a:solidFill>
+                <a:srgbClr val="000000"/>
+              </a:solidFill>
+              <a:highlight>
+                <a:srgbClr val="FFFFFF"/>
+              </a:highlight>
+            </a:endParaRPr>
+          </a:p>
+          <a:p>
+            <a:r>
+              <a:rPr lang="en-US" sz="1200" i="0" dirty="0" smtClean="0">
+                <a:solidFill>
+                  <a:srgbClr val="000000"/>
+                </a:solidFill>
+                <a:highlight>
+                  <a:srgbClr val="FFFFFF"/>
+                </a:highlight>
+              </a:rPr>
+              <a:t>    }</a:t>
+            </a:r>
+          </a:p>
+          <a:p>
+            <a:endParaRPr lang="en-US" sz="1200" i="0" dirty="0" smtClean="0">
+              <a:solidFill>
+                <a:srgbClr val="000000"/>
+              </a:solidFill>
+              <a:highlight>
+                <a:srgbClr val="FFFFFF"/>
+              </a:highlight>
+            </a:endParaRPr>
+          </a:p>
+          <a:p>
+            <a:r>
+              <a:rPr lang="en-US" sz="1200" i="0" dirty="0" smtClean="0">
+                <a:solidFill>
+                  <a:srgbClr val="000000"/>
+                </a:solidFill>
+                <a:highlight>
+                  <a:srgbClr val="FFFFFF"/>
+                </a:highlight>
+              </a:rPr>
+              <a:t>    </a:t>
+            </a:r>
+            <a:r>
+              <a:rPr lang="en-US" sz="1200" i="0" dirty="0" err="1" smtClean="0">
+                <a:solidFill>
+                  <a:srgbClr val="800080"/>
+                </a:solidFill>
+                <a:highlight>
+                  <a:srgbClr val="FFFFFF"/>
+                </a:highlight>
+              </a:rPr>
+              <a:t>ProgressBar</a:t>
+            </a:r>
+            <a:r>
+              <a:rPr lang="en-US" sz="1200" i="0" dirty="0" smtClean="0">
+                <a:solidFill>
+                  <a:srgbClr val="000000"/>
+                </a:solidFill>
+                <a:highlight>
+                  <a:srgbClr val="FFFFFF"/>
+                </a:highlight>
+              </a:rPr>
+              <a:t> {</a:t>
+            </a:r>
+          </a:p>
+          <a:p>
+            <a:r>
+              <a:rPr lang="en-US" sz="1200" i="0" dirty="0" smtClean="0">
+                <a:solidFill>
+                  <a:srgbClr val="000000"/>
+                </a:solidFill>
+                <a:highlight>
+                  <a:srgbClr val="FFFFFF"/>
+                </a:highlight>
+              </a:rPr>
+              <a:t>        </a:t>
+            </a:r>
+            <a:r>
+              <a:rPr lang="en-US" sz="1200" i="0" dirty="0" smtClean="0">
+                <a:solidFill>
+                  <a:srgbClr val="800000"/>
+                </a:solidFill>
+                <a:highlight>
+                  <a:srgbClr val="FFFFFF"/>
+                </a:highlight>
+              </a:rPr>
+              <a:t>id</a:t>
+            </a:r>
+            <a:r>
+              <a:rPr lang="en-US" sz="1200" i="0" dirty="0" smtClean="0">
+                <a:solidFill>
+                  <a:srgbClr val="000000"/>
+                </a:solidFill>
+                <a:highlight>
+                  <a:srgbClr val="FFFFFF"/>
+                </a:highlight>
+              </a:rPr>
+              <a:t>: </a:t>
+            </a:r>
+            <a:r>
+              <a:rPr lang="en-US" sz="1200" i="0" dirty="0" err="1" smtClean="0">
+                <a:solidFill>
+                  <a:srgbClr val="800000"/>
+                </a:solidFill>
+                <a:highlight>
+                  <a:srgbClr val="FFFFFF"/>
+                </a:highlight>
+              </a:rPr>
+              <a:t>progressBar</a:t>
+            </a:r>
+            <a:endParaRPr lang="en-US" sz="1200" i="0" dirty="0" smtClean="0">
+              <a:solidFill>
+                <a:srgbClr val="000000"/>
+              </a:solidFill>
+              <a:highlight>
+                <a:srgbClr val="FFFFFF"/>
+              </a:highlight>
+            </a:endParaRPr>
+          </a:p>
+          <a:p>
+            <a:r>
+              <a:rPr lang="en-US" sz="1200" i="0" dirty="0" smtClean="0">
+                <a:solidFill>
+                  <a:srgbClr val="000000"/>
+                </a:solidFill>
+                <a:highlight>
+                  <a:srgbClr val="FFFFFF"/>
+                </a:highlight>
+              </a:rPr>
+              <a:t>        </a:t>
+            </a:r>
+            <a:r>
+              <a:rPr lang="en-US" sz="1200" i="0" dirty="0" smtClean="0">
+                <a:solidFill>
+                  <a:srgbClr val="800000"/>
+                </a:solidFill>
+                <a:highlight>
+                  <a:srgbClr val="FFFFFF"/>
+                </a:highlight>
+              </a:rPr>
+              <a:t>value</a:t>
+            </a:r>
+            <a:r>
+              <a:rPr lang="en-US" sz="1200" i="0" dirty="0" smtClean="0">
+                <a:solidFill>
+                  <a:srgbClr val="000000"/>
+                </a:solidFill>
+                <a:highlight>
+                  <a:srgbClr val="FFFFFF"/>
+                </a:highlight>
+              </a:rPr>
+              <a:t>: </a:t>
+            </a:r>
+            <a:r>
+              <a:rPr lang="en-US" sz="1200" i="0" dirty="0" smtClean="0">
+                <a:solidFill>
+                  <a:srgbClr val="FF8000"/>
+                </a:solidFill>
+                <a:highlight>
+                  <a:srgbClr val="FFFFFF"/>
+                </a:highlight>
+              </a:rPr>
+              <a:t>0</a:t>
+            </a:r>
+            <a:endParaRPr lang="en-US" sz="1200" i="0" dirty="0" smtClean="0">
+              <a:solidFill>
+                <a:srgbClr val="000000"/>
+              </a:solidFill>
+              <a:highlight>
+                <a:srgbClr val="FFFFFF"/>
+              </a:highlight>
+            </a:endParaRPr>
+          </a:p>
+          <a:p>
+            <a:r>
+              <a:rPr lang="en-US" sz="1200" i="0" dirty="0" smtClean="0">
+                <a:solidFill>
+                  <a:srgbClr val="000000"/>
+                </a:solidFill>
+                <a:highlight>
+                  <a:srgbClr val="FFFFFF"/>
+                </a:highlight>
+              </a:rPr>
+              <a:t>        </a:t>
+            </a:r>
+            <a:r>
+              <a:rPr lang="en-US" sz="1200" i="0" dirty="0" err="1" smtClean="0">
+                <a:solidFill>
+                  <a:srgbClr val="800000"/>
+                </a:solidFill>
+                <a:highlight>
+                  <a:srgbClr val="FFFFFF"/>
+                </a:highlight>
+              </a:rPr>
+              <a:t>anchors</a:t>
+            </a:r>
+            <a:r>
+              <a:rPr lang="en-US" sz="1200" i="0" dirty="0" err="1" smtClean="0">
+                <a:solidFill>
+                  <a:srgbClr val="000000"/>
+                </a:solidFill>
+                <a:highlight>
+                  <a:srgbClr val="FFFFFF"/>
+                </a:highlight>
+              </a:rPr>
+              <a:t>.</a:t>
+            </a:r>
+            <a:r>
+              <a:rPr lang="en-US" sz="1200" i="0" dirty="0" err="1" smtClean="0">
+                <a:solidFill>
+                  <a:srgbClr val="800000"/>
+                </a:solidFill>
+                <a:highlight>
+                  <a:srgbClr val="FFFFFF"/>
+                </a:highlight>
+              </a:rPr>
+              <a:t>horizontalCenter</a:t>
+            </a:r>
+            <a:r>
+              <a:rPr lang="en-US" sz="1200" i="0" dirty="0" smtClean="0">
+                <a:solidFill>
+                  <a:srgbClr val="000000"/>
+                </a:solidFill>
+                <a:highlight>
+                  <a:srgbClr val="FFFFFF"/>
+                </a:highlight>
+              </a:rPr>
+              <a:t>: </a:t>
+            </a:r>
+            <a:r>
+              <a:rPr lang="en-US" sz="1200" i="0" dirty="0" err="1" smtClean="0">
+                <a:solidFill>
+                  <a:srgbClr val="800000"/>
+                </a:solidFill>
+                <a:highlight>
+                  <a:srgbClr val="FFFFFF"/>
+                </a:highlight>
+              </a:rPr>
+              <a:t>parent</a:t>
+            </a:r>
+            <a:r>
+              <a:rPr lang="en-US" sz="1200" i="0" dirty="0" err="1" smtClean="0">
+                <a:solidFill>
+                  <a:srgbClr val="000000"/>
+                </a:solidFill>
+                <a:highlight>
+                  <a:srgbClr val="FFFFFF"/>
+                </a:highlight>
+              </a:rPr>
+              <a:t>.</a:t>
+            </a:r>
+            <a:r>
+              <a:rPr lang="en-US" sz="1200" i="0" dirty="0" err="1" smtClean="0">
+                <a:solidFill>
+                  <a:srgbClr val="800000"/>
+                </a:solidFill>
+                <a:highlight>
+                  <a:srgbClr val="FFFFFF"/>
+                </a:highlight>
+              </a:rPr>
+              <a:t>horizontalCenter</a:t>
+            </a:r>
+            <a:endParaRPr lang="en-US" sz="1200" i="0" dirty="0" smtClean="0">
+              <a:solidFill>
+                <a:srgbClr val="000000"/>
+              </a:solidFill>
+              <a:highlight>
+                <a:srgbClr val="FFFFFF"/>
+              </a:highlight>
+            </a:endParaRPr>
+          </a:p>
+          <a:p>
+            <a:r>
+              <a:rPr lang="en-US" sz="1200" i="0" dirty="0" smtClean="0">
+                <a:solidFill>
+                  <a:srgbClr val="000000"/>
+                </a:solidFill>
+                <a:highlight>
+                  <a:srgbClr val="FFFFFF"/>
+                </a:highlight>
+              </a:rPr>
+              <a:t>        </a:t>
+            </a:r>
+            <a:r>
+              <a:rPr lang="en-US" sz="1200" i="0" dirty="0" err="1" smtClean="0">
+                <a:solidFill>
+                  <a:srgbClr val="800000"/>
+                </a:solidFill>
+                <a:highlight>
+                  <a:srgbClr val="FFFFFF"/>
+                </a:highlight>
+              </a:rPr>
+              <a:t>anchors</a:t>
+            </a:r>
+            <a:r>
+              <a:rPr lang="en-US" sz="1200" i="0" dirty="0" err="1" smtClean="0">
+                <a:solidFill>
+                  <a:srgbClr val="000000"/>
+                </a:solidFill>
+                <a:highlight>
+                  <a:srgbClr val="FFFFFF"/>
+                </a:highlight>
+              </a:rPr>
+              <a:t>.</a:t>
+            </a:r>
+            <a:r>
+              <a:rPr lang="en-US" sz="1200" i="0" dirty="0" err="1" smtClean="0">
+                <a:solidFill>
+                  <a:srgbClr val="800000"/>
+                </a:solidFill>
+                <a:highlight>
+                  <a:srgbClr val="FFFFFF"/>
+                </a:highlight>
+              </a:rPr>
+              <a:t>bottom</a:t>
+            </a:r>
+            <a:r>
+              <a:rPr lang="en-US" sz="1200" i="0" dirty="0" smtClean="0">
+                <a:solidFill>
+                  <a:srgbClr val="000000"/>
+                </a:solidFill>
+                <a:highlight>
+                  <a:srgbClr val="FFFFFF"/>
+                </a:highlight>
+              </a:rPr>
+              <a:t>: </a:t>
+            </a:r>
+            <a:r>
+              <a:rPr lang="en-US" sz="1200" i="0" dirty="0" err="1" smtClean="0">
+                <a:solidFill>
+                  <a:srgbClr val="800000"/>
+                </a:solidFill>
+                <a:highlight>
+                  <a:srgbClr val="FFFFFF"/>
+                </a:highlight>
+              </a:rPr>
+              <a:t>parent</a:t>
+            </a:r>
+            <a:r>
+              <a:rPr lang="en-US" sz="1200" i="0" dirty="0" err="1" smtClean="0">
+                <a:solidFill>
+                  <a:srgbClr val="000000"/>
+                </a:solidFill>
+                <a:highlight>
+                  <a:srgbClr val="FFFFFF"/>
+                </a:highlight>
+              </a:rPr>
+              <a:t>.</a:t>
+            </a:r>
+            <a:r>
+              <a:rPr lang="en-US" sz="1200" i="0" dirty="0" err="1" smtClean="0">
+                <a:solidFill>
+                  <a:srgbClr val="800000"/>
+                </a:solidFill>
+                <a:highlight>
+                  <a:srgbClr val="FFFFFF"/>
+                </a:highlight>
+              </a:rPr>
+              <a:t>bottom</a:t>
+            </a:r>
+            <a:endParaRPr lang="en-US" sz="1200" i="0" dirty="0" smtClean="0">
+              <a:solidFill>
+                <a:srgbClr val="000000"/>
+              </a:solidFill>
+              <a:highlight>
+                <a:srgbClr val="FFFFFF"/>
+              </a:highlight>
+            </a:endParaRPr>
+          </a:p>
+          <a:p>
+            <a:r>
+              <a:rPr lang="en-US" sz="1200" i="0" dirty="0" smtClean="0">
+                <a:solidFill>
+                  <a:srgbClr val="000000"/>
+                </a:solidFill>
+                <a:highlight>
+                  <a:srgbClr val="FFFFFF"/>
+                </a:highlight>
+              </a:rPr>
+              <a:t>    }</a:t>
+            </a:r>
+          </a:p>
+          <a:p>
+            <a:endParaRPr lang="en-US" sz="1200" i="0" dirty="0" smtClean="0">
+              <a:solidFill>
+                <a:srgbClr val="000000"/>
+              </a:solidFill>
+              <a:highlight>
+                <a:srgbClr val="FFFFFF"/>
+              </a:highlight>
+            </a:endParaRPr>
+          </a:p>
+          <a:p>
+            <a:endParaRPr lang="en-US" sz="1200" i="0" dirty="0" smtClean="0">
+              <a:solidFill>
+                <a:srgbClr val="000000"/>
+              </a:solidFill>
+              <a:highlight>
+                <a:srgbClr val="FFFFFF"/>
+              </a:highlight>
+            </a:endParaRPr>
+          </a:p>
+          <a:p>
+            <a:r>
+              <a:rPr lang="en-US" sz="1200" i="0" dirty="0" smtClean="0">
+                <a:solidFill>
+                  <a:srgbClr val="000000"/>
+                </a:solidFill>
+                <a:highlight>
+                  <a:srgbClr val="FFFFFF"/>
+                </a:highlight>
+              </a:rPr>
+              <a:t>    </a:t>
+            </a:r>
+            <a:r>
+              <a:rPr lang="en-US" sz="1200" i="0" dirty="0" smtClean="0">
+                <a:solidFill>
+                  <a:srgbClr val="800080"/>
+                </a:solidFill>
+                <a:highlight>
+                  <a:srgbClr val="FFFFFF"/>
+                </a:highlight>
+              </a:rPr>
+              <a:t>Connections</a:t>
+            </a:r>
+            <a:r>
+              <a:rPr lang="en-US" sz="1200" i="0" dirty="0" smtClean="0">
+                <a:solidFill>
+                  <a:srgbClr val="000000"/>
+                </a:solidFill>
+                <a:highlight>
+                  <a:srgbClr val="FFFFFF"/>
+                </a:highlight>
+              </a:rPr>
+              <a:t> {</a:t>
+            </a:r>
+          </a:p>
+          <a:p>
+            <a:r>
+              <a:rPr lang="en-US" sz="1200" i="0" dirty="0" smtClean="0">
+                <a:solidFill>
+                  <a:srgbClr val="000000"/>
+                </a:solidFill>
+                <a:highlight>
+                  <a:srgbClr val="FFFFFF"/>
+                </a:highlight>
+              </a:rPr>
+              <a:t>        </a:t>
+            </a:r>
+            <a:r>
+              <a:rPr lang="en-US" sz="1200" i="0" dirty="0" smtClean="0">
+                <a:solidFill>
+                  <a:srgbClr val="800000"/>
+                </a:solidFill>
+                <a:highlight>
+                  <a:srgbClr val="FFFFFF"/>
+                </a:highlight>
+              </a:rPr>
+              <a:t>target</a:t>
+            </a:r>
+            <a:r>
+              <a:rPr lang="en-US" sz="1200" i="0" dirty="0" smtClean="0">
+                <a:solidFill>
+                  <a:srgbClr val="000000"/>
+                </a:solidFill>
+                <a:highlight>
+                  <a:srgbClr val="FFFFFF"/>
+                </a:highlight>
+              </a:rPr>
+              <a:t>: </a:t>
+            </a:r>
+            <a:r>
+              <a:rPr lang="en-US" sz="1200" i="0" dirty="0" smtClean="0">
+                <a:solidFill>
+                  <a:srgbClr val="800000"/>
+                </a:solidFill>
+                <a:highlight>
+                  <a:srgbClr val="FFFFFF"/>
+                </a:highlight>
+              </a:rPr>
+              <a:t>downloader</a:t>
+            </a:r>
+            <a:endParaRPr lang="en-US" sz="1200" i="0" dirty="0" smtClean="0">
+              <a:solidFill>
+                <a:srgbClr val="000000"/>
+              </a:solidFill>
+              <a:highlight>
+                <a:srgbClr val="FFFFFF"/>
+              </a:highlight>
+            </a:endParaRPr>
+          </a:p>
+          <a:p>
+            <a:r>
+              <a:rPr lang="en-US" sz="1200" i="0" dirty="0" smtClean="0">
+                <a:solidFill>
+                  <a:srgbClr val="000000"/>
+                </a:solidFill>
+                <a:highlight>
+                  <a:srgbClr val="FFFFFF"/>
+                </a:highlight>
+              </a:rPr>
+              <a:t>        </a:t>
+            </a:r>
+            <a:r>
+              <a:rPr lang="en-US" sz="1200" i="0" dirty="0" err="1" smtClean="0">
+                <a:solidFill>
+                  <a:srgbClr val="800000"/>
+                </a:solidFill>
+                <a:highlight>
+                  <a:srgbClr val="FFFFFF"/>
+                </a:highlight>
+              </a:rPr>
+              <a:t>onTitleFinished</a:t>
+            </a:r>
+            <a:r>
+              <a:rPr lang="en-US" sz="1200" i="0" dirty="0" smtClean="0">
+                <a:solidFill>
+                  <a:srgbClr val="000000"/>
+                </a:solidFill>
+                <a:highlight>
+                  <a:srgbClr val="FFFFFF"/>
+                </a:highlight>
+              </a:rPr>
+              <a:t>: {</a:t>
+            </a:r>
+          </a:p>
+          <a:p>
+            <a:r>
+              <a:rPr lang="en-US" sz="1200" i="0" dirty="0" smtClean="0">
+                <a:solidFill>
+                  <a:srgbClr val="000000"/>
+                </a:solidFill>
+                <a:highlight>
+                  <a:srgbClr val="FFFFFF"/>
+                </a:highlight>
+              </a:rPr>
+              <a:t>            </a:t>
+            </a:r>
+            <a:r>
+              <a:rPr lang="en-US" sz="1200" i="0" dirty="0" err="1" smtClean="0">
+                <a:solidFill>
+                  <a:srgbClr val="800000"/>
+                </a:solidFill>
+                <a:highlight>
+                  <a:srgbClr val="FFFFFF"/>
+                </a:highlight>
+              </a:rPr>
+              <a:t>titleText</a:t>
+            </a:r>
+            <a:r>
+              <a:rPr lang="en-US" sz="1200" i="0" dirty="0" err="1" smtClean="0">
+                <a:solidFill>
+                  <a:srgbClr val="000000"/>
+                </a:solidFill>
+                <a:highlight>
+                  <a:srgbClr val="FFFFFF"/>
+                </a:highlight>
+              </a:rPr>
+              <a:t>.</a:t>
+            </a:r>
+            <a:r>
+              <a:rPr lang="en-US" sz="1200" i="0" dirty="0" err="1" smtClean="0">
+                <a:solidFill>
+                  <a:srgbClr val="800000"/>
+                </a:solidFill>
+                <a:highlight>
+                  <a:srgbClr val="FFFFFF"/>
+                </a:highlight>
+              </a:rPr>
+              <a:t>text</a:t>
+            </a:r>
+            <a:r>
+              <a:rPr lang="en-US" sz="1200" i="0" dirty="0" smtClean="0">
+                <a:solidFill>
+                  <a:srgbClr val="000000"/>
+                </a:solidFill>
+                <a:highlight>
+                  <a:srgbClr val="FFFFFF"/>
+                </a:highlight>
+              </a:rPr>
+              <a:t> = </a:t>
+            </a:r>
+            <a:r>
+              <a:rPr lang="en-US" sz="1200" i="0" dirty="0" smtClean="0">
+                <a:solidFill>
+                  <a:srgbClr val="800000"/>
+                </a:solidFill>
+                <a:highlight>
+                  <a:srgbClr val="FFFFFF"/>
+                </a:highlight>
+              </a:rPr>
+              <a:t>title</a:t>
+            </a:r>
+            <a:endParaRPr lang="en-US" sz="1200" i="0" dirty="0" smtClean="0">
+              <a:solidFill>
+                <a:srgbClr val="000000"/>
+              </a:solidFill>
+              <a:highlight>
+                <a:srgbClr val="FFFFFF"/>
+              </a:highlight>
+            </a:endParaRPr>
+          </a:p>
+          <a:p>
+            <a:r>
+              <a:rPr lang="en-US" sz="1200" i="0" dirty="0" smtClean="0">
+                <a:solidFill>
+                  <a:srgbClr val="000000"/>
+                </a:solidFill>
+                <a:highlight>
+                  <a:srgbClr val="FFFFFF"/>
+                </a:highlight>
+              </a:rPr>
+              <a:t>        }</a:t>
+            </a:r>
+          </a:p>
+          <a:p>
+            <a:r>
+              <a:rPr lang="en-US" sz="1200" i="0" dirty="0" smtClean="0">
+                <a:solidFill>
+                  <a:srgbClr val="000000"/>
+                </a:solidFill>
+                <a:highlight>
+                  <a:srgbClr val="FFFFFF"/>
+                </a:highlight>
+              </a:rPr>
+              <a:t>        </a:t>
+            </a:r>
+            <a:r>
+              <a:rPr lang="en-US" sz="1200" i="0" dirty="0" err="1" smtClean="0">
+                <a:solidFill>
+                  <a:srgbClr val="800000"/>
+                </a:solidFill>
+                <a:highlight>
+                  <a:srgbClr val="FFFFFF"/>
+                </a:highlight>
+              </a:rPr>
+              <a:t>onImageProgressChanged</a:t>
+            </a:r>
+            <a:r>
+              <a:rPr lang="en-US" sz="1200" i="0" dirty="0" smtClean="0">
+                <a:solidFill>
+                  <a:srgbClr val="000000"/>
+                </a:solidFill>
+                <a:highlight>
+                  <a:srgbClr val="FFFFFF"/>
+                </a:highlight>
+              </a:rPr>
+              <a:t>: {</a:t>
+            </a:r>
+          </a:p>
+          <a:p>
+            <a:r>
+              <a:rPr lang="en-US" sz="1200" i="0" dirty="0" smtClean="0">
+                <a:solidFill>
+                  <a:srgbClr val="000000"/>
+                </a:solidFill>
+                <a:highlight>
+                  <a:srgbClr val="FFFFFF"/>
+                </a:highlight>
+              </a:rPr>
+              <a:t>            </a:t>
+            </a:r>
+            <a:r>
+              <a:rPr lang="en-US" sz="1200" i="0" dirty="0" err="1" smtClean="0">
+                <a:solidFill>
+                  <a:srgbClr val="800000"/>
+                </a:solidFill>
+                <a:highlight>
+                  <a:srgbClr val="FFFFFF"/>
+                </a:highlight>
+              </a:rPr>
+              <a:t>progressBar</a:t>
+            </a:r>
+            <a:r>
+              <a:rPr lang="en-US" sz="1200" i="0" dirty="0" err="1" smtClean="0">
+                <a:solidFill>
+                  <a:srgbClr val="000000"/>
+                </a:solidFill>
+                <a:highlight>
+                  <a:srgbClr val="FFFFFF"/>
+                </a:highlight>
+              </a:rPr>
+              <a:t>.</a:t>
+            </a:r>
+            <a:r>
+              <a:rPr lang="en-US" sz="1200" i="0" dirty="0" err="1" smtClean="0">
+                <a:solidFill>
+                  <a:srgbClr val="800000"/>
+                </a:solidFill>
+                <a:highlight>
+                  <a:srgbClr val="FFFFFF"/>
+                </a:highlight>
+              </a:rPr>
+              <a:t>value</a:t>
+            </a:r>
+            <a:r>
+              <a:rPr lang="en-US" sz="1200" i="0" dirty="0" smtClean="0">
+                <a:solidFill>
+                  <a:srgbClr val="000000"/>
+                </a:solidFill>
+                <a:highlight>
+                  <a:srgbClr val="FFFFFF"/>
+                </a:highlight>
+              </a:rPr>
+              <a:t> = </a:t>
+            </a:r>
+            <a:r>
+              <a:rPr lang="en-US" sz="1200" i="0" dirty="0" smtClean="0">
+                <a:solidFill>
+                  <a:srgbClr val="800000"/>
+                </a:solidFill>
+                <a:highlight>
+                  <a:srgbClr val="FFFFFF"/>
+                </a:highlight>
+              </a:rPr>
+              <a:t>progress</a:t>
+            </a:r>
+            <a:r>
+              <a:rPr lang="en-US" sz="1200" i="0" dirty="0" smtClean="0">
+                <a:solidFill>
+                  <a:srgbClr val="000000"/>
+                </a:solidFill>
+                <a:highlight>
+                  <a:srgbClr val="FFFFFF"/>
+                </a:highlight>
+              </a:rPr>
+              <a:t>/</a:t>
+            </a:r>
+            <a:r>
+              <a:rPr lang="en-US" sz="1200" i="0" dirty="0" smtClean="0">
+                <a:solidFill>
+                  <a:srgbClr val="FF8000"/>
+                </a:solidFill>
+                <a:highlight>
+                  <a:srgbClr val="FFFFFF"/>
+                </a:highlight>
+              </a:rPr>
+              <a:t>100</a:t>
+            </a:r>
+            <a:r>
+              <a:rPr lang="en-US" sz="1200" i="0" dirty="0" smtClean="0">
+                <a:solidFill>
+                  <a:srgbClr val="000000"/>
+                </a:solidFill>
+                <a:highlight>
+                  <a:srgbClr val="FFFFFF"/>
+                </a:highlight>
+              </a:rPr>
+              <a:t>.</a:t>
+            </a:r>
+            <a:r>
+              <a:rPr lang="en-US" sz="1200" i="0" dirty="0" smtClean="0">
+                <a:solidFill>
+                  <a:srgbClr val="FF8000"/>
+                </a:solidFill>
+                <a:highlight>
+                  <a:srgbClr val="FFFFFF"/>
+                </a:highlight>
+              </a:rPr>
+              <a:t>0</a:t>
+            </a:r>
+            <a:endParaRPr lang="en-US" sz="1200" i="0" dirty="0" smtClean="0">
+              <a:solidFill>
+                <a:srgbClr val="000000"/>
+              </a:solidFill>
+              <a:highlight>
+                <a:srgbClr val="FFFFFF"/>
+              </a:highlight>
+            </a:endParaRPr>
+          </a:p>
+          <a:p>
+            <a:r>
+              <a:rPr lang="en-US" sz="1200" i="0" dirty="0" smtClean="0">
+                <a:solidFill>
+                  <a:srgbClr val="000000"/>
+                </a:solidFill>
+                <a:highlight>
+                  <a:srgbClr val="FFFFFF"/>
+                </a:highlight>
+              </a:rPr>
+              <a:t>        }</a:t>
+            </a:r>
+          </a:p>
+          <a:p>
+            <a:r>
+              <a:rPr lang="en-US" sz="1200" i="0" dirty="0" smtClean="0">
+                <a:solidFill>
+                  <a:srgbClr val="000000"/>
+                </a:solidFill>
+                <a:highlight>
+                  <a:srgbClr val="FFFFFF"/>
+                </a:highlight>
+              </a:rPr>
+              <a:t>        </a:t>
+            </a:r>
+            <a:r>
+              <a:rPr lang="en-US" sz="1200" i="0" dirty="0" err="1" smtClean="0">
+                <a:solidFill>
+                  <a:srgbClr val="800000"/>
+                </a:solidFill>
+                <a:highlight>
+                  <a:srgbClr val="FFFFFF"/>
+                </a:highlight>
+              </a:rPr>
+              <a:t>onImageFinished</a:t>
+            </a:r>
+            <a:r>
+              <a:rPr lang="en-US" sz="1200" i="0" dirty="0" smtClean="0">
+                <a:solidFill>
+                  <a:srgbClr val="000000"/>
+                </a:solidFill>
+                <a:highlight>
+                  <a:srgbClr val="FFFFFF"/>
+                </a:highlight>
+              </a:rPr>
+              <a:t>: {</a:t>
+            </a:r>
+          </a:p>
+          <a:p>
+            <a:r>
+              <a:rPr lang="en-US" sz="1200" i="0" dirty="0" smtClean="0">
+                <a:solidFill>
+                  <a:srgbClr val="000000"/>
+                </a:solidFill>
+                <a:highlight>
+                  <a:srgbClr val="FFFFFF"/>
+                </a:highlight>
+              </a:rPr>
+              <a:t>            </a:t>
+            </a:r>
+            <a:r>
+              <a:rPr lang="en-US" sz="1200" i="0" dirty="0" err="1" smtClean="0">
+                <a:solidFill>
+                  <a:srgbClr val="800000"/>
+                </a:solidFill>
+                <a:highlight>
+                  <a:srgbClr val="FFFFFF"/>
+                </a:highlight>
+              </a:rPr>
+              <a:t>image</a:t>
+            </a:r>
+            <a:r>
+              <a:rPr lang="en-US" sz="1200" i="0" dirty="0" err="1" smtClean="0">
+                <a:solidFill>
+                  <a:srgbClr val="000000"/>
+                </a:solidFill>
+                <a:highlight>
+                  <a:srgbClr val="FFFFFF"/>
+                </a:highlight>
+              </a:rPr>
+              <a:t>.</a:t>
+            </a:r>
+            <a:r>
+              <a:rPr lang="en-US" sz="1200" i="0" dirty="0" err="1" smtClean="0">
+                <a:solidFill>
+                  <a:srgbClr val="800000"/>
+                </a:solidFill>
+                <a:highlight>
+                  <a:srgbClr val="FFFFFF"/>
+                </a:highlight>
+              </a:rPr>
+              <a:t>source</a:t>
+            </a:r>
+            <a:r>
+              <a:rPr lang="en-US" sz="1200" i="0" dirty="0" smtClean="0">
+                <a:solidFill>
+                  <a:srgbClr val="000000"/>
+                </a:solidFill>
+                <a:highlight>
+                  <a:srgbClr val="FFFFFF"/>
+                </a:highlight>
+              </a:rPr>
+              <a:t> = </a:t>
+            </a:r>
+            <a:r>
+              <a:rPr lang="en-US" sz="1200" i="0" dirty="0" smtClean="0">
+                <a:solidFill>
+                  <a:srgbClr val="808080"/>
+                </a:solidFill>
+                <a:highlight>
+                  <a:srgbClr val="FFFFFF"/>
+                </a:highlight>
+              </a:rPr>
+              <a:t>"</a:t>
+            </a:r>
+            <a:r>
+              <a:rPr lang="en-US" sz="1200" i="0" u="sng" dirty="0" smtClean="0">
+                <a:solidFill>
+                  <a:srgbClr val="808080"/>
+                </a:solidFill>
+                <a:highlight>
+                  <a:srgbClr val="FFFFFF"/>
+                </a:highlight>
+              </a:rPr>
+              <a:t>image://</a:t>
+            </a:r>
+            <a:r>
+              <a:rPr lang="en-US" sz="1200" i="0" u="sng" dirty="0" err="1" smtClean="0">
+                <a:solidFill>
+                  <a:srgbClr val="808080"/>
+                </a:solidFill>
+                <a:highlight>
+                  <a:srgbClr val="FFFFFF"/>
+                </a:highlight>
               </a:rPr>
               <a:t>xkcd</a:t>
             </a:r>
             <a:r>
-              <a:rPr lang="en-US" sz="1200" kern="1200" dirty="0" smtClean="0">
-                <a:solidFill>
-                  <a:schemeClr val="tx1"/>
-                </a:solidFill>
-                <a:latin typeface="+mn-lt"/>
-                <a:ea typeface="+mn-ea"/>
-                <a:cs typeface="+mn-cs"/>
-              </a:rPr>
-              <a:t>/" + </a:t>
-            </a:r>
-            <a:r>
-              <a:rPr lang="en-US" sz="1200" kern="1200" dirty="0" err="1" smtClean="0">
-                <a:solidFill>
-                  <a:schemeClr val="tx1"/>
-                </a:solidFill>
-                <a:latin typeface="+mn-lt"/>
-                <a:ea typeface="+mn-ea"/>
-                <a:cs typeface="+mn-cs"/>
-              </a:rPr>
-              <a:t>downloader.xkcdID</a:t>
-            </a:r>
-            <a:r>
-              <a:rPr lang="en-US" sz="1200" kern="1200" dirty="0" smtClean="0">
-                <a:solidFill>
-                  <a:schemeClr val="tx1"/>
-                </a:solidFill>
-                <a:latin typeface="+mn-lt"/>
-                <a:ea typeface="+mn-ea"/>
-                <a:cs typeface="+mn-cs"/>
-              </a:rPr>
-              <a:t>:""</a:t>
-            </a:r>
-          </a:p>
-          <a:p>
-            <a:r>
-              <a:rPr lang="en-US" sz="1200" kern="1200" dirty="0" smtClean="0">
-                <a:solidFill>
-                  <a:schemeClr val="tx1"/>
-                </a:solidFill>
-                <a:latin typeface="+mn-lt"/>
-                <a:ea typeface="+mn-ea"/>
-                <a:cs typeface="+mn-cs"/>
-              </a:rPr>
-              <a:t>26c26</a:t>
-            </a:r>
-          </a:p>
-          <a:p>
-            <a:r>
-              <a:rPr lang="en-US" sz="1200" kern="1200" dirty="0" smtClean="0">
-                <a:solidFill>
-                  <a:schemeClr val="tx1"/>
-                </a:solidFill>
-                <a:latin typeface="+mn-lt"/>
-                <a:ea typeface="+mn-ea"/>
-                <a:cs typeface="+mn-cs"/>
-              </a:rPr>
-              <a:t>&lt;         value: 0</a:t>
-            </a:r>
-          </a:p>
-          <a:p>
-            <a:r>
-              <a:rPr lang="en-US" sz="1200" kern="1200" dirty="0" smtClean="0">
-                <a:solidFill>
-                  <a:schemeClr val="tx1"/>
-                </a:solidFill>
-                <a:latin typeface="+mn-lt"/>
-                <a:ea typeface="+mn-ea"/>
-                <a:cs typeface="+mn-cs"/>
-              </a:rPr>
-              <a:t>---</a:t>
-            </a:r>
-          </a:p>
-          <a:p>
-            <a:r>
-              <a:rPr lang="en-US" sz="1200" kern="1200" dirty="0" smtClean="0">
-                <a:solidFill>
-                  <a:schemeClr val="tx1"/>
-                </a:solidFill>
-                <a:latin typeface="+mn-lt"/>
-                <a:ea typeface="+mn-ea"/>
-                <a:cs typeface="+mn-cs"/>
-              </a:rPr>
-              <a:t>&gt;         value: </a:t>
-            </a:r>
-            <a:r>
-              <a:rPr lang="en-US" sz="1200" kern="1200" dirty="0" err="1" smtClean="0">
-                <a:solidFill>
-                  <a:schemeClr val="tx1"/>
-                </a:solidFill>
-                <a:latin typeface="+mn-lt"/>
-                <a:ea typeface="+mn-ea"/>
-                <a:cs typeface="+mn-cs"/>
-              </a:rPr>
-              <a:t>downloader.imageDownloadProgress</a:t>
-            </a:r>
-            <a:r>
-              <a:rPr lang="en-US" sz="1200" kern="1200" dirty="0" smtClean="0">
-                <a:solidFill>
-                  <a:schemeClr val="tx1"/>
-                </a:solidFill>
-                <a:latin typeface="+mn-lt"/>
-                <a:ea typeface="+mn-ea"/>
-                <a:cs typeface="+mn-cs"/>
-              </a:rPr>
-              <a:t>/100</a:t>
-            </a:r>
-          </a:p>
-          <a:p>
-            <a:r>
-              <a:rPr lang="en-US" sz="1200" kern="1200" dirty="0" smtClean="0">
-                <a:solidFill>
-                  <a:schemeClr val="tx1"/>
-                </a:solidFill>
-                <a:latin typeface="+mn-lt"/>
-                <a:ea typeface="+mn-ea"/>
-                <a:cs typeface="+mn-cs"/>
-              </a:rPr>
-              <a:t>30,44d29</a:t>
-            </a:r>
-          </a:p>
-          <a:p>
-            <a:r>
-              <a:rPr lang="en-US" sz="1200" kern="1200" dirty="0" smtClean="0">
-                <a:solidFill>
-                  <a:schemeClr val="tx1"/>
-                </a:solidFill>
-                <a:latin typeface="+mn-lt"/>
-                <a:ea typeface="+mn-ea"/>
-                <a:cs typeface="+mn-cs"/>
-              </a:rPr>
-              <a:t>&lt;</a:t>
-            </a:r>
-          </a:p>
-          <a:p>
-            <a:r>
-              <a:rPr lang="en-US" sz="1200" kern="1200" dirty="0" smtClean="0">
-                <a:solidFill>
-                  <a:schemeClr val="tx1"/>
-                </a:solidFill>
-                <a:latin typeface="+mn-lt"/>
-                <a:ea typeface="+mn-ea"/>
-                <a:cs typeface="+mn-cs"/>
-              </a:rPr>
-              <a:t>&lt;</a:t>
-            </a:r>
-          </a:p>
-          <a:p>
-            <a:r>
-              <a:rPr lang="en-US" sz="1200" kern="1200" dirty="0" smtClean="0">
-                <a:solidFill>
-                  <a:schemeClr val="tx1"/>
-                </a:solidFill>
-                <a:latin typeface="+mn-lt"/>
-                <a:ea typeface="+mn-ea"/>
-                <a:cs typeface="+mn-cs"/>
-              </a:rPr>
-              <a:t>&lt;     Connections {</a:t>
-            </a:r>
-          </a:p>
-          <a:p>
-            <a:r>
-              <a:rPr lang="en-US" sz="1200" kern="1200" dirty="0" smtClean="0">
-                <a:solidFill>
-                  <a:schemeClr val="tx1"/>
-                </a:solidFill>
-                <a:latin typeface="+mn-lt"/>
-                <a:ea typeface="+mn-ea"/>
-                <a:cs typeface="+mn-cs"/>
-              </a:rPr>
-              <a:t>&lt;         target: downloader</a:t>
-            </a:r>
-          </a:p>
-          <a:p>
-            <a:r>
-              <a:rPr lang="en-US" sz="1200" kern="1200" dirty="0" smtClean="0">
-                <a:solidFill>
-                  <a:schemeClr val="tx1"/>
-                </a:solidFill>
-                <a:latin typeface="+mn-lt"/>
-                <a:ea typeface="+mn-ea"/>
-                <a:cs typeface="+mn-cs"/>
-              </a:rPr>
-              <a:t>&lt;         </a:t>
-            </a:r>
-            <a:r>
-              <a:rPr lang="en-US" sz="1200" kern="1200" dirty="0" err="1" smtClean="0">
-                <a:solidFill>
-                  <a:schemeClr val="tx1"/>
-                </a:solidFill>
-                <a:latin typeface="+mn-lt"/>
-                <a:ea typeface="+mn-ea"/>
-                <a:cs typeface="+mn-cs"/>
-              </a:rPr>
-              <a:t>onTitleFinished</a:t>
-            </a:r>
-            <a:r>
-              <a:rPr lang="en-US" sz="1200" kern="1200" dirty="0" smtClean="0">
-                <a:solidFill>
-                  <a:schemeClr val="tx1"/>
-                </a:solidFill>
-                <a:latin typeface="+mn-lt"/>
-                <a:ea typeface="+mn-ea"/>
-                <a:cs typeface="+mn-cs"/>
-              </a:rPr>
-              <a:t>: {</a:t>
-            </a:r>
-          </a:p>
-          <a:p>
-            <a:r>
-              <a:rPr lang="en-US" sz="1200" kern="1200" dirty="0" smtClean="0">
-                <a:solidFill>
-                  <a:schemeClr val="tx1"/>
-                </a:solidFill>
-                <a:latin typeface="+mn-lt"/>
-                <a:ea typeface="+mn-ea"/>
-                <a:cs typeface="+mn-cs"/>
-              </a:rPr>
-              <a:t>&lt;             </a:t>
-            </a:r>
-            <a:r>
-              <a:rPr lang="en-US" sz="1200" kern="1200" dirty="0" err="1" smtClean="0">
-                <a:solidFill>
-                  <a:schemeClr val="tx1"/>
-                </a:solidFill>
-                <a:latin typeface="+mn-lt"/>
-                <a:ea typeface="+mn-ea"/>
-                <a:cs typeface="+mn-cs"/>
-              </a:rPr>
-              <a:t>titleText.text</a:t>
-            </a:r>
-            <a:r>
-              <a:rPr lang="en-US" sz="1200" kern="1200" dirty="0" smtClean="0">
-                <a:solidFill>
-                  <a:schemeClr val="tx1"/>
-                </a:solidFill>
-                <a:latin typeface="+mn-lt"/>
-                <a:ea typeface="+mn-ea"/>
-                <a:cs typeface="+mn-cs"/>
-              </a:rPr>
-              <a:t> = title</a:t>
-            </a:r>
-          </a:p>
-          <a:p>
-            <a:r>
-              <a:rPr lang="en-US" sz="1200" kern="1200" dirty="0" smtClean="0">
-                <a:solidFill>
-                  <a:schemeClr val="tx1"/>
-                </a:solidFill>
-                <a:latin typeface="+mn-lt"/>
-                <a:ea typeface="+mn-ea"/>
-                <a:cs typeface="+mn-cs"/>
-              </a:rPr>
-              <a:t>&lt;         }</a:t>
-            </a:r>
-          </a:p>
-          <a:p>
-            <a:r>
-              <a:rPr lang="en-US" sz="1200" kern="1200" dirty="0" smtClean="0">
-                <a:solidFill>
-                  <a:schemeClr val="tx1"/>
-                </a:solidFill>
-                <a:latin typeface="+mn-lt"/>
-                <a:ea typeface="+mn-ea"/>
-                <a:cs typeface="+mn-cs"/>
-              </a:rPr>
-              <a:t>&lt;         </a:t>
-            </a:r>
-            <a:r>
-              <a:rPr lang="en-US" sz="1200" kern="1200" dirty="0" err="1" smtClean="0">
-                <a:solidFill>
-                  <a:schemeClr val="tx1"/>
-                </a:solidFill>
-                <a:latin typeface="+mn-lt"/>
-                <a:ea typeface="+mn-ea"/>
-                <a:cs typeface="+mn-cs"/>
-              </a:rPr>
-              <a:t>onImageProgressChanged</a:t>
-            </a:r>
-            <a:r>
-              <a:rPr lang="en-US" sz="1200" kern="1200" dirty="0" smtClean="0">
-                <a:solidFill>
-                  <a:schemeClr val="tx1"/>
-                </a:solidFill>
-                <a:latin typeface="+mn-lt"/>
-                <a:ea typeface="+mn-ea"/>
-                <a:cs typeface="+mn-cs"/>
-              </a:rPr>
-              <a:t>: {</a:t>
-            </a:r>
-          </a:p>
-          <a:p>
-            <a:r>
-              <a:rPr lang="en-US" sz="1200" kern="1200" dirty="0" smtClean="0">
-                <a:solidFill>
-                  <a:schemeClr val="tx1"/>
-                </a:solidFill>
-                <a:latin typeface="+mn-lt"/>
-                <a:ea typeface="+mn-ea"/>
-                <a:cs typeface="+mn-cs"/>
-              </a:rPr>
-              <a:t>&lt;             </a:t>
-            </a:r>
-            <a:r>
-              <a:rPr lang="en-US" sz="1200" kern="1200" dirty="0" err="1" smtClean="0">
-                <a:solidFill>
-                  <a:schemeClr val="tx1"/>
-                </a:solidFill>
-                <a:latin typeface="+mn-lt"/>
-                <a:ea typeface="+mn-ea"/>
-                <a:cs typeface="+mn-cs"/>
-              </a:rPr>
-              <a:t>progressBar.value</a:t>
-            </a:r>
-            <a:r>
-              <a:rPr lang="en-US" sz="1200" kern="1200" dirty="0" smtClean="0">
-                <a:solidFill>
-                  <a:schemeClr val="tx1"/>
-                </a:solidFill>
-                <a:latin typeface="+mn-lt"/>
-                <a:ea typeface="+mn-ea"/>
-                <a:cs typeface="+mn-cs"/>
-              </a:rPr>
-              <a:t> = progress/100.0</a:t>
-            </a:r>
-          </a:p>
-          <a:p>
-            <a:r>
-              <a:rPr lang="en-US" sz="1200" kern="1200" dirty="0" smtClean="0">
-                <a:solidFill>
-                  <a:schemeClr val="tx1"/>
-                </a:solidFill>
-                <a:latin typeface="+mn-lt"/>
-                <a:ea typeface="+mn-ea"/>
-                <a:cs typeface="+mn-cs"/>
-              </a:rPr>
-              <a:t>&lt;         }</a:t>
-            </a:r>
-          </a:p>
-          <a:p>
-            <a:r>
-              <a:rPr lang="en-US" sz="1200" kern="1200" dirty="0" smtClean="0">
-                <a:solidFill>
-                  <a:schemeClr val="tx1"/>
-                </a:solidFill>
-                <a:latin typeface="+mn-lt"/>
-                <a:ea typeface="+mn-ea"/>
-                <a:cs typeface="+mn-cs"/>
-              </a:rPr>
-              <a:t>&lt;         </a:t>
-            </a:r>
-            <a:r>
-              <a:rPr lang="en-US" sz="1200" kern="1200" dirty="0" err="1" smtClean="0">
-                <a:solidFill>
-                  <a:schemeClr val="tx1"/>
-                </a:solidFill>
-                <a:latin typeface="+mn-lt"/>
-                <a:ea typeface="+mn-ea"/>
-                <a:cs typeface="+mn-cs"/>
-              </a:rPr>
-              <a:t>onImageFinished</a:t>
-            </a:r>
-            <a:r>
-              <a:rPr lang="en-US" sz="1200" kern="1200" dirty="0" smtClean="0">
-                <a:solidFill>
-                  <a:schemeClr val="tx1"/>
-                </a:solidFill>
-                <a:latin typeface="+mn-lt"/>
-                <a:ea typeface="+mn-ea"/>
-                <a:cs typeface="+mn-cs"/>
-              </a:rPr>
-              <a:t>: {</a:t>
-            </a:r>
-          </a:p>
-          <a:p>
-            <a:r>
-              <a:rPr lang="en-US" sz="1200" kern="1200" dirty="0" smtClean="0">
-                <a:solidFill>
-                  <a:schemeClr val="tx1"/>
-                </a:solidFill>
-                <a:latin typeface="+mn-lt"/>
-                <a:ea typeface="+mn-ea"/>
-                <a:cs typeface="+mn-cs"/>
-              </a:rPr>
-              <a:t>&lt;             </a:t>
-            </a:r>
-            <a:r>
-              <a:rPr lang="en-US" sz="1200" kern="1200" dirty="0" err="1" smtClean="0">
-                <a:solidFill>
-                  <a:schemeClr val="tx1"/>
-                </a:solidFill>
-                <a:latin typeface="+mn-lt"/>
-                <a:ea typeface="+mn-ea"/>
-                <a:cs typeface="+mn-cs"/>
-              </a:rPr>
-              <a:t>image.source</a:t>
-            </a:r>
-            <a:r>
-              <a:rPr lang="en-US" sz="1200" kern="1200" dirty="0" smtClean="0">
-                <a:solidFill>
-                  <a:schemeClr val="tx1"/>
-                </a:solidFill>
-                <a:latin typeface="+mn-lt"/>
-                <a:ea typeface="+mn-ea"/>
-                <a:cs typeface="+mn-cs"/>
-              </a:rPr>
-              <a:t> = "image://</a:t>
-            </a:r>
-            <a:r>
-              <a:rPr lang="en-US" sz="1200" kern="1200" dirty="0" err="1" smtClean="0">
-                <a:solidFill>
-                  <a:schemeClr val="tx1"/>
-                </a:solidFill>
-                <a:latin typeface="+mn-lt"/>
-                <a:ea typeface="+mn-ea"/>
-                <a:cs typeface="+mn-cs"/>
-              </a:rPr>
-              <a:t>xkcd</a:t>
-            </a:r>
-            <a:r>
-              <a:rPr lang="en-US" sz="1200" kern="1200" dirty="0" smtClean="0">
-                <a:solidFill>
-                  <a:schemeClr val="tx1"/>
-                </a:solidFill>
-                <a:latin typeface="+mn-lt"/>
-                <a:ea typeface="+mn-ea"/>
-                <a:cs typeface="+mn-cs"/>
-              </a:rPr>
-              <a:t>/" + </a:t>
-            </a:r>
-            <a:r>
-              <a:rPr lang="en-US" sz="1200" kern="1200" dirty="0" err="1" smtClean="0">
-                <a:solidFill>
-                  <a:schemeClr val="tx1"/>
-                </a:solidFill>
-                <a:latin typeface="+mn-lt"/>
-                <a:ea typeface="+mn-ea"/>
-                <a:cs typeface="+mn-cs"/>
+              <a:rPr lang="en-US" sz="1200" i="0" u="sng" dirty="0" smtClean="0">
+                <a:solidFill>
+                  <a:srgbClr val="808080"/>
+                </a:solidFill>
+                <a:highlight>
+                  <a:srgbClr val="FFFFFF"/>
+                </a:highlight>
+              </a:rPr>
+              <a:t>/</a:t>
+            </a:r>
+            <a:r>
+              <a:rPr lang="en-US" sz="1200" i="0" u="none" dirty="0" smtClean="0">
+                <a:solidFill>
+                  <a:srgbClr val="808080"/>
+                </a:solidFill>
+                <a:highlight>
+                  <a:srgbClr val="FFFFFF"/>
+                </a:highlight>
+              </a:rPr>
+              <a:t>"</a:t>
+            </a:r>
+            <a:r>
+              <a:rPr lang="en-US" sz="1200" i="0" u="none" dirty="0" smtClean="0">
+                <a:solidFill>
+                  <a:srgbClr val="000000"/>
+                </a:solidFill>
+                <a:highlight>
+                  <a:srgbClr val="FFFFFF"/>
+                </a:highlight>
+              </a:rPr>
+              <a:t> + </a:t>
+            </a:r>
+            <a:r>
+              <a:rPr lang="en-US" sz="1200" i="0" u="none" dirty="0" err="1" smtClean="0">
+                <a:solidFill>
+                  <a:srgbClr val="800000"/>
+                </a:solidFill>
+                <a:highlight>
+                  <a:srgbClr val="FFFFFF"/>
+                </a:highlight>
               </a:rPr>
               <a:t>xkcdID</a:t>
             </a:r>
-            <a:endParaRPr lang="en-US" sz="1200" kern="1200" dirty="0" smtClean="0">
+            <a:endParaRPr lang="en-US" sz="1200" i="0" u="none" dirty="0" smtClean="0">
               <a:solidFill>
-                <a:schemeClr val="tx1"/>
+                <a:srgbClr val="000000"/>
               </a:solidFill>
-              <a:latin typeface="+mn-lt"/>
-              <a:ea typeface="+mn-ea"/>
-              <a:cs typeface="+mn-cs"/>
+              <a:highlight>
+                <a:srgbClr val="FFFFFF"/>
+              </a:highlight>
             </a:endParaRPr>
           </a:p>
           <a:p>
             <a:r>
-              <a:rPr lang="en-US" sz="1200" kern="1200" dirty="0" smtClean="0">
-                <a:solidFill>
-                  <a:schemeClr val="tx1"/>
-                </a:solidFill>
-                <a:latin typeface="+mn-lt"/>
-                <a:ea typeface="+mn-ea"/>
-                <a:cs typeface="+mn-cs"/>
-              </a:rPr>
-              <a:t>&lt;         }</a:t>
-            </a:r>
-          </a:p>
-          <a:p>
-            <a:r>
-              <a:rPr lang="en-US" sz="1200" kern="1200" dirty="0" smtClean="0">
-                <a:solidFill>
-                  <a:schemeClr val="tx1"/>
-                </a:solidFill>
-                <a:latin typeface="+mn-lt"/>
-                <a:ea typeface="+mn-ea"/>
-                <a:cs typeface="+mn-cs"/>
-              </a:rPr>
-              <a:t>&lt;     }</a:t>
+              <a:rPr lang="en-US" sz="1200" i="0" u="none" dirty="0" smtClean="0">
+                <a:solidFill>
+                  <a:srgbClr val="000000"/>
+                </a:solidFill>
+                <a:highlight>
+                  <a:srgbClr val="FFFFFF"/>
+                </a:highlight>
+              </a:rPr>
+              <a:t>        }</a:t>
+            </a:r>
+          </a:p>
+          <a:p>
+            <a:r>
+              <a:rPr lang="en-US" sz="1200" i="0" u="none" dirty="0" smtClean="0">
+                <a:solidFill>
+                  <a:srgbClr val="000000"/>
+                </a:solidFill>
+                <a:highlight>
+                  <a:srgbClr val="FFFFFF"/>
+                </a:highlight>
+              </a:rPr>
+              <a:t>    }</a:t>
+            </a:r>
+          </a:p>
+          <a:p>
+            <a:endParaRPr lang="en-US" sz="1200" i="0" u="none" dirty="0" smtClean="0">
+              <a:solidFill>
+                <a:srgbClr val="000000"/>
+              </a:solidFill>
+              <a:highlight>
+                <a:srgbClr val="FFFFFF"/>
+              </a:highlight>
+            </a:endParaRPr>
+          </a:p>
+          <a:p>
+            <a:r>
+              <a:rPr lang="en-US" sz="1200" i="0" u="none" dirty="0" smtClean="0">
+                <a:solidFill>
+                  <a:srgbClr val="000000"/>
+                </a:solidFill>
+                <a:highlight>
+                  <a:srgbClr val="FFFFFF"/>
+                </a:highlight>
+              </a:rPr>
+              <a:t>}</a:t>
             </a:r>
           </a:p>
           <a:p>
@@ -7254,6 +6614,730 @@
           <a:p>
             <a:fld id="{A5831B84-C3EB-524A-9C75-3ABC5C5F853A}" type="slidenum">
               <a:rPr lang="de-DE" smtClean="0"/>
+              <a:t>13</a:t>
+            </a:fld>
+            <a:endParaRPr lang="de-DE"/>
+          </a:p>
+        </p:txBody>
+      </p:sp>
+    </p:spTree>
+    <p:extLst>
+      <p:ext uri="{BB962C8B-B14F-4D97-AF65-F5344CB8AC3E}">
+        <p14:creationId xmlns:p14="http://schemas.microsoft.com/office/powerpoint/2010/main" val="3354268064"/>
+      </p:ext>
+    </p:extLst>
+  </p:cSld>
+  <p:clrMapOvr>
+    <a:masterClrMapping/>
+  </p:clrMapOvr>
+</p:notes>
+</file>
+
+<file path=ppt/notesSlides/notesSlide7.xml><?xml version="1.0" encoding="utf-8"?>
+<p:notes xmlns:a="http://schemas.openxmlformats.org/drawingml/2006/main" xmlns:r="http://schemas.openxmlformats.org/officeDocument/2006/relationships" xmlns:p="http://schemas.openxmlformats.org/presentationml/2006/main">
+  <p:cSld>
+    <p:spTree>
+      <p:nvGrpSpPr>
+        <p:cNvPr id="1" name=""/>
+        <p:cNvGrpSpPr/>
+        <p:nvPr/>
+      </p:nvGrpSpPr>
+      <p:grpSpPr>
+        <a:xfrm>
+          <a:off x="0" y="0"/>
+          <a:ext cx="0" cy="0"/>
+          <a:chOff x="0" y="0"/>
+          <a:chExt cx="0" cy="0"/>
+        </a:xfrm>
+      </p:grpSpPr>
+      <p:sp>
+        <p:nvSpPr>
+          <p:cNvPr id="2" name="Folienbildplatzhalter 1"/>
+          <p:cNvSpPr>
+            <a:spLocks noGrp="1" noRot="1" noChangeAspect="1"/>
+          </p:cNvSpPr>
+          <p:nvPr>
+            <p:ph type="sldImg"/>
+          </p:nvPr>
+        </p:nvSpPr>
+        <p:spPr/>
+      </p:sp>
+      <p:sp>
+        <p:nvSpPr>
+          <p:cNvPr id="3" name="Notizenplatzhalter 2"/>
+          <p:cNvSpPr>
+            <a:spLocks noGrp="1"/>
+          </p:cNvSpPr>
+          <p:nvPr>
+            <p:ph type="body" idx="1"/>
+          </p:nvPr>
+        </p:nvSpPr>
+        <p:spPr/>
+        <p:txBody>
+          <a:bodyPr/>
+          <a:lstStyle/>
+          <a:p>
+            <a:r>
+              <a:rPr lang="en-US" dirty="0" smtClean="0"/>
+              <a:t>Example 7</a:t>
+            </a:r>
+          </a:p>
+          <a:p>
+            <a:endParaRPr lang="en-US" dirty="0" smtClean="0"/>
+          </a:p>
+          <a:p>
+            <a:r>
+              <a:rPr lang="en-US" dirty="0" smtClean="0"/>
+              <a:t>QML</a:t>
+            </a:r>
+            <a:r>
+              <a:rPr lang="en-US" baseline="0" dirty="0" smtClean="0"/>
+              <a:t> diffs:</a:t>
+            </a:r>
+          </a:p>
+          <a:p>
+            <a:r>
+              <a:rPr lang="en-US" sz="1200" kern="1200" dirty="0" smtClean="0">
+                <a:solidFill>
+                  <a:schemeClr val="tx1"/>
+                </a:solidFill>
+                <a:latin typeface="+mn-lt"/>
+                <a:ea typeface="+mn-ea"/>
+                <a:cs typeface="+mn-cs"/>
+              </a:rPr>
+              <a:t>&lt;         text: "Loading ..."</a:t>
+            </a:r>
+          </a:p>
+          <a:p>
+            <a:r>
+              <a:rPr lang="en-US" sz="1200" kern="1200" dirty="0" smtClean="0">
+                <a:solidFill>
+                  <a:schemeClr val="tx1"/>
+                </a:solidFill>
+                <a:latin typeface="+mn-lt"/>
+                <a:ea typeface="+mn-ea"/>
+                <a:cs typeface="+mn-cs"/>
+              </a:rPr>
+              <a:t>---</a:t>
+            </a:r>
+          </a:p>
+          <a:p>
+            <a:r>
+              <a:rPr lang="en-US" sz="1200" kern="1200" dirty="0" smtClean="0">
+                <a:solidFill>
+                  <a:schemeClr val="tx1"/>
+                </a:solidFill>
+                <a:latin typeface="+mn-lt"/>
+                <a:ea typeface="+mn-ea"/>
+                <a:cs typeface="+mn-cs"/>
+              </a:rPr>
+              <a:t>&gt;         text: </a:t>
+            </a:r>
+            <a:r>
+              <a:rPr lang="en-US" sz="1200" kern="1200" dirty="0" err="1" smtClean="0">
+                <a:solidFill>
+                  <a:schemeClr val="tx1"/>
+                </a:solidFill>
+                <a:latin typeface="+mn-lt"/>
+                <a:ea typeface="+mn-ea"/>
+                <a:cs typeface="+mn-cs"/>
+              </a:rPr>
+              <a:t>downloader.finished?downloader.title:"Loading</a:t>
+            </a:r>
+            <a:r>
+              <a:rPr lang="en-US" sz="1200" kern="1200" dirty="0" smtClean="0">
+                <a:solidFill>
+                  <a:schemeClr val="tx1"/>
+                </a:solidFill>
+                <a:latin typeface="+mn-lt"/>
+                <a:ea typeface="+mn-ea"/>
+                <a:cs typeface="+mn-cs"/>
+              </a:rPr>
+              <a:t> ..."</a:t>
+            </a:r>
+          </a:p>
+          <a:p>
+            <a:r>
+              <a:rPr lang="en-US" sz="1200" kern="1200" dirty="0" smtClean="0">
+                <a:solidFill>
+                  <a:schemeClr val="tx1"/>
+                </a:solidFill>
+                <a:latin typeface="+mn-lt"/>
+                <a:ea typeface="+mn-ea"/>
+                <a:cs typeface="+mn-cs"/>
+              </a:rPr>
+              <a:t>20c20</a:t>
+            </a:r>
+          </a:p>
+          <a:p>
+            <a:r>
+              <a:rPr lang="en-US" sz="1200" kern="1200" dirty="0" smtClean="0">
+                <a:solidFill>
+                  <a:schemeClr val="tx1"/>
+                </a:solidFill>
+                <a:latin typeface="+mn-lt"/>
+                <a:ea typeface="+mn-ea"/>
+                <a:cs typeface="+mn-cs"/>
+              </a:rPr>
+              <a:t>&lt;         source: ""</a:t>
+            </a:r>
+          </a:p>
+          <a:p>
+            <a:r>
+              <a:rPr lang="en-US" sz="1200" kern="1200" dirty="0" smtClean="0">
+                <a:solidFill>
+                  <a:schemeClr val="tx1"/>
+                </a:solidFill>
+                <a:latin typeface="+mn-lt"/>
+                <a:ea typeface="+mn-ea"/>
+                <a:cs typeface="+mn-cs"/>
+              </a:rPr>
+              <a:t>---</a:t>
+            </a:r>
+          </a:p>
+          <a:p>
+            <a:r>
+              <a:rPr lang="en-US" sz="1200" kern="1200" dirty="0" smtClean="0">
+                <a:solidFill>
+                  <a:schemeClr val="tx1"/>
+                </a:solidFill>
+                <a:latin typeface="+mn-lt"/>
+                <a:ea typeface="+mn-ea"/>
+                <a:cs typeface="+mn-cs"/>
+              </a:rPr>
+              <a:t>&gt;         source: </a:t>
+            </a:r>
+            <a:r>
+              <a:rPr lang="en-US" sz="1200" kern="1200" dirty="0" err="1" smtClean="0">
+                <a:solidFill>
+                  <a:schemeClr val="tx1"/>
+                </a:solidFill>
+                <a:latin typeface="+mn-lt"/>
+                <a:ea typeface="+mn-ea"/>
+                <a:cs typeface="+mn-cs"/>
+              </a:rPr>
+              <a:t>downloader.finished?"image</a:t>
+            </a:r>
+            <a:r>
+              <a:rPr lang="en-US" sz="1200" kern="1200" dirty="0" smtClean="0">
+                <a:solidFill>
+                  <a:schemeClr val="tx1"/>
+                </a:solidFill>
+                <a:latin typeface="+mn-lt"/>
+                <a:ea typeface="+mn-ea"/>
+                <a:cs typeface="+mn-cs"/>
+              </a:rPr>
+              <a:t>://</a:t>
+            </a:r>
+            <a:r>
+              <a:rPr lang="en-US" sz="1200" kern="1200" dirty="0" err="1" smtClean="0">
+                <a:solidFill>
+                  <a:schemeClr val="tx1"/>
+                </a:solidFill>
+                <a:latin typeface="+mn-lt"/>
+                <a:ea typeface="+mn-ea"/>
+                <a:cs typeface="+mn-cs"/>
+              </a:rPr>
+              <a:t>xkcd</a:t>
+            </a:r>
+            <a:r>
+              <a:rPr lang="en-US" sz="1200" kern="1200" dirty="0" smtClean="0">
+                <a:solidFill>
+                  <a:schemeClr val="tx1"/>
+                </a:solidFill>
+                <a:latin typeface="+mn-lt"/>
+                <a:ea typeface="+mn-ea"/>
+                <a:cs typeface="+mn-cs"/>
+              </a:rPr>
+              <a:t>/" + </a:t>
+            </a:r>
+            <a:r>
+              <a:rPr lang="en-US" sz="1200" kern="1200" dirty="0" err="1" smtClean="0">
+                <a:solidFill>
+                  <a:schemeClr val="tx1"/>
+                </a:solidFill>
+                <a:latin typeface="+mn-lt"/>
+                <a:ea typeface="+mn-ea"/>
+                <a:cs typeface="+mn-cs"/>
+              </a:rPr>
+              <a:t>downloader.xkcdID</a:t>
+            </a:r>
+            <a:r>
+              <a:rPr lang="en-US" sz="1200" kern="1200" dirty="0" smtClean="0">
+                <a:solidFill>
+                  <a:schemeClr val="tx1"/>
+                </a:solidFill>
+                <a:latin typeface="+mn-lt"/>
+                <a:ea typeface="+mn-ea"/>
+                <a:cs typeface="+mn-cs"/>
+              </a:rPr>
+              <a:t>:""</a:t>
+            </a:r>
+          </a:p>
+          <a:p>
+            <a:r>
+              <a:rPr lang="en-US" sz="1200" kern="1200" dirty="0" smtClean="0">
+                <a:solidFill>
+                  <a:schemeClr val="tx1"/>
+                </a:solidFill>
+                <a:latin typeface="+mn-lt"/>
+                <a:ea typeface="+mn-ea"/>
+                <a:cs typeface="+mn-cs"/>
+              </a:rPr>
+              <a:t>26c26</a:t>
+            </a:r>
+          </a:p>
+          <a:p>
+            <a:r>
+              <a:rPr lang="en-US" sz="1200" kern="1200" dirty="0" smtClean="0">
+                <a:solidFill>
+                  <a:schemeClr val="tx1"/>
+                </a:solidFill>
+                <a:latin typeface="+mn-lt"/>
+                <a:ea typeface="+mn-ea"/>
+                <a:cs typeface="+mn-cs"/>
+              </a:rPr>
+              <a:t>&lt;         value: 0</a:t>
+            </a:r>
+          </a:p>
+          <a:p>
+            <a:r>
+              <a:rPr lang="en-US" sz="1200" kern="1200" dirty="0" smtClean="0">
+                <a:solidFill>
+                  <a:schemeClr val="tx1"/>
+                </a:solidFill>
+                <a:latin typeface="+mn-lt"/>
+                <a:ea typeface="+mn-ea"/>
+                <a:cs typeface="+mn-cs"/>
+              </a:rPr>
+              <a:t>---</a:t>
+            </a:r>
+          </a:p>
+          <a:p>
+            <a:r>
+              <a:rPr lang="en-US" sz="1200" kern="1200" dirty="0" smtClean="0">
+                <a:solidFill>
+                  <a:schemeClr val="tx1"/>
+                </a:solidFill>
+                <a:latin typeface="+mn-lt"/>
+                <a:ea typeface="+mn-ea"/>
+                <a:cs typeface="+mn-cs"/>
+              </a:rPr>
+              <a:t>&gt;         value: </a:t>
+            </a:r>
+            <a:r>
+              <a:rPr lang="en-US" sz="1200" kern="1200" dirty="0" err="1" smtClean="0">
+                <a:solidFill>
+                  <a:schemeClr val="tx1"/>
+                </a:solidFill>
+                <a:latin typeface="+mn-lt"/>
+                <a:ea typeface="+mn-ea"/>
+                <a:cs typeface="+mn-cs"/>
+              </a:rPr>
+              <a:t>downloader.imageDownloadProgress</a:t>
+            </a:r>
+            <a:r>
+              <a:rPr lang="en-US" sz="1200" kern="1200" dirty="0" smtClean="0">
+                <a:solidFill>
+                  <a:schemeClr val="tx1"/>
+                </a:solidFill>
+                <a:latin typeface="+mn-lt"/>
+                <a:ea typeface="+mn-ea"/>
+                <a:cs typeface="+mn-cs"/>
+              </a:rPr>
+              <a:t>/100</a:t>
+            </a:r>
+          </a:p>
+          <a:p>
+            <a:r>
+              <a:rPr lang="en-US" sz="1200" kern="1200" dirty="0" smtClean="0">
+                <a:solidFill>
+                  <a:schemeClr val="tx1"/>
+                </a:solidFill>
+                <a:latin typeface="+mn-lt"/>
+                <a:ea typeface="+mn-ea"/>
+                <a:cs typeface="+mn-cs"/>
+              </a:rPr>
+              <a:t>30,44d29</a:t>
+            </a:r>
+          </a:p>
+          <a:p>
+            <a:r>
+              <a:rPr lang="en-US" sz="1200" kern="1200" dirty="0" smtClean="0">
+                <a:solidFill>
+                  <a:schemeClr val="tx1"/>
+                </a:solidFill>
+                <a:latin typeface="+mn-lt"/>
+                <a:ea typeface="+mn-ea"/>
+                <a:cs typeface="+mn-cs"/>
+              </a:rPr>
+              <a:t>&lt;</a:t>
+            </a:r>
+          </a:p>
+          <a:p>
+            <a:r>
+              <a:rPr lang="en-US" sz="1200" kern="1200" dirty="0" smtClean="0">
+                <a:solidFill>
+                  <a:schemeClr val="tx1"/>
+                </a:solidFill>
+                <a:latin typeface="+mn-lt"/>
+                <a:ea typeface="+mn-ea"/>
+                <a:cs typeface="+mn-cs"/>
+              </a:rPr>
+              <a:t>&lt;</a:t>
+            </a:r>
+          </a:p>
+          <a:p>
+            <a:r>
+              <a:rPr lang="en-US" sz="1200" kern="1200" dirty="0" smtClean="0">
+                <a:solidFill>
+                  <a:schemeClr val="tx1"/>
+                </a:solidFill>
+                <a:latin typeface="+mn-lt"/>
+                <a:ea typeface="+mn-ea"/>
+                <a:cs typeface="+mn-cs"/>
+              </a:rPr>
+              <a:t>&lt;     Connections {</a:t>
+            </a:r>
+          </a:p>
+          <a:p>
+            <a:r>
+              <a:rPr lang="en-US" sz="1200" kern="1200" dirty="0" smtClean="0">
+                <a:solidFill>
+                  <a:schemeClr val="tx1"/>
+                </a:solidFill>
+                <a:latin typeface="+mn-lt"/>
+                <a:ea typeface="+mn-ea"/>
+                <a:cs typeface="+mn-cs"/>
+              </a:rPr>
+              <a:t>&lt;         target: downloader</a:t>
+            </a:r>
+          </a:p>
+          <a:p>
+            <a:r>
+              <a:rPr lang="en-US" sz="1200" kern="1200" dirty="0" smtClean="0">
+                <a:solidFill>
+                  <a:schemeClr val="tx1"/>
+                </a:solidFill>
+                <a:latin typeface="+mn-lt"/>
+                <a:ea typeface="+mn-ea"/>
+                <a:cs typeface="+mn-cs"/>
+              </a:rPr>
+              <a:t>&lt;         </a:t>
+            </a:r>
+            <a:r>
+              <a:rPr lang="en-US" sz="1200" kern="1200" dirty="0" err="1" smtClean="0">
+                <a:solidFill>
+                  <a:schemeClr val="tx1"/>
+                </a:solidFill>
+                <a:latin typeface="+mn-lt"/>
+                <a:ea typeface="+mn-ea"/>
+                <a:cs typeface="+mn-cs"/>
+              </a:rPr>
+              <a:t>onTitleFinished</a:t>
+            </a:r>
+            <a:r>
+              <a:rPr lang="en-US" sz="1200" kern="1200" dirty="0" smtClean="0">
+                <a:solidFill>
+                  <a:schemeClr val="tx1"/>
+                </a:solidFill>
+                <a:latin typeface="+mn-lt"/>
+                <a:ea typeface="+mn-ea"/>
+                <a:cs typeface="+mn-cs"/>
+              </a:rPr>
+              <a:t>: {</a:t>
+            </a:r>
+          </a:p>
+          <a:p>
+            <a:r>
+              <a:rPr lang="en-US" sz="1200" kern="1200" dirty="0" smtClean="0">
+                <a:solidFill>
+                  <a:schemeClr val="tx1"/>
+                </a:solidFill>
+                <a:latin typeface="+mn-lt"/>
+                <a:ea typeface="+mn-ea"/>
+                <a:cs typeface="+mn-cs"/>
+              </a:rPr>
+              <a:t>&lt;             </a:t>
+            </a:r>
+            <a:r>
+              <a:rPr lang="en-US" sz="1200" kern="1200" dirty="0" err="1" smtClean="0">
+                <a:solidFill>
+                  <a:schemeClr val="tx1"/>
+                </a:solidFill>
+                <a:latin typeface="+mn-lt"/>
+                <a:ea typeface="+mn-ea"/>
+                <a:cs typeface="+mn-cs"/>
+              </a:rPr>
+              <a:t>titleText.text</a:t>
+            </a:r>
+            <a:r>
+              <a:rPr lang="en-US" sz="1200" kern="1200" dirty="0" smtClean="0">
+                <a:solidFill>
+                  <a:schemeClr val="tx1"/>
+                </a:solidFill>
+                <a:latin typeface="+mn-lt"/>
+                <a:ea typeface="+mn-ea"/>
+                <a:cs typeface="+mn-cs"/>
+              </a:rPr>
+              <a:t> = title</a:t>
+            </a:r>
+          </a:p>
+          <a:p>
+            <a:r>
+              <a:rPr lang="en-US" sz="1200" kern="1200" dirty="0" smtClean="0">
+                <a:solidFill>
+                  <a:schemeClr val="tx1"/>
+                </a:solidFill>
+                <a:latin typeface="+mn-lt"/>
+                <a:ea typeface="+mn-ea"/>
+                <a:cs typeface="+mn-cs"/>
+              </a:rPr>
+              <a:t>&lt;         }</a:t>
+            </a:r>
+          </a:p>
+          <a:p>
+            <a:r>
+              <a:rPr lang="en-US" sz="1200" kern="1200" dirty="0" smtClean="0">
+                <a:solidFill>
+                  <a:schemeClr val="tx1"/>
+                </a:solidFill>
+                <a:latin typeface="+mn-lt"/>
+                <a:ea typeface="+mn-ea"/>
+                <a:cs typeface="+mn-cs"/>
+              </a:rPr>
+              <a:t>&lt;         </a:t>
+            </a:r>
+            <a:r>
+              <a:rPr lang="en-US" sz="1200" kern="1200" dirty="0" err="1" smtClean="0">
+                <a:solidFill>
+                  <a:schemeClr val="tx1"/>
+                </a:solidFill>
+                <a:latin typeface="+mn-lt"/>
+                <a:ea typeface="+mn-ea"/>
+                <a:cs typeface="+mn-cs"/>
+              </a:rPr>
+              <a:t>onImageProgressChanged</a:t>
+            </a:r>
+            <a:r>
+              <a:rPr lang="en-US" sz="1200" kern="1200" dirty="0" smtClean="0">
+                <a:solidFill>
+                  <a:schemeClr val="tx1"/>
+                </a:solidFill>
+                <a:latin typeface="+mn-lt"/>
+                <a:ea typeface="+mn-ea"/>
+                <a:cs typeface="+mn-cs"/>
+              </a:rPr>
+              <a:t>: {</a:t>
+            </a:r>
+          </a:p>
+          <a:p>
+            <a:r>
+              <a:rPr lang="en-US" sz="1200" kern="1200" dirty="0" smtClean="0">
+                <a:solidFill>
+                  <a:schemeClr val="tx1"/>
+                </a:solidFill>
+                <a:latin typeface="+mn-lt"/>
+                <a:ea typeface="+mn-ea"/>
+                <a:cs typeface="+mn-cs"/>
+              </a:rPr>
+              <a:t>&lt;             </a:t>
+            </a:r>
+            <a:r>
+              <a:rPr lang="en-US" sz="1200" kern="1200" dirty="0" err="1" smtClean="0">
+                <a:solidFill>
+                  <a:schemeClr val="tx1"/>
+                </a:solidFill>
+                <a:latin typeface="+mn-lt"/>
+                <a:ea typeface="+mn-ea"/>
+                <a:cs typeface="+mn-cs"/>
+              </a:rPr>
+              <a:t>progressBar.value</a:t>
+            </a:r>
+            <a:r>
+              <a:rPr lang="en-US" sz="1200" kern="1200" dirty="0" smtClean="0">
+                <a:solidFill>
+                  <a:schemeClr val="tx1"/>
+                </a:solidFill>
+                <a:latin typeface="+mn-lt"/>
+                <a:ea typeface="+mn-ea"/>
+                <a:cs typeface="+mn-cs"/>
+              </a:rPr>
+              <a:t> = progress/100.0</a:t>
+            </a:r>
+          </a:p>
+          <a:p>
+            <a:r>
+              <a:rPr lang="en-US" sz="1200" kern="1200" dirty="0" smtClean="0">
+                <a:solidFill>
+                  <a:schemeClr val="tx1"/>
+                </a:solidFill>
+                <a:latin typeface="+mn-lt"/>
+                <a:ea typeface="+mn-ea"/>
+                <a:cs typeface="+mn-cs"/>
+              </a:rPr>
+              <a:t>&lt;         }</a:t>
+            </a:r>
+          </a:p>
+          <a:p>
+            <a:r>
+              <a:rPr lang="en-US" sz="1200" kern="1200" dirty="0" smtClean="0">
+                <a:solidFill>
+                  <a:schemeClr val="tx1"/>
+                </a:solidFill>
+                <a:latin typeface="+mn-lt"/>
+                <a:ea typeface="+mn-ea"/>
+                <a:cs typeface="+mn-cs"/>
+              </a:rPr>
+              <a:t>&lt;         </a:t>
+            </a:r>
+            <a:r>
+              <a:rPr lang="en-US" sz="1200" kern="1200" dirty="0" err="1" smtClean="0">
+                <a:solidFill>
+                  <a:schemeClr val="tx1"/>
+                </a:solidFill>
+                <a:latin typeface="+mn-lt"/>
+                <a:ea typeface="+mn-ea"/>
+                <a:cs typeface="+mn-cs"/>
+              </a:rPr>
+              <a:t>onImageFinished</a:t>
+            </a:r>
+            <a:r>
+              <a:rPr lang="en-US" sz="1200" kern="1200" dirty="0" smtClean="0">
+                <a:solidFill>
+                  <a:schemeClr val="tx1"/>
+                </a:solidFill>
+                <a:latin typeface="+mn-lt"/>
+                <a:ea typeface="+mn-ea"/>
+                <a:cs typeface="+mn-cs"/>
+              </a:rPr>
+              <a:t>: {</a:t>
+            </a:r>
+          </a:p>
+          <a:p>
+            <a:r>
+              <a:rPr lang="en-US" sz="1200" kern="1200" dirty="0" smtClean="0">
+                <a:solidFill>
+                  <a:schemeClr val="tx1"/>
+                </a:solidFill>
+                <a:latin typeface="+mn-lt"/>
+                <a:ea typeface="+mn-ea"/>
+                <a:cs typeface="+mn-cs"/>
+              </a:rPr>
+              <a:t>&lt;             </a:t>
+            </a:r>
+            <a:r>
+              <a:rPr lang="en-US" sz="1200" kern="1200" dirty="0" err="1" smtClean="0">
+                <a:solidFill>
+                  <a:schemeClr val="tx1"/>
+                </a:solidFill>
+                <a:latin typeface="+mn-lt"/>
+                <a:ea typeface="+mn-ea"/>
+                <a:cs typeface="+mn-cs"/>
+              </a:rPr>
+              <a:t>image.source</a:t>
+            </a:r>
+            <a:r>
+              <a:rPr lang="en-US" sz="1200" kern="1200" dirty="0" smtClean="0">
+                <a:solidFill>
+                  <a:schemeClr val="tx1"/>
+                </a:solidFill>
+                <a:latin typeface="+mn-lt"/>
+                <a:ea typeface="+mn-ea"/>
+                <a:cs typeface="+mn-cs"/>
+              </a:rPr>
+              <a:t> = "image://</a:t>
+            </a:r>
+            <a:r>
+              <a:rPr lang="en-US" sz="1200" kern="1200" dirty="0" err="1" smtClean="0">
+                <a:solidFill>
+                  <a:schemeClr val="tx1"/>
+                </a:solidFill>
+                <a:latin typeface="+mn-lt"/>
+                <a:ea typeface="+mn-ea"/>
+                <a:cs typeface="+mn-cs"/>
+              </a:rPr>
+              <a:t>xkcd</a:t>
+            </a:r>
+            <a:r>
+              <a:rPr lang="en-US" sz="1200" kern="1200" dirty="0" smtClean="0">
+                <a:solidFill>
+                  <a:schemeClr val="tx1"/>
+                </a:solidFill>
+                <a:latin typeface="+mn-lt"/>
+                <a:ea typeface="+mn-ea"/>
+                <a:cs typeface="+mn-cs"/>
+              </a:rPr>
+              <a:t>/" + </a:t>
+            </a:r>
+            <a:r>
+              <a:rPr lang="en-US" sz="1200" kern="1200" dirty="0" err="1" smtClean="0">
+                <a:solidFill>
+                  <a:schemeClr val="tx1"/>
+                </a:solidFill>
+                <a:latin typeface="+mn-lt"/>
+                <a:ea typeface="+mn-ea"/>
+                <a:cs typeface="+mn-cs"/>
+              </a:rPr>
+              <a:t>xkcdID</a:t>
+            </a:r>
+            <a:endParaRPr lang="en-US" sz="1200" kern="1200" dirty="0" smtClean="0">
+              <a:solidFill>
+                <a:schemeClr val="tx1"/>
+              </a:solidFill>
+              <a:latin typeface="+mn-lt"/>
+              <a:ea typeface="+mn-ea"/>
+              <a:cs typeface="+mn-cs"/>
+            </a:endParaRPr>
+          </a:p>
+          <a:p>
+            <a:r>
+              <a:rPr lang="en-US" sz="1200" kern="1200" dirty="0" smtClean="0">
+                <a:solidFill>
+                  <a:schemeClr val="tx1"/>
+                </a:solidFill>
+                <a:latin typeface="+mn-lt"/>
+                <a:ea typeface="+mn-ea"/>
+                <a:cs typeface="+mn-cs"/>
+              </a:rPr>
+              <a:t>&lt;         }</a:t>
+            </a:r>
+          </a:p>
+          <a:p>
+            <a:r>
+              <a:rPr lang="en-US" sz="1200" kern="1200" dirty="0" smtClean="0">
+                <a:solidFill>
+                  <a:schemeClr val="tx1"/>
+                </a:solidFill>
+                <a:latin typeface="+mn-lt"/>
+                <a:ea typeface="+mn-ea"/>
+                <a:cs typeface="+mn-cs"/>
+              </a:rPr>
+              <a:t>&lt;     }</a:t>
+            </a:r>
+          </a:p>
+          <a:p>
+            <a:endParaRPr lang="en-US" dirty="0"/>
+          </a:p>
+        </p:txBody>
+      </p:sp>
+      <p:sp>
+        <p:nvSpPr>
+          <p:cNvPr id="4" name="Foliennummernplatzhalter 3"/>
+          <p:cNvSpPr>
+            <a:spLocks noGrp="1"/>
+          </p:cNvSpPr>
+          <p:nvPr>
+            <p:ph type="sldNum" sz="quarter" idx="10"/>
+          </p:nvPr>
+        </p:nvSpPr>
+        <p:spPr/>
+        <p:txBody>
+          <a:bodyPr/>
+          <a:lstStyle/>
+          <a:p>
+            <a:fld id="{A5831B84-C3EB-524A-9C75-3ABC5C5F853A}" type="slidenum">
+              <a:rPr lang="de-DE" smtClean="0"/>
               <a:t>16</a:t>
             </a:fld>
             <a:endParaRPr lang="de-DE"/>
@@ -7273,7 +7357,7 @@
 </p:notes>
 </file>
 
-<file path=ppt/notesSlides/notesSlide7.xml><?xml version="1.0" encoding="utf-8"?>
+<file path=ppt/notesSlides/notesSlide8.xml><?xml version="1.0" encoding="utf-8"?>
 <p:notes xmlns:a="http://schemas.openxmlformats.org/drawingml/2006/main" xmlns:r="http://schemas.openxmlformats.org/officeDocument/2006/relationships" xmlns:p="http://schemas.openxmlformats.org/presentationml/2006/main">
   <p:cSld>
     <p:spTree>
@@ -7603,7 +7687,7 @@
           <a:p>
             <a:fld id="{B5262035-8041-304C-B944-69602EA709BC}" type="datetimeFigureOut">
               <a:rPr lang="de-DE" smtClean="0"/>
-              <a:t>13.03.2016</a:t>
+              <a:t>14.03.16</a:t>
             </a:fld>
             <a:endParaRPr lang="de-DE"/>
           </a:p>
@@ -7773,7 +7857,7 @@
           <a:p>
             <a:fld id="{B5262035-8041-304C-B944-69602EA709BC}" type="datetimeFigureOut">
               <a:rPr lang="de-DE" smtClean="0"/>
-              <a:t>13.03.2016</a:t>
+              <a:t>14.03.16</a:t>
             </a:fld>
             <a:endParaRPr lang="de-DE"/>
           </a:p>
@@ -7953,7 +8037,7 @@
           <a:p>
             <a:fld id="{B5262035-8041-304C-B944-69602EA709BC}" type="datetimeFigureOut">
               <a:rPr lang="de-DE" smtClean="0"/>
-              <a:t>13.03.2016</a:t>
+              <a:t>14.03.16</a:t>
             </a:fld>
             <a:endParaRPr lang="de-DE"/>
           </a:p>
@@ -8123,7 +8207,7 @@
           <a:p>
             <a:fld id="{B5262035-8041-304C-B944-69602EA709BC}" type="datetimeFigureOut">
               <a:rPr lang="de-DE" smtClean="0"/>
-              <a:t>13.03.2016</a:t>
+              <a:t>14.03.16</a:t>
             </a:fld>
             <a:endParaRPr lang="de-DE"/>
           </a:p>
@@ -8369,7 +8453,7 @@
           <a:p>
             <a:fld id="{B5262035-8041-304C-B944-69602EA709BC}" type="datetimeFigureOut">
               <a:rPr lang="de-DE" smtClean="0"/>
-              <a:t>13.03.2016</a:t>
+              <a:t>14.03.16</a:t>
             </a:fld>
             <a:endParaRPr lang="de-DE"/>
           </a:p>
@@ -8601,7 +8685,7 @@
           <a:p>
             <a:fld id="{B5262035-8041-304C-B944-69602EA709BC}" type="datetimeFigureOut">
               <a:rPr lang="de-DE" smtClean="0"/>
-              <a:t>13.03.2016</a:t>
+              <a:t>14.03.16</a:t>
             </a:fld>
             <a:endParaRPr lang="de-DE"/>
           </a:p>
@@ -8968,7 +9052,7 @@
           <a:p>
             <a:fld id="{B5262035-8041-304C-B944-69602EA709BC}" type="datetimeFigureOut">
               <a:rPr lang="de-DE" smtClean="0"/>
-              <a:t>13.03.2016</a:t>
+              <a:t>14.03.16</a:t>
             </a:fld>
             <a:endParaRPr lang="de-DE"/>
           </a:p>
@@ -9086,7 +9170,7 @@
           <a:p>
             <a:fld id="{B5262035-8041-304C-B944-69602EA709BC}" type="datetimeFigureOut">
               <a:rPr lang="de-DE" smtClean="0"/>
-              <a:t>13.03.2016</a:t>
+              <a:t>14.03.16</a:t>
             </a:fld>
             <a:endParaRPr lang="de-DE"/>
           </a:p>
@@ -9181,7 +9265,7 @@
           <a:p>
             <a:fld id="{B5262035-8041-304C-B944-69602EA709BC}" type="datetimeFigureOut">
               <a:rPr lang="de-DE" smtClean="0"/>
-              <a:t>13.03.2016</a:t>
+              <a:t>14.03.16</a:t>
             </a:fld>
             <a:endParaRPr lang="de-DE"/>
           </a:p>
@@ -9458,7 +9542,7 @@
           <a:p>
             <a:fld id="{B5262035-8041-304C-B944-69602EA709BC}" type="datetimeFigureOut">
               <a:rPr lang="de-DE" smtClean="0"/>
-              <a:t>13.03.2016</a:t>
+              <a:t>14.03.16</a:t>
             </a:fld>
             <a:endParaRPr lang="de-DE"/>
           </a:p>
@@ -9711,7 +9795,7 @@
           <a:p>
             <a:fld id="{B5262035-8041-304C-B944-69602EA709BC}" type="datetimeFigureOut">
               <a:rPr lang="de-DE" smtClean="0"/>
-              <a:t>13.03.2016</a:t>
+              <a:t>14.03.16</a:t>
             </a:fld>
             <a:endParaRPr lang="de-DE"/>
           </a:p>
@@ -9924,7 +10008,7 @@
           <a:p>
             <a:fld id="{B5262035-8041-304C-B944-69602EA709BC}" type="datetimeFigureOut">
               <a:rPr lang="de-DE" smtClean="0"/>
-              <a:t>13.03.2016</a:t>
+              <a:t>14.03.16</a:t>
             </a:fld>
             <a:endParaRPr lang="de-DE"/>
           </a:p>
@@ -10385,6 +10469,13 @@
   <p:clrMapOvr>
     <a:masterClrMapping/>
   </p:clrMapOvr>
+  <p:timing>
+    <p:tnLst>
+      <p:par>
+        <p:cTn id="1" dur="indefinite" restart="never" nodeType="tmRoot"/>
+      </p:par>
+    </p:tnLst>
+  </p:timing>
 </p:sld>
 </file>
 
@@ -11488,8 +11579,8 @@
         </p:nvCxnSpPr>
         <p:spPr>
           <a:xfrm flipH="1">
-            <a:off x="3343275" y="3076575"/>
-            <a:ext cx="2114551" cy="1076325"/>
+            <a:off x="3998563" y="3076575"/>
+            <a:ext cx="1459264" cy="983981"/>
           </a:xfrm>
           <a:prstGeom prst="straightConnector1">
             <a:avLst/>
@@ -11651,8 +11742,8 @@
         </p:nvSpPr>
         <p:spPr>
           <a:xfrm>
-            <a:off x="3214687" y="2336026"/>
-            <a:ext cx="5762625" cy="307777"/>
+            <a:off x="2459751" y="2310983"/>
+            <a:ext cx="7272498" cy="307777"/>
           </a:xfrm>
           <a:prstGeom prst="rect">
             <a:avLst/>
@@ -11830,8 +11921,8 @@
         </p:nvSpPr>
         <p:spPr>
           <a:xfrm>
-            <a:off x="838201" y="3283148"/>
-            <a:ext cx="10515600" cy="2246769"/>
+            <a:off x="78783" y="3283148"/>
+            <a:ext cx="12071887" cy="2246769"/>
           </a:xfrm>
           <a:prstGeom prst="rect">
             <a:avLst/>
@@ -13072,7 +13163,7 @@
         </p:nvSpPr>
         <p:spPr>
           <a:xfrm>
-            <a:off x="4676775" y="3543300"/>
+            <a:off x="5343200" y="3543300"/>
             <a:ext cx="1371600" cy="238125"/>
           </a:xfrm>
           <a:prstGeom prst="rect">
@@ -13118,7 +13209,7 @@
         </p:nvSpPr>
         <p:spPr>
           <a:xfrm>
-            <a:off x="4600575" y="4182645"/>
+            <a:off x="5267000" y="4182645"/>
             <a:ext cx="1000125" cy="238125"/>
           </a:xfrm>
           <a:prstGeom prst="rect">
@@ -13164,7 +13255,7 @@
         </p:nvSpPr>
         <p:spPr>
           <a:xfrm>
-            <a:off x="4676775" y="5041065"/>
+            <a:off x="5343200" y="5041065"/>
             <a:ext cx="923925" cy="238125"/>
           </a:xfrm>
           <a:prstGeom prst="rect">
@@ -13293,8 +13384,8 @@
         </p:nvSpPr>
         <p:spPr>
           <a:xfrm>
-            <a:off x="3248025" y="2627116"/>
-            <a:ext cx="5695950" cy="3539430"/>
+            <a:off x="2783802" y="2627116"/>
+            <a:ext cx="6624395" cy="3539430"/>
           </a:xfrm>
           <a:prstGeom prst="rect">
             <a:avLst/>
@@ -13921,7 +14012,7 @@
                 </a:highlight>
                 <a:latin typeface="PT Mono"/>
               </a:rPr>
-              <a:t>  </a:t>
+              <a:t> </a:t>
             </a:r>
             <a:r>
               <a:rPr lang="en-US" sz="1400" dirty="0" smtClean="0">
@@ -14219,8 +14310,8 @@
         </p:nvSpPr>
         <p:spPr>
           <a:xfrm>
-            <a:off x="4752975" y="5224797"/>
-            <a:ext cx="1276350" cy="238125"/>
+            <a:off x="4528316" y="5224797"/>
+            <a:ext cx="1437945" cy="267777"/>
           </a:xfrm>
           <a:prstGeom prst="rect">
             <a:avLst/>
@@ -14265,8 +14356,8 @@
         </p:nvSpPr>
         <p:spPr>
           <a:xfrm>
-            <a:off x="4524375" y="2897940"/>
-            <a:ext cx="1000125" cy="238125"/>
+            <a:off x="4370523" y="2897940"/>
+            <a:ext cx="1153978" cy="186223"/>
           </a:xfrm>
           <a:prstGeom prst="rect">
             <a:avLst/>
@@ -14311,7 +14402,7 @@
         </p:nvSpPr>
         <p:spPr>
           <a:xfrm>
-            <a:off x="4857750" y="4158706"/>
+            <a:off x="4591380" y="4169306"/>
             <a:ext cx="923925" cy="238125"/>
           </a:xfrm>
           <a:prstGeom prst="rect">
@@ -14450,8 +14541,8 @@
         </p:nvSpPr>
         <p:spPr>
           <a:xfrm>
-            <a:off x="3124200" y="2442684"/>
-            <a:ext cx="5943600" cy="738664"/>
+            <a:off x="2360886" y="2450622"/>
+            <a:ext cx="7470228" cy="738664"/>
           </a:xfrm>
           <a:prstGeom prst="rect">
             <a:avLst/>
@@ -19093,11 +19184,7 @@
           <a:p>
             <a:r>
               <a:rPr lang="en-US" dirty="0" smtClean="0"/>
-              <a:t>C</a:t>
-            </a:r>
-            <a:r>
-              <a:rPr lang="en-US" dirty="0" smtClean="0"/>
-              <a:t>++ bindings</a:t>
+              <a:t>C++ bindings</a:t>
             </a:r>
             <a:endParaRPr lang="en-US" dirty="0"/>
           </a:p>
@@ -19113,6 +19200,13 @@
   <p:clrMapOvr>
     <a:masterClrMapping/>
   </p:clrMapOvr>
+  <p:timing>
+    <p:tnLst>
+      <p:par>
+        <p:cTn id="1" dur="indefinite" restart="never" nodeType="tmRoot"/>
+      </p:par>
+    </p:tnLst>
+  </p:timing>
 </p:sld>
 </file>
 
@@ -19221,11 +19315,7 @@
           <a:p>
             <a:r>
               <a:rPr lang="en-US" dirty="0" smtClean="0"/>
-              <a:t>Created to make “Fluid UIs” (UIs where every transition is made smooth with an animation</a:t>
-            </a:r>
-            <a:r>
-              <a:rPr lang="en-US" dirty="0" smtClean="0"/>
-              <a:t>)</a:t>
+              <a:t>Created to make “Fluid UIs” (UIs where every transition is made smooth with an animation)</a:t>
             </a:r>
           </a:p>
           <a:p>
@@ -19247,6 +19337,13 @@
   <p:clrMapOvr>
     <a:masterClrMapping/>
   </p:clrMapOvr>
+  <p:timing>
+    <p:tnLst>
+      <p:par>
+        <p:cTn id="1" dur="indefinite" restart="never" nodeType="tmRoot"/>
+      </p:par>
+    </p:tnLst>
+  </p:timing>
 </p:sld>
 </file>
 
@@ -19316,11 +19413,7 @@
           <a:p>
             <a:r>
               <a:rPr lang="en-US" dirty="0" smtClean="0"/>
-              <a:t>Nested </a:t>
-            </a:r>
-            <a:r>
-              <a:rPr lang="en-US" dirty="0" smtClean="0"/>
-              <a:t>Objects</a:t>
+              <a:t>Nested Objects</a:t>
             </a:r>
           </a:p>
           <a:p>
@@ -20710,6 +20803,13 @@
   <p:clrMapOvr>
     <a:masterClrMapping/>
   </p:clrMapOvr>
+  <p:timing>
+    <p:tnLst>
+      <p:par>
+        <p:cTn id="1" dur="indefinite" restart="never" nodeType="tmRoot"/>
+      </p:par>
+    </p:tnLst>
+  </p:timing>
 </p:sld>
 </file>
 
@@ -20790,7 +20890,7 @@
         <p:spPr>
           <a:xfrm>
             <a:off x="838200" y="3129975"/>
-            <a:ext cx="3095625" cy="3046988"/>
+            <a:ext cx="4028268" cy="3046988"/>
           </a:xfrm>
           <a:prstGeom prst="rect">
             <a:avLst/>
@@ -21722,8 +21822,8 @@
         </p:nvSpPr>
         <p:spPr>
           <a:xfrm>
-            <a:off x="3933825" y="3129975"/>
-            <a:ext cx="7419975" cy="3397053"/>
+            <a:off x="4866468" y="3129975"/>
+            <a:ext cx="6487332" cy="3397053"/>
           </a:xfrm>
           <a:prstGeom prst="rect">
             <a:avLst/>
@@ -21913,7 +22013,7 @@
         </p:nvCxnSpPr>
         <p:spPr>
           <a:xfrm flipH="1">
-            <a:off x="2571750" y="3732707"/>
+            <a:off x="3514724" y="3643489"/>
             <a:ext cx="1638300" cy="829768"/>
           </a:xfrm>
           <a:prstGeom prst="straightConnector1">
@@ -21946,8 +22046,8 @@
         </p:nvCxnSpPr>
         <p:spPr>
           <a:xfrm flipH="1" flipV="1">
-            <a:off x="3200401" y="3476625"/>
-            <a:ext cx="942974" cy="76200"/>
+            <a:off x="4572000" y="3502617"/>
+            <a:ext cx="581024" cy="96703"/>
           </a:xfrm>
           <a:prstGeom prst="straightConnector1">
             <a:avLst/>
@@ -21981,6 +22081,13 @@
   <p:clrMapOvr>
     <a:masterClrMapping/>
   </p:clrMapOvr>
+  <p:timing>
+    <p:tnLst>
+      <p:par>
+        <p:cTn id="1" dur="indefinite" restart="never" nodeType="tmRoot"/>
+      </p:par>
+    </p:tnLst>
+  </p:timing>
 </p:sld>
 </file>
 
@@ -23067,8 +23174,8 @@
         </p:nvCxnSpPr>
         <p:spPr>
           <a:xfrm flipH="1" flipV="1">
-            <a:off x="2428875" y="2895600"/>
-            <a:ext cx="3403075" cy="380236"/>
+            <a:off x="2758698" y="3115159"/>
+            <a:ext cx="3073253" cy="160677"/>
           </a:xfrm>
           <a:prstGeom prst="straightConnector1">
             <a:avLst/>
@@ -23135,6 +23242,13 @@
   <p:clrMapOvr>
     <a:masterClrMapping/>
   </p:clrMapOvr>
+  <p:timing>
+    <p:tnLst>
+      <p:par>
+        <p:cTn id="1" dur="indefinite" restart="never" nodeType="tmRoot"/>
+      </p:par>
+    </p:tnLst>
+  </p:timing>
 </p:sld>
 </file>
 
@@ -23190,12 +23304,14 @@
         </p:nvSpPr>
         <p:spPr>
           <a:xfrm>
-            <a:off x="5181600" y="1825625"/>
-            <a:ext cx="6172200" cy="4351338"/>
+            <a:off x="6695268" y="1825625"/>
+            <a:ext cx="4658532" cy="4351338"/>
           </a:xfrm>
         </p:spPr>
         <p:txBody>
-          <a:bodyPr/>
+          <a:bodyPr>
+            <a:normAutofit lnSpcReduction="10000"/>
+          </a:bodyPr>
           <a:lstStyle/>
           <a:p>
             <a:r>
@@ -23237,8 +23353,8 @@
         </p:nvSpPr>
         <p:spPr>
           <a:xfrm>
-            <a:off x="835550" y="1825625"/>
-            <a:ext cx="4346050" cy="3600986"/>
+            <a:off x="835549" y="1825625"/>
+            <a:ext cx="5859719" cy="3785652"/>
           </a:xfrm>
           <a:prstGeom prst="rect">
             <a:avLst/>
@@ -23265,8 +23381,46 @@
           <a:lstStyle/>
           <a:p>
             <a:r>
+              <a:rPr lang="en-US" sz="1200" dirty="0" err="1" smtClean="0">
+                <a:solidFill>
+                  <a:srgbClr val="800080"/>
+                </a:solidFill>
+                <a:highlight>
+                  <a:srgbClr val="FFFFFF"/>
+                </a:highlight>
+                <a:latin typeface="PT Mono"/>
+              </a:rPr>
+              <a:t>RowLayout</a:t>
+            </a:r>
+            <a:r>
               <a:rPr lang="en-US" sz="1200" dirty="0" smtClean="0">
                 <a:solidFill>
+                  <a:srgbClr val="000000"/>
+                </a:solidFill>
+                <a:highlight>
+                  <a:srgbClr val="FFFFFF"/>
+                </a:highlight>
+                <a:latin typeface="PT Mono"/>
+              </a:rPr>
+              <a:t> </a:t>
+            </a:r>
+            <a:r>
+              <a:rPr lang="en-US" sz="1200" dirty="0">
+                <a:solidFill>
+                  <a:srgbClr val="000000"/>
+                </a:solidFill>
+                <a:highlight>
+                  <a:srgbClr val="FFFFFF"/>
+                </a:highlight>
+                <a:latin typeface="PT Mono"/>
+              </a:rPr>
+              <a:t>{</a:t>
+            </a:r>
+          </a:p>
+          <a:p>
+            <a:r>
+              <a:rPr lang="en-US" sz="1200" dirty="0" smtClean="0">
+                <a:solidFill>
                   <a:srgbClr val="800080"/>
                 </a:solidFill>
                 <a:highlight>
@@ -23274,7 +23428,7 @@
                 </a:highlight>
                 <a:latin typeface="PT Mono"/>
               </a:rPr>
-              <a:t>        </a:t>
+              <a:t>    </a:t>
             </a:r>
             <a:r>
               <a:rPr lang="en-US" sz="1200" dirty="0" err="1" smtClean="0">
@@ -23286,7 +23440,7 @@
                 </a:highlight>
                 <a:latin typeface="PT Mono"/>
               </a:rPr>
-              <a:t>RowLayout</a:t>
+              <a:t>TextField</a:t>
             </a:r>
             <a:r>
               <a:rPr lang="en-US" sz="1200" dirty="0" smtClean="0">
@@ -23315,6 +23469,18 @@
           </a:p>
           <a:p>
             <a:r>
+              <a:rPr lang="en-US" sz="1200" dirty="0" smtClean="0">
+                <a:solidFill>
+                  <a:srgbClr val="800000"/>
+                </a:solidFill>
+                <a:highlight>
+                  <a:srgbClr val="FFFFFF"/>
+                </a:highlight>
+                <a:latin typeface="PT Mono"/>
+              </a:rPr>
+              <a:t>        id</a:t>
+            </a:r>
+            <a:r>
               <a:rPr lang="en-US" sz="1200" dirty="0">
                 <a:solidFill>
                   <a:srgbClr val="000000"/>
@@ -23324,48 +23490,10 @@
                 </a:highlight>
                 <a:latin typeface="PT Mono"/>
               </a:rPr>
-              <a:t>            </a:t>
-            </a:r>
-            <a:r>
-              <a:rPr lang="en-US" sz="1200" dirty="0" err="1">
-                <a:solidFill>
-                  <a:srgbClr val="800080"/>
-                </a:solidFill>
-                <a:highlight>
-                  <a:srgbClr val="FFFFFF"/>
-                </a:highlight>
-                <a:latin typeface="PT Mono"/>
-              </a:rPr>
-              <a:t>TextField</a:t>
-            </a:r>
-            <a:r>
-              <a:rPr lang="en-US" sz="1200" dirty="0">
-                <a:solidFill>
-                  <a:srgbClr val="000000"/>
-                </a:solidFill>
-                <a:highlight>
-                  <a:srgbClr val="FFFFFF"/>
-                </a:highlight>
-                <a:latin typeface="PT Mono"/>
-              </a:rPr>
-              <a:t> {</a:t>
-            </a:r>
-          </a:p>
-          <a:p>
-            <a:r>
-              <a:rPr lang="en-US" sz="1200" dirty="0">
-                <a:solidFill>
-                  <a:srgbClr val="000000"/>
-                </a:solidFill>
-                <a:highlight>
-                  <a:srgbClr val="FFFFFF"/>
-                </a:highlight>
-                <a:latin typeface="PT Mono"/>
-              </a:rPr>
-              <a:t>                </a:t>
-            </a:r>
-            <a:r>
-              <a:rPr lang="en-US" sz="1200" dirty="0">
+              <a:t>: </a:t>
+            </a:r>
+            <a:r>
+              <a:rPr lang="en-US" sz="1200" dirty="0" smtClean="0">
                 <a:solidFill>
                   <a:srgbClr val="800000"/>
                 </a:solidFill>
@@ -23374,131 +23502,7 @@
                 </a:highlight>
                 <a:latin typeface="PT Mono"/>
               </a:rPr>
-              <a:t>id</a:t>
-            </a:r>
-            <a:r>
-              <a:rPr lang="en-US" sz="1200" dirty="0">
-                <a:solidFill>
-                  <a:srgbClr val="000000"/>
-                </a:solidFill>
-                <a:highlight>
-                  <a:srgbClr val="FFFFFF"/>
-                </a:highlight>
-                <a:latin typeface="PT Mono"/>
-              </a:rPr>
-              <a:t>: </a:t>
-            </a:r>
-            <a:r>
-              <a:rPr lang="en-US" sz="1200" dirty="0">
-                <a:solidFill>
-                  <a:srgbClr val="800000"/>
-                </a:solidFill>
-                <a:highlight>
-                  <a:srgbClr val="FFFFFF"/>
-                </a:highlight>
-                <a:latin typeface="PT Mono"/>
-              </a:rPr>
               <a:t>n1</a:t>
-            </a:r>
-            <a:r>
-              <a:rPr lang="en-US" sz="1200" dirty="0">
-                <a:solidFill>
-                  <a:srgbClr val="000000"/>
-                </a:solidFill>
-                <a:highlight>
-                  <a:srgbClr val="FFFFFF"/>
-                </a:highlight>
-                <a:latin typeface="PT Mono"/>
-              </a:rPr>
-              <a:t>        }</a:t>
-            </a:r>
-          </a:p>
-          <a:p>
-            <a:r>
-              <a:rPr lang="en-US" sz="1200" dirty="0">
-                <a:solidFill>
-                  <a:srgbClr val="000000"/>
-                </a:solidFill>
-                <a:highlight>
-                  <a:srgbClr val="FFFFFF"/>
-                </a:highlight>
-                <a:latin typeface="PT Mono"/>
-              </a:rPr>
-              <a:t>            </a:t>
-            </a:r>
-            <a:r>
-              <a:rPr lang="en-US" sz="1200" dirty="0">
-                <a:solidFill>
-                  <a:srgbClr val="800080"/>
-                </a:solidFill>
-                <a:highlight>
-                  <a:srgbClr val="FFFFFF"/>
-                </a:highlight>
-                <a:latin typeface="PT Mono"/>
-              </a:rPr>
-              <a:t>Text</a:t>
-            </a:r>
-            <a:r>
-              <a:rPr lang="en-US" sz="1200" dirty="0">
-                <a:solidFill>
-                  <a:srgbClr val="000000"/>
-                </a:solidFill>
-                <a:highlight>
-                  <a:srgbClr val="FFFFFF"/>
-                </a:highlight>
-                <a:latin typeface="PT Mono"/>
-              </a:rPr>
-              <a:t> {</a:t>
-            </a:r>
-          </a:p>
-          <a:p>
-            <a:r>
-              <a:rPr lang="en-US" sz="1200" dirty="0">
-                <a:solidFill>
-                  <a:srgbClr val="000000"/>
-                </a:solidFill>
-                <a:highlight>
-                  <a:srgbClr val="FFFFFF"/>
-                </a:highlight>
-                <a:latin typeface="PT Mono"/>
-              </a:rPr>
-              <a:t>                </a:t>
-            </a:r>
-            <a:r>
-              <a:rPr lang="en-US" sz="1200" dirty="0">
-                <a:solidFill>
-                  <a:srgbClr val="800000"/>
-                </a:solidFill>
-                <a:highlight>
-                  <a:srgbClr val="FFFFFF"/>
-                </a:highlight>
-                <a:latin typeface="PT Mono"/>
-              </a:rPr>
-              <a:t>text</a:t>
-            </a:r>
-            <a:r>
-              <a:rPr lang="en-US" sz="1200" dirty="0">
-                <a:solidFill>
-                  <a:srgbClr val="000000"/>
-                </a:solidFill>
-                <a:highlight>
-                  <a:srgbClr val="FFFFFF"/>
-                </a:highlight>
-                <a:latin typeface="PT Mono"/>
-              </a:rPr>
-              <a:t>: </a:t>
-            </a:r>
-            <a:r>
-              <a:rPr lang="en-US" sz="1200" dirty="0">
-                <a:solidFill>
-                  <a:srgbClr val="808080"/>
-                </a:solidFill>
-                <a:highlight>
-                  <a:srgbClr val="FFFFFF"/>
-                </a:highlight>
-                <a:latin typeface="PT Mono"/>
-              </a:rPr>
-              <a:t>"+"</a:t>
             </a:r>
             <a:endParaRPr lang="en-US" sz="1200" dirty="0">
               <a:solidFill>
@@ -23521,95 +23525,19 @@
                 </a:highlight>
                 <a:latin typeface="PT Mono"/>
               </a:rPr>
-              <a:t>            }</a:t>
-            </a:r>
-          </a:p>
-          <a:p>
-            <a:r>
-              <a:rPr lang="en-US" sz="1200" dirty="0">
-                <a:solidFill>
-                  <a:srgbClr val="000000"/>
-                </a:solidFill>
-                <a:highlight>
-                  <a:srgbClr val="FFFFFF"/>
-                </a:highlight>
-                <a:latin typeface="PT Mono"/>
-              </a:rPr>
-              <a:t>            </a:t>
-            </a:r>
-            <a:r>
-              <a:rPr lang="en-US" sz="1200" dirty="0" err="1">
-                <a:solidFill>
-                  <a:srgbClr val="800080"/>
-                </a:solidFill>
-                <a:highlight>
-                  <a:srgbClr val="FFFFFF"/>
-                </a:highlight>
-                <a:latin typeface="PT Mono"/>
-              </a:rPr>
-              <a:t>TextField</a:t>
-            </a:r>
-            <a:r>
-              <a:rPr lang="en-US" sz="1200" dirty="0">
-                <a:solidFill>
-                  <a:srgbClr val="000000"/>
-                </a:solidFill>
-                <a:highlight>
-                  <a:srgbClr val="FFFFFF"/>
-                </a:highlight>
-                <a:latin typeface="PT Mono"/>
-              </a:rPr>
-              <a:t> {</a:t>
-            </a:r>
-          </a:p>
-          <a:p>
-            <a:r>
-              <a:rPr lang="en-US" sz="1200" dirty="0">
-                <a:solidFill>
-                  <a:srgbClr val="000000"/>
-                </a:solidFill>
-                <a:highlight>
-                  <a:srgbClr val="FFFFFF"/>
-                </a:highlight>
-                <a:latin typeface="PT Mono"/>
-              </a:rPr>
-              <a:t>                </a:t>
-            </a:r>
-            <a:r>
-              <a:rPr lang="en-US" sz="1200" dirty="0">
-                <a:solidFill>
-                  <a:srgbClr val="800000"/>
-                </a:solidFill>
-                <a:highlight>
-                  <a:srgbClr val="FFFFFF"/>
-                </a:highlight>
-                <a:latin typeface="PT Mono"/>
-              </a:rPr>
-              <a:t>id</a:t>
-            </a:r>
-            <a:r>
-              <a:rPr lang="en-US" sz="1200" dirty="0">
-                <a:solidFill>
-                  <a:srgbClr val="000000"/>
-                </a:solidFill>
-                <a:highlight>
-                  <a:srgbClr val="FFFFFF"/>
-                </a:highlight>
-                <a:latin typeface="PT Mono"/>
-              </a:rPr>
-              <a:t>: </a:t>
-            </a:r>
-            <a:r>
-              <a:rPr lang="en-US" sz="1200" dirty="0">
-                <a:solidFill>
-                  <a:srgbClr val="800000"/>
-                </a:solidFill>
-                <a:highlight>
-                  <a:srgbClr val="FFFFFF"/>
-                </a:highlight>
-                <a:latin typeface="PT Mono"/>
-              </a:rPr>
-              <a:t>n2</a:t>
+              <a:t> </a:t>
+            </a:r>
+            <a:r>
+              <a:rPr lang="en-US" sz="1200" dirty="0" smtClean="0">
+                <a:solidFill>
+                  <a:srgbClr val="000000"/>
+                </a:solidFill>
+                <a:highlight>
+                  <a:srgbClr val="FFFFFF"/>
+                </a:highlight>
+                <a:latin typeface="PT Mono"/>
+              </a:rPr>
+              <a:t>   }</a:t>
             </a:r>
             <a:endParaRPr lang="en-US" sz="1200" dirty="0">
               <a:solidFill>
@@ -23632,10 +23560,32 @@
                 </a:highlight>
                 <a:latin typeface="PT Mono"/>
               </a:rPr>
-              <a:t>            }</a:t>
-            </a:r>
-          </a:p>
-          <a:p>
+              <a:t>    </a:t>
+            </a:r>
+            <a:r>
+              <a:rPr lang="en-US" sz="1200" dirty="0" smtClean="0">
+                <a:solidFill>
+                  <a:srgbClr val="800080"/>
+                </a:solidFill>
+                <a:highlight>
+                  <a:srgbClr val="FFFFFF"/>
+                </a:highlight>
+                <a:latin typeface="PT Mono"/>
+              </a:rPr>
+              <a:t>Text</a:t>
+            </a:r>
+            <a:r>
+              <a:rPr lang="en-US" sz="1200" dirty="0" smtClean="0">
+                <a:solidFill>
+                  <a:srgbClr val="000000"/>
+                </a:solidFill>
+                <a:highlight>
+                  <a:srgbClr val="FFFFFF"/>
+                </a:highlight>
+                <a:latin typeface="PT Mono"/>
+              </a:rPr>
+              <a:t> </a:t>
+            </a:r>
             <a:r>
               <a:rPr lang="en-US" sz="1200" dirty="0">
                 <a:solidFill>
@@ -23646,19 +23596,33 @@
                 </a:highlight>
                 <a:latin typeface="PT Mono"/>
               </a:rPr>
-              <a:t>            </a:t>
-            </a:r>
+              <a:t>{</a:t>
+            </a:r>
+          </a:p>
+          <a:p>
             <a:r>
               <a:rPr lang="en-US" sz="1200" dirty="0">
                 <a:solidFill>
-                  <a:srgbClr val="800080"/>
-                </a:solidFill>
-                <a:highlight>
-                  <a:srgbClr val="FFFFFF"/>
-                </a:highlight>
-                <a:latin typeface="PT Mono"/>
-              </a:rPr>
-              <a:t>Text</a:t>
+                  <a:srgbClr val="000000"/>
+                </a:solidFill>
+                <a:highlight>
+                  <a:srgbClr val="FFFFFF"/>
+                </a:highlight>
+                <a:latin typeface="PT Mono"/>
+              </a:rPr>
+              <a:t>         </a:t>
+            </a:r>
+            <a:r>
+              <a:rPr lang="en-US" sz="1200" dirty="0" smtClean="0">
+                <a:solidFill>
+                  <a:srgbClr val="800000"/>
+                </a:solidFill>
+                <a:highlight>
+                  <a:srgbClr val="FFFFFF"/>
+                </a:highlight>
+                <a:latin typeface="PT Mono"/>
+              </a:rPr>
+              <a:t>text</a:t>
             </a:r>
             <a:r>
               <a:rPr lang="en-US" sz="1200" dirty="0">
@@ -23670,49 +23634,11 @@
                 </a:highlight>
                 <a:latin typeface="PT Mono"/>
               </a:rPr>
-              <a:t> {</a:t>
-            </a:r>
-          </a:p>
-          <a:p>
+              <a:t>: </a:t>
+            </a:r>
             <a:r>
               <a:rPr lang="en-US" sz="1200" dirty="0">
                 <a:solidFill>
-                  <a:srgbClr val="000000"/>
-                </a:solidFill>
-                <a:highlight>
-                  <a:srgbClr val="FFFFFF"/>
-                </a:highlight>
-                <a:latin typeface="PT Mono"/>
-              </a:rPr>
-              <a:t>                </a:t>
-            </a:r>
-            <a:r>
-              <a:rPr lang="en-US" sz="1200" dirty="0">
-                <a:solidFill>
-                  <a:srgbClr val="800000"/>
-                </a:solidFill>
-                <a:highlight>
-                  <a:srgbClr val="FFFFFF"/>
-                </a:highlight>
-                <a:latin typeface="PT Mono"/>
-              </a:rPr>
-              <a:t>text</a:t>
-            </a:r>
-            <a:r>
-              <a:rPr lang="en-US" sz="1200" dirty="0">
-                <a:solidFill>
-                  <a:srgbClr val="000000"/>
-                </a:solidFill>
-                <a:highlight>
-                  <a:srgbClr val="FFFFFF"/>
-                </a:highlight>
-                <a:latin typeface="PT Mono"/>
-              </a:rPr>
-              <a:t>: </a:t>
-            </a:r>
-            <a:r>
-              <a:rPr lang="en-US" sz="1200" dirty="0">
-                <a:solidFill>
                   <a:srgbClr val="808080"/>
                 </a:solidFill>
                 <a:highlight>
@@ -23720,423 +23646,7 @@
                 </a:highlight>
                 <a:latin typeface="PT Mono"/>
               </a:rPr>
-              <a:t>" = "</a:t>
-            </a:r>
-            <a:r>
-              <a:rPr lang="en-US" sz="1200" dirty="0">
-                <a:solidFill>
-                  <a:srgbClr val="000000"/>
-                </a:solidFill>
-                <a:highlight>
-                  <a:srgbClr val="FFFFFF"/>
-                </a:highlight>
-                <a:latin typeface="PT Mono"/>
-              </a:rPr>
-              <a:t> + (</a:t>
-            </a:r>
-            <a:r>
-              <a:rPr lang="en-US" sz="1200" dirty="0" err="1">
-                <a:solidFill>
-                  <a:srgbClr val="800000"/>
-                </a:solidFill>
-                <a:highlight>
-                  <a:srgbClr val="FFFFFF"/>
-                </a:highlight>
-                <a:latin typeface="PT Mono"/>
-              </a:rPr>
-              <a:t>parseInt</a:t>
-            </a:r>
-            <a:r>
-              <a:rPr lang="en-US" sz="1200" dirty="0">
-                <a:solidFill>
-                  <a:srgbClr val="000000"/>
-                </a:solidFill>
-                <a:highlight>
-                  <a:srgbClr val="FFFFFF"/>
-                </a:highlight>
-                <a:latin typeface="PT Mono"/>
-              </a:rPr>
-              <a:t>(</a:t>
-            </a:r>
-            <a:r>
-              <a:rPr lang="en-US" sz="1200" dirty="0">
-                <a:solidFill>
-                  <a:srgbClr val="800000"/>
-                </a:solidFill>
-                <a:highlight>
-                  <a:srgbClr val="FFFFFF"/>
-                </a:highlight>
-                <a:latin typeface="PT Mono"/>
-              </a:rPr>
-              <a:t>n1</a:t>
-            </a:r>
-            <a:r>
-              <a:rPr lang="en-US" sz="1200" dirty="0">
-                <a:solidFill>
-                  <a:srgbClr val="000000"/>
-                </a:solidFill>
-                <a:highlight>
-                  <a:srgbClr val="FFFFFF"/>
-                </a:highlight>
-                <a:latin typeface="PT Mono"/>
-              </a:rPr>
-              <a:t>.</a:t>
-            </a:r>
-            <a:r>
-              <a:rPr lang="en-US" sz="1200" dirty="0">
-                <a:solidFill>
-                  <a:srgbClr val="800000"/>
-                </a:solidFill>
-                <a:highlight>
-                  <a:srgbClr val="FFFFFF"/>
-                </a:highlight>
-                <a:latin typeface="PT Mono"/>
-              </a:rPr>
-              <a:t>text</a:t>
-            </a:r>
-            <a:r>
-              <a:rPr lang="en-US" sz="1200" dirty="0">
-                <a:solidFill>
-                  <a:srgbClr val="000000"/>
-                </a:solidFill>
-                <a:highlight>
-                  <a:srgbClr val="FFFFFF"/>
-                </a:highlight>
-                <a:latin typeface="PT Mono"/>
-              </a:rPr>
-              <a:t>) + </a:t>
-            </a:r>
-            <a:r>
-              <a:rPr lang="en-US" sz="1200" dirty="0" err="1">
-                <a:solidFill>
-                  <a:srgbClr val="800000"/>
-                </a:solidFill>
-                <a:highlight>
-                  <a:srgbClr val="FFFFFF"/>
-                </a:highlight>
-                <a:latin typeface="PT Mono"/>
-              </a:rPr>
-              <a:t>parseInt</a:t>
-            </a:r>
-            <a:r>
-              <a:rPr lang="en-US" sz="1200" dirty="0">
-                <a:solidFill>
-                  <a:srgbClr val="000000"/>
-                </a:solidFill>
-                <a:highlight>
-                  <a:srgbClr val="FFFFFF"/>
-                </a:highlight>
-                <a:latin typeface="PT Mono"/>
-              </a:rPr>
-              <a:t>(</a:t>
-            </a:r>
-            <a:r>
-              <a:rPr lang="en-US" sz="1200" dirty="0">
-                <a:solidFill>
-                  <a:srgbClr val="800000"/>
-                </a:solidFill>
-                <a:highlight>
-                  <a:srgbClr val="FFFFFF"/>
-                </a:highlight>
-                <a:latin typeface="PT Mono"/>
-              </a:rPr>
-              <a:t>n2</a:t>
-            </a:r>
-            <a:r>
-              <a:rPr lang="en-US" sz="1200" dirty="0">
-                <a:solidFill>
-                  <a:srgbClr val="000000"/>
-                </a:solidFill>
-                <a:highlight>
-                  <a:srgbClr val="FFFFFF"/>
-                </a:highlight>
-                <a:latin typeface="PT Mono"/>
-              </a:rPr>
-              <a:t>.</a:t>
-            </a:r>
-            <a:r>
-              <a:rPr lang="en-US" sz="1200" dirty="0">
-                <a:solidFill>
-                  <a:srgbClr val="800000"/>
-                </a:solidFill>
-                <a:highlight>
-                  <a:srgbClr val="FFFFFF"/>
-                </a:highlight>
-                <a:latin typeface="PT Mono"/>
-              </a:rPr>
-              <a:t>text</a:t>
-            </a:r>
-            <a:r>
-              <a:rPr lang="en-US" sz="1200" dirty="0">
-                <a:solidFill>
-                  <a:srgbClr val="000000"/>
-                </a:solidFill>
-                <a:highlight>
-                  <a:srgbClr val="FFFFFF"/>
-                </a:highlight>
-                <a:latin typeface="PT Mono"/>
-              </a:rPr>
-              <a:t>))</a:t>
-            </a:r>
-          </a:p>
-          <a:p>
-            <a:r>
-              <a:rPr lang="en-US" sz="1200" dirty="0">
-                <a:solidFill>
-                  <a:srgbClr val="000000"/>
-                </a:solidFill>
-                <a:highlight>
-                  <a:srgbClr val="FFFFFF"/>
-                </a:highlight>
-                <a:latin typeface="PT Mono"/>
-              </a:rPr>
-              <a:t>            }</a:t>
-            </a:r>
-          </a:p>
-          <a:p>
-            <a:r>
-              <a:rPr lang="en-US" sz="1200" dirty="0">
-                <a:solidFill>
-                  <a:srgbClr val="000000"/>
-                </a:solidFill>
-                <a:highlight>
-                  <a:srgbClr val="FFFFFF"/>
-                </a:highlight>
-                <a:latin typeface="PT Mono"/>
-              </a:rPr>
-              <a:t>        }</a:t>
-            </a:r>
-          </a:p>
-          <a:p>
-            <a:r>
-              <a:rPr lang="en-US" sz="1200" dirty="0">
-                <a:solidFill>
-                  <a:srgbClr val="000000"/>
-                </a:solidFill>
-                <a:highlight>
-                  <a:srgbClr val="FFFFFF"/>
-                </a:highlight>
-                <a:latin typeface="PT Mono"/>
-              </a:rPr>
-              <a:t>        </a:t>
-            </a:r>
-            <a:r>
-              <a:rPr lang="en-US" sz="1200" dirty="0" err="1">
-                <a:solidFill>
-                  <a:srgbClr val="800080"/>
-                </a:solidFill>
-                <a:highlight>
-                  <a:srgbClr val="FFFFFF"/>
-                </a:highlight>
-                <a:latin typeface="PT Mono"/>
-              </a:rPr>
-              <a:t>TextField</a:t>
-            </a:r>
-            <a:r>
-              <a:rPr lang="en-US" sz="1200" dirty="0">
-                <a:solidFill>
-                  <a:srgbClr val="000000"/>
-                </a:solidFill>
-                <a:highlight>
-                  <a:srgbClr val="FFFFFF"/>
-                </a:highlight>
-                <a:latin typeface="PT Mono"/>
-              </a:rPr>
-              <a:t> {</a:t>
-            </a:r>
-          </a:p>
-          <a:p>
-            <a:r>
-              <a:rPr lang="en-US" sz="1200" dirty="0">
-                <a:solidFill>
-                  <a:srgbClr val="000000"/>
-                </a:solidFill>
-                <a:highlight>
-                  <a:srgbClr val="FFFFFF"/>
-                </a:highlight>
-                <a:latin typeface="PT Mono"/>
-              </a:rPr>
-              <a:t>             </a:t>
-            </a:r>
-            <a:r>
-              <a:rPr lang="en-US" sz="1200" dirty="0" err="1">
-                <a:solidFill>
-                  <a:srgbClr val="800000"/>
-                </a:solidFill>
-                <a:highlight>
-                  <a:srgbClr val="FFFFFF"/>
-                </a:highlight>
-                <a:latin typeface="PT Mono"/>
-              </a:rPr>
-              <a:t>textColor</a:t>
-            </a:r>
-            <a:r>
-              <a:rPr lang="en-US" sz="1200" dirty="0">
-                <a:solidFill>
-                  <a:srgbClr val="000000"/>
-                </a:solidFill>
-                <a:highlight>
-                  <a:srgbClr val="FFFFFF"/>
-                </a:highlight>
-                <a:latin typeface="PT Mono"/>
-              </a:rPr>
-              <a:t>: (</a:t>
-            </a:r>
-            <a:r>
-              <a:rPr lang="en-US" sz="1200" dirty="0" err="1">
-                <a:solidFill>
-                  <a:srgbClr val="800000"/>
-                </a:solidFill>
-                <a:highlight>
-                  <a:srgbClr val="FFFFFF"/>
-                </a:highlight>
-                <a:latin typeface="PT Mono"/>
-              </a:rPr>
-              <a:t>text</a:t>
-            </a:r>
-            <a:r>
-              <a:rPr lang="en-US" sz="1200" dirty="0" err="1">
-                <a:solidFill>
-                  <a:srgbClr val="000000"/>
-                </a:solidFill>
-                <a:highlight>
-                  <a:srgbClr val="FFFFFF"/>
-                </a:highlight>
-                <a:latin typeface="PT Mono"/>
-              </a:rPr>
-              <a:t>.</a:t>
-            </a:r>
-            <a:r>
-              <a:rPr lang="en-US" sz="1200" dirty="0" err="1">
-                <a:solidFill>
-                  <a:srgbClr val="800000"/>
-                </a:solidFill>
-                <a:highlight>
-                  <a:srgbClr val="FFFFFF"/>
-                </a:highlight>
-                <a:latin typeface="PT Mono"/>
-              </a:rPr>
-              <a:t>indexOf</a:t>
-            </a:r>
-            <a:r>
-              <a:rPr lang="en-US" sz="1200" dirty="0">
-                <a:solidFill>
-                  <a:srgbClr val="000000"/>
-                </a:solidFill>
-                <a:highlight>
-                  <a:srgbClr val="FFFFFF"/>
-                </a:highlight>
-                <a:latin typeface="PT Mono"/>
-              </a:rPr>
-              <a:t>(</a:t>
-            </a:r>
-            <a:r>
-              <a:rPr lang="en-US" sz="1200" dirty="0">
-                <a:solidFill>
-                  <a:srgbClr val="808080"/>
-                </a:solidFill>
-                <a:highlight>
-                  <a:srgbClr val="FFFFFF"/>
-                </a:highlight>
-                <a:latin typeface="PT Mono"/>
-              </a:rPr>
-              <a:t>"@"</a:t>
-            </a:r>
-            <a:r>
-              <a:rPr lang="en-US" sz="1200" dirty="0">
-                <a:solidFill>
-                  <a:srgbClr val="000000"/>
-                </a:solidFill>
-                <a:highlight>
-                  <a:srgbClr val="FFFFFF"/>
-                </a:highlight>
-                <a:latin typeface="PT Mono"/>
-              </a:rPr>
-              <a:t>)&lt;</a:t>
-            </a:r>
-            <a:r>
-              <a:rPr lang="en-US" sz="1200" dirty="0">
-                <a:solidFill>
-                  <a:srgbClr val="FF8000"/>
-                </a:solidFill>
-                <a:highlight>
-                  <a:srgbClr val="FFFFFF"/>
-                </a:highlight>
-                <a:latin typeface="PT Mono"/>
-              </a:rPr>
-              <a:t>0</a:t>
-            </a:r>
-            <a:r>
-              <a:rPr lang="en-US" sz="1200" dirty="0">
-                <a:solidFill>
-                  <a:srgbClr val="000000"/>
-                </a:solidFill>
-                <a:highlight>
-                  <a:srgbClr val="FFFFFF"/>
-                </a:highlight>
-                <a:latin typeface="PT Mono"/>
-              </a:rPr>
-              <a:t>)?</a:t>
-            </a:r>
-            <a:r>
-              <a:rPr lang="en-US" sz="1200" dirty="0">
-                <a:solidFill>
-                  <a:srgbClr val="808080"/>
-                </a:solidFill>
-                <a:highlight>
-                  <a:srgbClr val="FFFFFF"/>
-                </a:highlight>
-                <a:latin typeface="PT Mono"/>
-              </a:rPr>
-              <a:t>"</a:t>
-            </a:r>
-            <a:r>
-              <a:rPr lang="en-US" sz="1200" dirty="0" err="1">
-                <a:solidFill>
-                  <a:srgbClr val="808080"/>
-                </a:solidFill>
-                <a:highlight>
-                  <a:srgbClr val="FFFFFF"/>
-                </a:highlight>
-                <a:latin typeface="PT Mono"/>
-              </a:rPr>
-              <a:t>red"</a:t>
-            </a:r>
-            <a:r>
-              <a:rPr lang="en-US" sz="1200" dirty="0" err="1">
-                <a:solidFill>
-                  <a:srgbClr val="000000"/>
-                </a:solidFill>
-                <a:highlight>
-                  <a:srgbClr val="FFFFFF"/>
-                </a:highlight>
-                <a:latin typeface="PT Mono"/>
-              </a:rPr>
-              <a:t>:</a:t>
-            </a:r>
-            <a:r>
-              <a:rPr lang="en-US" sz="1200" dirty="0" err="1">
-                <a:solidFill>
-                  <a:srgbClr val="808080"/>
-                </a:solidFill>
-                <a:highlight>
-                  <a:srgbClr val="FFFFFF"/>
-                </a:highlight>
-                <a:latin typeface="PT Mono"/>
-              </a:rPr>
-              <a:t>"green</a:t>
-            </a:r>
-            <a:r>
-              <a:rPr lang="en-US" sz="1200" dirty="0">
-                <a:solidFill>
-                  <a:srgbClr val="808080"/>
-                </a:solidFill>
-                <a:highlight>
-                  <a:srgbClr val="FFFFFF"/>
-                </a:highlight>
-                <a:latin typeface="PT Mono"/>
-              </a:rPr>
-              <a:t>"</a:t>
+              <a:t>"+"</a:t>
             </a:r>
             <a:endParaRPr lang="en-US" sz="1200" dirty="0">
               <a:solidFill>
@@ -24159,7 +23669,308 @@
                 </a:highlight>
                 <a:latin typeface="PT Mono"/>
               </a:rPr>
-              <a:t>             </a:t>
+              <a:t>    </a:t>
+            </a:r>
+            <a:r>
+              <a:rPr lang="en-US" sz="1200" dirty="0" smtClean="0">
+                <a:solidFill>
+                  <a:srgbClr val="000000"/>
+                </a:solidFill>
+                <a:highlight>
+                  <a:srgbClr val="FFFFFF"/>
+                </a:highlight>
+                <a:latin typeface="PT Mono"/>
+              </a:rPr>
+              <a:t>}</a:t>
+            </a:r>
+            <a:endParaRPr lang="en-US" sz="1200" dirty="0">
+              <a:solidFill>
+                <a:srgbClr val="000000"/>
+              </a:solidFill>
+              <a:highlight>
+                <a:srgbClr val="FFFFFF"/>
+              </a:highlight>
+              <a:latin typeface="PT Mono"/>
+            </a:endParaRPr>
+          </a:p>
+          <a:p>
+            <a:r>
+              <a:rPr lang="en-US" sz="1200" dirty="0">
+                <a:solidFill>
+                  <a:srgbClr val="000000"/>
+                </a:solidFill>
+                <a:highlight>
+                  <a:srgbClr val="FFFFFF"/>
+                </a:highlight>
+                <a:latin typeface="PT Mono"/>
+              </a:rPr>
+              <a:t>    </a:t>
+            </a:r>
+            <a:r>
+              <a:rPr lang="en-US" sz="1200" dirty="0" err="1" smtClean="0">
+                <a:solidFill>
+                  <a:srgbClr val="800080"/>
+                </a:solidFill>
+                <a:highlight>
+                  <a:srgbClr val="FFFFFF"/>
+                </a:highlight>
+                <a:latin typeface="PT Mono"/>
+              </a:rPr>
+              <a:t>TextField</a:t>
+            </a:r>
+            <a:r>
+              <a:rPr lang="en-US" sz="1200" dirty="0" smtClean="0">
+                <a:solidFill>
+                  <a:srgbClr val="000000"/>
+                </a:solidFill>
+                <a:highlight>
+                  <a:srgbClr val="FFFFFF"/>
+                </a:highlight>
+                <a:latin typeface="PT Mono"/>
+              </a:rPr>
+              <a:t> </a:t>
+            </a:r>
+            <a:r>
+              <a:rPr lang="en-US" sz="1200" dirty="0">
+                <a:solidFill>
+                  <a:srgbClr val="000000"/>
+                </a:solidFill>
+                <a:highlight>
+                  <a:srgbClr val="FFFFFF"/>
+                </a:highlight>
+                <a:latin typeface="PT Mono"/>
+              </a:rPr>
+              <a:t>{</a:t>
+            </a:r>
+          </a:p>
+          <a:p>
+            <a:r>
+              <a:rPr lang="en-US" sz="1200" dirty="0">
+                <a:solidFill>
+                  <a:srgbClr val="000000"/>
+                </a:solidFill>
+                <a:highlight>
+                  <a:srgbClr val="FFFFFF"/>
+                </a:highlight>
+                <a:latin typeface="PT Mono"/>
+              </a:rPr>
+              <a:t>    </a:t>
+            </a:r>
+            <a:r>
+              <a:rPr lang="en-US" sz="1200" dirty="0" smtClean="0">
+                <a:solidFill>
+                  <a:srgbClr val="000000"/>
+                </a:solidFill>
+                <a:highlight>
+                  <a:srgbClr val="FFFFFF"/>
+                </a:highlight>
+                <a:latin typeface="PT Mono"/>
+              </a:rPr>
+              <a:t>    </a:t>
+            </a:r>
+            <a:r>
+              <a:rPr lang="en-US" sz="1200" dirty="0" smtClean="0">
+                <a:solidFill>
+                  <a:srgbClr val="800000"/>
+                </a:solidFill>
+                <a:highlight>
+                  <a:srgbClr val="FFFFFF"/>
+                </a:highlight>
+                <a:latin typeface="PT Mono"/>
+              </a:rPr>
+              <a:t>id</a:t>
+            </a:r>
+            <a:r>
+              <a:rPr lang="en-US" sz="1200" dirty="0">
+                <a:solidFill>
+                  <a:srgbClr val="000000"/>
+                </a:solidFill>
+                <a:highlight>
+                  <a:srgbClr val="FFFFFF"/>
+                </a:highlight>
+                <a:latin typeface="PT Mono"/>
+              </a:rPr>
+              <a:t>: </a:t>
+            </a:r>
+            <a:r>
+              <a:rPr lang="en-US" sz="1200" dirty="0">
+                <a:solidFill>
+                  <a:srgbClr val="800000"/>
+                </a:solidFill>
+                <a:highlight>
+                  <a:srgbClr val="FFFFFF"/>
+                </a:highlight>
+                <a:latin typeface="PT Mono"/>
+              </a:rPr>
+              <a:t>n2</a:t>
+            </a:r>
+            <a:endParaRPr lang="en-US" sz="1200" dirty="0">
+              <a:solidFill>
+                <a:srgbClr val="000000"/>
+              </a:solidFill>
+              <a:highlight>
+                <a:srgbClr val="FFFFFF"/>
+              </a:highlight>
+              <a:latin typeface="PT Mono"/>
+            </a:endParaRPr>
+          </a:p>
+          <a:p>
+            <a:r>
+              <a:rPr lang="en-US" sz="1200" dirty="0">
+                <a:solidFill>
+                  <a:srgbClr val="000000"/>
+                </a:solidFill>
+                <a:highlight>
+                  <a:srgbClr val="FFFFFF"/>
+                </a:highlight>
+                <a:latin typeface="PT Mono"/>
+              </a:rPr>
+              <a:t>    </a:t>
+            </a:r>
+            <a:r>
+              <a:rPr lang="en-US" sz="1200" dirty="0" smtClean="0">
+                <a:solidFill>
+                  <a:srgbClr val="000000"/>
+                </a:solidFill>
+                <a:highlight>
+                  <a:srgbClr val="FFFFFF"/>
+                </a:highlight>
+                <a:latin typeface="PT Mono"/>
+              </a:rPr>
+              <a:t>}</a:t>
+            </a:r>
+            <a:endParaRPr lang="en-US" sz="1200" dirty="0">
+              <a:solidFill>
+                <a:srgbClr val="000000"/>
+              </a:solidFill>
+              <a:highlight>
+                <a:srgbClr val="FFFFFF"/>
+              </a:highlight>
+              <a:latin typeface="PT Mono"/>
+            </a:endParaRPr>
+          </a:p>
+          <a:p>
+            <a:r>
+              <a:rPr lang="en-US" sz="1200" dirty="0">
+                <a:solidFill>
+                  <a:srgbClr val="000000"/>
+                </a:solidFill>
+                <a:highlight>
+                  <a:srgbClr val="FFFFFF"/>
+                </a:highlight>
+                <a:latin typeface="PT Mono"/>
+              </a:rPr>
+              <a:t>    </a:t>
+            </a:r>
+            <a:r>
+              <a:rPr lang="en-US" sz="1200" dirty="0" smtClean="0">
+                <a:solidFill>
+                  <a:srgbClr val="800080"/>
+                </a:solidFill>
+                <a:highlight>
+                  <a:srgbClr val="FFFFFF"/>
+                </a:highlight>
+                <a:latin typeface="PT Mono"/>
+              </a:rPr>
+              <a:t>Text</a:t>
+            </a:r>
+            <a:r>
+              <a:rPr lang="en-US" sz="1200" dirty="0" smtClean="0">
+                <a:solidFill>
+                  <a:srgbClr val="000000"/>
+                </a:solidFill>
+                <a:highlight>
+                  <a:srgbClr val="FFFFFF"/>
+                </a:highlight>
+                <a:latin typeface="PT Mono"/>
+              </a:rPr>
+              <a:t> </a:t>
+            </a:r>
+            <a:r>
+              <a:rPr lang="en-US" sz="1200" dirty="0">
+                <a:solidFill>
+                  <a:srgbClr val="000000"/>
+                </a:solidFill>
+                <a:highlight>
+                  <a:srgbClr val="FFFFFF"/>
+                </a:highlight>
+                <a:latin typeface="PT Mono"/>
+              </a:rPr>
+              <a:t>{</a:t>
+            </a:r>
+          </a:p>
+          <a:p>
+            <a:r>
+              <a:rPr lang="en-US" sz="1200" dirty="0">
+                <a:solidFill>
+                  <a:srgbClr val="000000"/>
+                </a:solidFill>
+                <a:highlight>
+                  <a:srgbClr val="FFFFFF"/>
+                </a:highlight>
+                <a:latin typeface="PT Mono"/>
+              </a:rPr>
+              <a:t>    </a:t>
+            </a:r>
+            <a:r>
+              <a:rPr lang="en-US" sz="1200" dirty="0" smtClean="0">
+                <a:solidFill>
+                  <a:srgbClr val="000000"/>
+                </a:solidFill>
+                <a:highlight>
+                  <a:srgbClr val="FFFFFF"/>
+                </a:highlight>
+                <a:latin typeface="PT Mono"/>
+              </a:rPr>
+              <a:t>    </a:t>
+            </a:r>
+            <a:r>
+              <a:rPr lang="en-US" sz="1200" dirty="0">
+                <a:solidFill>
+                  <a:srgbClr val="800000"/>
+                </a:solidFill>
+                <a:highlight>
+                  <a:srgbClr val="FFFFFF"/>
+                </a:highlight>
+                <a:latin typeface="PT Mono"/>
+              </a:rPr>
+              <a:t>text</a:t>
+            </a:r>
+            <a:r>
+              <a:rPr lang="en-US" sz="1200" dirty="0">
+                <a:solidFill>
+                  <a:srgbClr val="000000"/>
+                </a:solidFill>
+                <a:highlight>
+                  <a:srgbClr val="FFFFFF"/>
+                </a:highlight>
+                <a:latin typeface="PT Mono"/>
+              </a:rPr>
+              <a:t>: </a:t>
+            </a:r>
+            <a:r>
+              <a:rPr lang="en-US" sz="1200" dirty="0">
+                <a:solidFill>
+                  <a:srgbClr val="808080"/>
+                </a:solidFill>
+                <a:highlight>
+                  <a:srgbClr val="FFFFFF"/>
+                </a:highlight>
+                <a:latin typeface="PT Mono"/>
+              </a:rPr>
+              <a:t>" = "</a:t>
+            </a:r>
+            <a:r>
+              <a:rPr lang="en-US" sz="1200" dirty="0">
+                <a:solidFill>
+                  <a:srgbClr val="000000"/>
+                </a:solidFill>
+                <a:highlight>
+                  <a:srgbClr val="FFFFFF"/>
+                </a:highlight>
+                <a:latin typeface="PT Mono"/>
+              </a:rPr>
+              <a:t> + (</a:t>
             </a:r>
             <a:r>
               <a:rPr lang="en-US" sz="1200" dirty="0" err="1">
@@ -24171,6 +23982,463 @@
                 </a:highlight>
                 <a:latin typeface="PT Mono"/>
               </a:rPr>
+              <a:t>parseInt</a:t>
+            </a:r>
+            <a:r>
+              <a:rPr lang="en-US" sz="1200" dirty="0">
+                <a:solidFill>
+                  <a:srgbClr val="000000"/>
+                </a:solidFill>
+                <a:highlight>
+                  <a:srgbClr val="FFFFFF"/>
+                </a:highlight>
+                <a:latin typeface="PT Mono"/>
+              </a:rPr>
+              <a:t>(</a:t>
+            </a:r>
+            <a:r>
+              <a:rPr lang="en-US" sz="1200" dirty="0">
+                <a:solidFill>
+                  <a:srgbClr val="800000"/>
+                </a:solidFill>
+                <a:highlight>
+                  <a:srgbClr val="FFFFFF"/>
+                </a:highlight>
+                <a:latin typeface="PT Mono"/>
+              </a:rPr>
+              <a:t>n1</a:t>
+            </a:r>
+            <a:r>
+              <a:rPr lang="en-US" sz="1200" dirty="0">
+                <a:solidFill>
+                  <a:srgbClr val="000000"/>
+                </a:solidFill>
+                <a:highlight>
+                  <a:srgbClr val="FFFFFF"/>
+                </a:highlight>
+                <a:latin typeface="PT Mono"/>
+              </a:rPr>
+              <a:t>.</a:t>
+            </a:r>
+            <a:r>
+              <a:rPr lang="en-US" sz="1200" dirty="0">
+                <a:solidFill>
+                  <a:srgbClr val="800000"/>
+                </a:solidFill>
+                <a:highlight>
+                  <a:srgbClr val="FFFFFF"/>
+                </a:highlight>
+                <a:latin typeface="PT Mono"/>
+              </a:rPr>
+              <a:t>text</a:t>
+            </a:r>
+            <a:r>
+              <a:rPr lang="en-US" sz="1200" dirty="0">
+                <a:solidFill>
+                  <a:srgbClr val="000000"/>
+                </a:solidFill>
+                <a:highlight>
+                  <a:srgbClr val="FFFFFF"/>
+                </a:highlight>
+                <a:latin typeface="PT Mono"/>
+              </a:rPr>
+              <a:t>) + </a:t>
+            </a:r>
+            <a:r>
+              <a:rPr lang="en-US" sz="1200" dirty="0" err="1">
+                <a:solidFill>
+                  <a:srgbClr val="800000"/>
+                </a:solidFill>
+                <a:highlight>
+                  <a:srgbClr val="FFFFFF"/>
+                </a:highlight>
+                <a:latin typeface="PT Mono"/>
+              </a:rPr>
+              <a:t>parseInt</a:t>
+            </a:r>
+            <a:r>
+              <a:rPr lang="en-US" sz="1200" dirty="0">
+                <a:solidFill>
+                  <a:srgbClr val="000000"/>
+                </a:solidFill>
+                <a:highlight>
+                  <a:srgbClr val="FFFFFF"/>
+                </a:highlight>
+                <a:latin typeface="PT Mono"/>
+              </a:rPr>
+              <a:t>(</a:t>
+            </a:r>
+            <a:r>
+              <a:rPr lang="en-US" sz="1200" dirty="0">
+                <a:solidFill>
+                  <a:srgbClr val="800000"/>
+                </a:solidFill>
+                <a:highlight>
+                  <a:srgbClr val="FFFFFF"/>
+                </a:highlight>
+                <a:latin typeface="PT Mono"/>
+              </a:rPr>
+              <a:t>n2</a:t>
+            </a:r>
+            <a:r>
+              <a:rPr lang="en-US" sz="1200" dirty="0">
+                <a:solidFill>
+                  <a:srgbClr val="000000"/>
+                </a:solidFill>
+                <a:highlight>
+                  <a:srgbClr val="FFFFFF"/>
+                </a:highlight>
+                <a:latin typeface="PT Mono"/>
+              </a:rPr>
+              <a:t>.</a:t>
+            </a:r>
+            <a:r>
+              <a:rPr lang="en-US" sz="1200" dirty="0">
+                <a:solidFill>
+                  <a:srgbClr val="800000"/>
+                </a:solidFill>
+                <a:highlight>
+                  <a:srgbClr val="FFFFFF"/>
+                </a:highlight>
+                <a:latin typeface="PT Mono"/>
+              </a:rPr>
+              <a:t>text</a:t>
+            </a:r>
+            <a:r>
+              <a:rPr lang="en-US" sz="1200" dirty="0">
+                <a:solidFill>
+                  <a:srgbClr val="000000"/>
+                </a:solidFill>
+                <a:highlight>
+                  <a:srgbClr val="FFFFFF"/>
+                </a:highlight>
+                <a:latin typeface="PT Mono"/>
+              </a:rPr>
+              <a:t>))</a:t>
+            </a:r>
+          </a:p>
+          <a:p>
+            <a:r>
+              <a:rPr lang="en-US" sz="1200" dirty="0">
+                <a:solidFill>
+                  <a:srgbClr val="000000"/>
+                </a:solidFill>
+                <a:highlight>
+                  <a:srgbClr val="FFFFFF"/>
+                </a:highlight>
+                <a:latin typeface="PT Mono"/>
+              </a:rPr>
+              <a:t>    </a:t>
+            </a:r>
+            <a:r>
+              <a:rPr lang="en-US" sz="1200" dirty="0" smtClean="0">
+                <a:solidFill>
+                  <a:srgbClr val="000000"/>
+                </a:solidFill>
+                <a:highlight>
+                  <a:srgbClr val="FFFFFF"/>
+                </a:highlight>
+                <a:latin typeface="PT Mono"/>
+              </a:rPr>
+              <a:t>}</a:t>
+            </a:r>
+            <a:endParaRPr lang="en-US" sz="1200" dirty="0">
+              <a:solidFill>
+                <a:srgbClr val="000000"/>
+              </a:solidFill>
+              <a:highlight>
+                <a:srgbClr val="FFFFFF"/>
+              </a:highlight>
+              <a:latin typeface="PT Mono"/>
+            </a:endParaRPr>
+          </a:p>
+          <a:p>
+            <a:r>
+              <a:rPr lang="en-US" sz="1200" dirty="0" smtClean="0">
+                <a:solidFill>
+                  <a:srgbClr val="000000"/>
+                </a:solidFill>
+                <a:highlight>
+                  <a:srgbClr val="FFFFFF"/>
+                </a:highlight>
+                <a:latin typeface="PT Mono"/>
+              </a:rPr>
+              <a:t>}</a:t>
+            </a:r>
+            <a:endParaRPr lang="en-US" sz="1200" dirty="0">
+              <a:solidFill>
+                <a:srgbClr val="000000"/>
+              </a:solidFill>
+              <a:highlight>
+                <a:srgbClr val="FFFFFF"/>
+              </a:highlight>
+              <a:latin typeface="PT Mono"/>
+            </a:endParaRPr>
+          </a:p>
+          <a:p>
+            <a:r>
+              <a:rPr lang="en-US" sz="1200" dirty="0" err="1" smtClean="0">
+                <a:solidFill>
+                  <a:srgbClr val="800080"/>
+                </a:solidFill>
+                <a:highlight>
+                  <a:srgbClr val="FFFFFF"/>
+                </a:highlight>
+                <a:latin typeface="PT Mono"/>
+              </a:rPr>
+              <a:t>TextField</a:t>
+            </a:r>
+            <a:r>
+              <a:rPr lang="en-US" sz="1200" dirty="0" smtClean="0">
+                <a:solidFill>
+                  <a:srgbClr val="000000"/>
+                </a:solidFill>
+                <a:highlight>
+                  <a:srgbClr val="FFFFFF"/>
+                </a:highlight>
+                <a:latin typeface="PT Mono"/>
+              </a:rPr>
+              <a:t> </a:t>
+            </a:r>
+            <a:r>
+              <a:rPr lang="en-US" sz="1200" dirty="0">
+                <a:solidFill>
+                  <a:srgbClr val="000000"/>
+                </a:solidFill>
+                <a:highlight>
+                  <a:srgbClr val="FFFFFF"/>
+                </a:highlight>
+                <a:latin typeface="PT Mono"/>
+              </a:rPr>
+              <a:t>{</a:t>
+            </a:r>
+          </a:p>
+          <a:p>
+            <a:r>
+              <a:rPr lang="en-US" sz="1200" dirty="0">
+                <a:solidFill>
+                  <a:srgbClr val="000000"/>
+                </a:solidFill>
+                <a:highlight>
+                  <a:srgbClr val="FFFFFF"/>
+                </a:highlight>
+                <a:latin typeface="PT Mono"/>
+              </a:rPr>
+              <a:t>    </a:t>
+            </a:r>
+            <a:r>
+              <a:rPr lang="en-US" sz="1200" dirty="0" err="1" smtClean="0">
+                <a:solidFill>
+                  <a:srgbClr val="800000"/>
+                </a:solidFill>
+                <a:highlight>
+                  <a:srgbClr val="FFFFFF"/>
+                </a:highlight>
+                <a:latin typeface="PT Mono"/>
+              </a:rPr>
+              <a:t>textColor</a:t>
+            </a:r>
+            <a:r>
+              <a:rPr lang="en-US" sz="1200" dirty="0">
+                <a:solidFill>
+                  <a:srgbClr val="000000"/>
+                </a:solidFill>
+                <a:highlight>
+                  <a:srgbClr val="FFFFFF"/>
+                </a:highlight>
+                <a:latin typeface="PT Mono"/>
+              </a:rPr>
+              <a:t>: (</a:t>
+            </a:r>
+            <a:r>
+              <a:rPr lang="en-US" sz="1200" dirty="0" err="1">
+                <a:solidFill>
+                  <a:srgbClr val="800000"/>
+                </a:solidFill>
+                <a:highlight>
+                  <a:srgbClr val="FFFFFF"/>
+                </a:highlight>
+                <a:latin typeface="PT Mono"/>
+              </a:rPr>
+              <a:t>text</a:t>
+            </a:r>
+            <a:r>
+              <a:rPr lang="en-US" sz="1200" dirty="0" err="1">
+                <a:solidFill>
+                  <a:srgbClr val="000000"/>
+                </a:solidFill>
+                <a:highlight>
+                  <a:srgbClr val="FFFFFF"/>
+                </a:highlight>
+                <a:latin typeface="PT Mono"/>
+              </a:rPr>
+              <a:t>.</a:t>
+            </a:r>
+            <a:r>
+              <a:rPr lang="en-US" sz="1200" dirty="0" err="1">
+                <a:solidFill>
+                  <a:srgbClr val="800000"/>
+                </a:solidFill>
+                <a:highlight>
+                  <a:srgbClr val="FFFFFF"/>
+                </a:highlight>
+                <a:latin typeface="PT Mono"/>
+              </a:rPr>
+              <a:t>indexOf</a:t>
+            </a:r>
+            <a:r>
+              <a:rPr lang="en-US" sz="1200" dirty="0">
+                <a:solidFill>
+                  <a:srgbClr val="000000"/>
+                </a:solidFill>
+                <a:highlight>
+                  <a:srgbClr val="FFFFFF"/>
+                </a:highlight>
+                <a:latin typeface="PT Mono"/>
+              </a:rPr>
+              <a:t>(</a:t>
+            </a:r>
+            <a:r>
+              <a:rPr lang="en-US" sz="1200" dirty="0">
+                <a:solidFill>
+                  <a:srgbClr val="808080"/>
+                </a:solidFill>
+                <a:highlight>
+                  <a:srgbClr val="FFFFFF"/>
+                </a:highlight>
+                <a:latin typeface="PT Mono"/>
+              </a:rPr>
+              <a:t>"@"</a:t>
+            </a:r>
+            <a:r>
+              <a:rPr lang="en-US" sz="1200" dirty="0">
+                <a:solidFill>
+                  <a:srgbClr val="000000"/>
+                </a:solidFill>
+                <a:highlight>
+                  <a:srgbClr val="FFFFFF"/>
+                </a:highlight>
+                <a:latin typeface="PT Mono"/>
+              </a:rPr>
+              <a:t>)&lt;</a:t>
+            </a:r>
+            <a:r>
+              <a:rPr lang="en-US" sz="1200" dirty="0">
+                <a:solidFill>
+                  <a:srgbClr val="FF8000"/>
+                </a:solidFill>
+                <a:highlight>
+                  <a:srgbClr val="FFFFFF"/>
+                </a:highlight>
+                <a:latin typeface="PT Mono"/>
+              </a:rPr>
+              <a:t>0</a:t>
+            </a:r>
+            <a:r>
+              <a:rPr lang="en-US" sz="1200" dirty="0">
+                <a:solidFill>
+                  <a:srgbClr val="000000"/>
+                </a:solidFill>
+                <a:highlight>
+                  <a:srgbClr val="FFFFFF"/>
+                </a:highlight>
+                <a:latin typeface="PT Mono"/>
+              </a:rPr>
+              <a:t>)?</a:t>
+            </a:r>
+            <a:r>
+              <a:rPr lang="en-US" sz="1200" dirty="0">
+                <a:solidFill>
+                  <a:srgbClr val="808080"/>
+                </a:solidFill>
+                <a:highlight>
+                  <a:srgbClr val="FFFFFF"/>
+                </a:highlight>
+                <a:latin typeface="PT Mono"/>
+              </a:rPr>
+              <a:t>"</a:t>
+            </a:r>
+            <a:r>
+              <a:rPr lang="en-US" sz="1200" dirty="0" err="1">
+                <a:solidFill>
+                  <a:srgbClr val="808080"/>
+                </a:solidFill>
+                <a:highlight>
+                  <a:srgbClr val="FFFFFF"/>
+                </a:highlight>
+                <a:latin typeface="PT Mono"/>
+              </a:rPr>
+              <a:t>red"</a:t>
+            </a:r>
+            <a:r>
+              <a:rPr lang="en-US" sz="1200" dirty="0" err="1">
+                <a:solidFill>
+                  <a:srgbClr val="000000"/>
+                </a:solidFill>
+                <a:highlight>
+                  <a:srgbClr val="FFFFFF"/>
+                </a:highlight>
+                <a:latin typeface="PT Mono"/>
+              </a:rPr>
+              <a:t>:</a:t>
+            </a:r>
+            <a:r>
+              <a:rPr lang="en-US" sz="1200" dirty="0" err="1">
+                <a:solidFill>
+                  <a:srgbClr val="808080"/>
+                </a:solidFill>
+                <a:highlight>
+                  <a:srgbClr val="FFFFFF"/>
+                </a:highlight>
+                <a:latin typeface="PT Mono"/>
+              </a:rPr>
+              <a:t>"green</a:t>
+            </a:r>
+            <a:r>
+              <a:rPr lang="en-US" sz="1200" dirty="0">
+                <a:solidFill>
+                  <a:srgbClr val="808080"/>
+                </a:solidFill>
+                <a:highlight>
+                  <a:srgbClr val="FFFFFF"/>
+                </a:highlight>
+                <a:latin typeface="PT Mono"/>
+              </a:rPr>
+              <a:t>"</a:t>
+            </a:r>
+            <a:endParaRPr lang="en-US" sz="1200" dirty="0">
+              <a:solidFill>
+                <a:srgbClr val="000000"/>
+              </a:solidFill>
+              <a:highlight>
+                <a:srgbClr val="FFFFFF"/>
+              </a:highlight>
+              <a:latin typeface="PT Mono"/>
+            </a:endParaRPr>
+          </a:p>
+          <a:p>
+            <a:r>
+              <a:rPr lang="en-US" sz="1200" dirty="0">
+                <a:solidFill>
+                  <a:srgbClr val="000000"/>
+                </a:solidFill>
+                <a:highlight>
+                  <a:srgbClr val="FFFFFF"/>
+                </a:highlight>
+                <a:latin typeface="PT Mono"/>
+              </a:rPr>
+              <a:t>    </a:t>
+            </a:r>
+            <a:r>
+              <a:rPr lang="en-US" sz="1200" dirty="0" err="1" smtClean="0">
+                <a:solidFill>
+                  <a:srgbClr val="800000"/>
+                </a:solidFill>
+                <a:highlight>
+                  <a:srgbClr val="FFFFFF"/>
+                </a:highlight>
+                <a:latin typeface="PT Mono"/>
+              </a:rPr>
               <a:t>onTextChanged</a:t>
             </a:r>
             <a:r>
@@ -24197,7 +24465,19 @@
                 </a:highlight>
                 <a:latin typeface="PT Mono"/>
               </a:rPr>
-              <a:t>                 </a:t>
+              <a:t>    </a:t>
+            </a:r>
+            <a:r>
+              <a:rPr lang="en-US" sz="1200" dirty="0" smtClean="0">
+                <a:solidFill>
+                  <a:srgbClr val="000000"/>
+                </a:solidFill>
+                <a:highlight>
+                  <a:srgbClr val="FFFFFF"/>
+                </a:highlight>
+                <a:latin typeface="PT Mono"/>
+              </a:rPr>
+              <a:t>    </a:t>
             </a:r>
             <a:r>
               <a:rPr lang="en-US" sz="1200" dirty="0">
@@ -24283,21 +24563,42 @@
                 </a:highlight>
                 <a:latin typeface="PT Mono"/>
               </a:rPr>
-              <a:t>             }</a:t>
-            </a:r>
-          </a:p>
-          <a:p>
-            <a:r>
-              <a:rPr lang="en-US" sz="1200" dirty="0">
-                <a:solidFill>
-                  <a:srgbClr val="000000"/>
-                </a:solidFill>
-                <a:highlight>
-                  <a:srgbClr val="FFFFFF"/>
-                </a:highlight>
-                <a:latin typeface="PT Mono"/>
-              </a:rPr>
-              <a:t>        }</a:t>
+              <a:t>    </a:t>
+            </a:r>
+            <a:r>
+              <a:rPr lang="en-US" sz="1200" dirty="0" smtClean="0">
+                <a:solidFill>
+                  <a:srgbClr val="000000"/>
+                </a:solidFill>
+                <a:highlight>
+                  <a:srgbClr val="FFFFFF"/>
+                </a:highlight>
+                <a:latin typeface="PT Mono"/>
+              </a:rPr>
+              <a:t>}</a:t>
+            </a:r>
+            <a:endParaRPr lang="en-US" sz="1200" dirty="0">
+              <a:solidFill>
+                <a:srgbClr val="000000"/>
+              </a:solidFill>
+              <a:highlight>
+                <a:srgbClr val="FFFFFF"/>
+              </a:highlight>
+              <a:latin typeface="PT Mono"/>
+            </a:endParaRPr>
+          </a:p>
+          <a:p>
+            <a:r>
+              <a:rPr lang="en-US" sz="1200" dirty="0" smtClean="0">
+                <a:solidFill>
+                  <a:srgbClr val="000000"/>
+                </a:solidFill>
+                <a:highlight>
+                  <a:srgbClr val="FFFFFF"/>
+                </a:highlight>
+                <a:latin typeface="PT Mono"/>
+              </a:rPr>
+              <a:t>}</a:t>
             </a:r>
             <a:endParaRPr lang="de-DE" sz="1200" dirty="0">
               <a:latin typeface="PT Mono"/>
@@ -24315,7 +24616,7 @@
         </p:nvCxnSpPr>
         <p:spPr>
           <a:xfrm flipH="1" flipV="1">
-            <a:off x="2828925" y="4781550"/>
+            <a:off x="4090988" y="4972576"/>
             <a:ext cx="2562226" cy="38100"/>
           </a:xfrm>
           <a:prstGeom prst="straightConnector1">
@@ -24348,8 +24649,8 @@
         </p:nvCxnSpPr>
         <p:spPr>
           <a:xfrm flipH="1">
-            <a:off x="4562475" y="3143250"/>
-            <a:ext cx="828676" cy="1228725"/>
+            <a:off x="5619347" y="3584044"/>
+            <a:ext cx="1305329" cy="941461"/>
           </a:xfrm>
           <a:prstGeom prst="straightConnector1">
             <a:avLst/>
@@ -24381,8 +24682,8 @@
         </p:nvCxnSpPr>
         <p:spPr>
           <a:xfrm flipH="1">
-            <a:off x="2828925" y="2195512"/>
-            <a:ext cx="2543176" cy="1228725"/>
+            <a:off x="2898183" y="2402237"/>
+            <a:ext cx="4026494" cy="1331712"/>
           </a:xfrm>
           <a:prstGeom prst="straightConnector1">
             <a:avLst/>
@@ -26240,9 +26541,9 @@
           <p:nvPr/>
         </p:nvCxnSpPr>
         <p:spPr>
-          <a:xfrm flipH="1" flipV="1">
-            <a:off x="3495675" y="5972175"/>
-            <a:ext cx="1895476" cy="161925"/>
+          <a:xfrm flipH="1">
+            <a:off x="4448014" y="6134101"/>
+            <a:ext cx="943137" cy="11113"/>
           </a:xfrm>
           <a:prstGeom prst="straightConnector1">
             <a:avLst/>
@@ -26307,8 +26608,8 @@
         </p:nvCxnSpPr>
         <p:spPr>
           <a:xfrm flipH="1" flipV="1">
-            <a:off x="2895602" y="3786189"/>
-            <a:ext cx="2288648" cy="814386"/>
+            <a:off x="3828081" y="4017964"/>
+            <a:ext cx="1356170" cy="582612"/>
           </a:xfrm>
           <a:prstGeom prst="straightConnector1">
             <a:avLst/>
@@ -26340,8 +26641,8 @@
         </p:nvCxnSpPr>
         <p:spPr>
           <a:xfrm flipH="1" flipV="1">
-            <a:off x="3600451" y="3396240"/>
-            <a:ext cx="1790700" cy="421698"/>
+            <a:off x="4448014" y="3521077"/>
+            <a:ext cx="943137" cy="296861"/>
           </a:xfrm>
           <a:prstGeom prst="straightConnector1">
             <a:avLst/>

--- a/Praesentation.pptx
+++ b/Praesentation.pptx
@@ -19403,7 +19403,7 @@
         </p:nvSpPr>
         <p:spPr>
           <a:xfrm>
-            <a:off x="6098650" y="1690689"/>
+            <a:off x="6603152" y="1690689"/>
             <a:ext cx="5255150" cy="4486274"/>
           </a:xfrm>
         </p:spPr>
@@ -19493,7 +19493,7 @@
         <p:spPr>
           <a:xfrm>
             <a:off x="838200" y="1690688"/>
-            <a:ext cx="5260450" cy="4154984"/>
+            <a:ext cx="5751786" cy="4154984"/>
           </a:xfrm>
           <a:prstGeom prst="rect">
             <a:avLst/>
